--- a/Lection_2_Classification.pptx
+++ b/Lection_2_Classification.pptx
@@ -1,54 +1,54 @@
 
 <file path=ppt/presentation.xml><?xml version="1.0" encoding="utf-8"?>
-<p:presentation xmlns:a="http://schemas.openxmlformats.org/drawingml/2006/main" xmlns:r="http://schemas.openxmlformats.org/officeDocument/2006/relationships" xmlns:p="http://schemas.openxmlformats.org/presentationml/2006/main" saveSubsetFonts="1">
+<p:presentation xmlns:a="http://schemas.openxmlformats.org/drawingml/2006/main" xmlns:r="http://schemas.openxmlformats.org/officeDocument/2006/relationships" xmlns:p="http://schemas.openxmlformats.org/presentationml/2006/main">
   <p:sldMasterIdLst>
-    <p:sldMasterId id="2147483746" r:id="rId1"/>
+    <p:sldMasterId id="2147483648" r:id="rId1"/>
   </p:sldMasterIdLst>
   <p:notesMasterIdLst>
-    <p:notesMasterId r:id="rId34"/>
+    <p:notesMasterId r:id="rId35"/>
   </p:notesMasterIdLst>
   <p:handoutMasterIdLst>
-    <p:handoutMasterId r:id="rId35"/>
+    <p:handoutMasterId r:id="rId36"/>
   </p:handoutMasterIdLst>
   <p:sldIdLst>
-    <p:sldId id="257" r:id="rId2"/>
-    <p:sldId id="287" r:id="rId3"/>
-    <p:sldId id="288" r:id="rId4"/>
-    <p:sldId id="258" r:id="rId5"/>
-    <p:sldId id="261" r:id="rId6"/>
-    <p:sldId id="262" r:id="rId7"/>
-    <p:sldId id="263" r:id="rId8"/>
-    <p:sldId id="264" r:id="rId9"/>
-    <p:sldId id="265" r:id="rId10"/>
-    <p:sldId id="266" r:id="rId11"/>
-    <p:sldId id="268" r:id="rId12"/>
-    <p:sldId id="267" r:id="rId13"/>
-    <p:sldId id="269" r:id="rId14"/>
-    <p:sldId id="270" r:id="rId15"/>
-    <p:sldId id="271" r:id="rId16"/>
-    <p:sldId id="272" r:id="rId17"/>
-    <p:sldId id="273" r:id="rId18"/>
-    <p:sldId id="274" r:id="rId19"/>
-    <p:sldId id="275" r:id="rId20"/>
-    <p:sldId id="276" r:id="rId21"/>
-    <p:sldId id="277" r:id="rId22"/>
-    <p:sldId id="278" r:id="rId23"/>
-    <p:sldId id="279" r:id="rId24"/>
-    <p:sldId id="280" r:id="rId25"/>
-    <p:sldId id="281" r:id="rId26"/>
-    <p:sldId id="282" r:id="rId27"/>
-    <p:sldId id="283" r:id="rId28"/>
-    <p:sldId id="284" r:id="rId29"/>
-    <p:sldId id="285" r:id="rId30"/>
-    <p:sldId id="286" r:id="rId31"/>
-    <p:sldId id="259" r:id="rId32"/>
-    <p:sldId id="260" r:id="rId33"/>
+    <p:sldId id="257" r:id="rId3"/>
+    <p:sldId id="287" r:id="rId4"/>
+    <p:sldId id="288" r:id="rId5"/>
+    <p:sldId id="258" r:id="rId6"/>
+    <p:sldId id="261" r:id="rId7"/>
+    <p:sldId id="262" r:id="rId8"/>
+    <p:sldId id="263" r:id="rId9"/>
+    <p:sldId id="264" r:id="rId10"/>
+    <p:sldId id="265" r:id="rId11"/>
+    <p:sldId id="266" r:id="rId12"/>
+    <p:sldId id="268" r:id="rId13"/>
+    <p:sldId id="267" r:id="rId14"/>
+    <p:sldId id="269" r:id="rId15"/>
+    <p:sldId id="270" r:id="rId16"/>
+    <p:sldId id="271" r:id="rId17"/>
+    <p:sldId id="272" r:id="rId18"/>
+    <p:sldId id="273" r:id="rId19"/>
+    <p:sldId id="274" r:id="rId20"/>
+    <p:sldId id="275" r:id="rId21"/>
+    <p:sldId id="276" r:id="rId22"/>
+    <p:sldId id="277" r:id="rId23"/>
+    <p:sldId id="278" r:id="rId24"/>
+    <p:sldId id="279" r:id="rId25"/>
+    <p:sldId id="280" r:id="rId26"/>
+    <p:sldId id="281" r:id="rId27"/>
+    <p:sldId id="282" r:id="rId28"/>
+    <p:sldId id="283" r:id="rId29"/>
+    <p:sldId id="284" r:id="rId30"/>
+    <p:sldId id="285" r:id="rId31"/>
+    <p:sldId id="286" r:id="rId32"/>
+    <p:sldId id="259" r:id="rId33"/>
+    <p:sldId id="260" r:id="rId34"/>
   </p:sldIdLst>
   <p:sldSz cx="12192000" cy="6858000"/>
   <p:notesSz cx="6858000" cy="9144000"/>
   <p:defaultTextStyle>
     <a:defPPr rtl="0">
-      <a:defRPr lang="ru-ru"/>
+      <a:defRPr lang="en-US"/>
     </a:defPPr>
     <a:lvl1pPr marL="0" algn="l" defTabSz="914400" rtl="0" eaLnBrk="1" latinLnBrk="0" hangingPunct="1">
       <a:defRPr sz="1800" kern="1200">
@@ -141,14 +141,6 @@
       </a:defRPr>
     </a:lvl9pPr>
   </p:defaultTextStyle>
-  <p:extLst>
-    <p:ext uri="{EFAFB233-063F-42B5-8137-9DF3F51BA10A}">
-      <p15:sldGuideLst xmlns:p15="http://schemas.microsoft.com/office/powerpoint/2012/main"/>
-    </p:ext>
-    <p:ext uri="{2D200454-40CA-4A62-9FC3-DE9A4176ACB9}">
-      <p15:notesGuideLst xmlns:p15="http://schemas.microsoft.com/office/powerpoint/2012/main"/>
-    </p:ext>
-  </p:extLst>
 </p:presentation>
 </file>
 
@@ -236,7 +228,6 @@
             <a:pPr rtl="0"/>
             <a:fld id="{1E51D080-0FA4-452C-BE9C-57B885F95115}" type="datetime1">
               <a:rPr lang="ru-RU" smtClean="0"/>
-              <a:t>05.05.2022</a:t>
             </a:fld>
             <a:endParaRPr lang="en-US" dirty="0"/>
           </a:p>
@@ -304,18 +295,12 @@
             <a:pPr rtl="0"/>
             <a:fld id="{ED92CB86-0DB9-4A70-B1CF-B23508471F6B}" type="slidenum">
               <a:rPr lang="en-US" smtClean="0"/>
-              <a:t>‹#›</a:t>
             </a:fld>
             <a:endParaRPr lang="en-US"/>
           </a:p>
         </p:txBody>
       </p:sp>
     </p:spTree>
-    <p:extLst>
-      <p:ext uri="{BB962C8B-B14F-4D97-AF65-F5344CB8AC3E}">
-        <p14:creationId xmlns:p14="http://schemas.microsoft.com/office/powerpoint/2010/main" val="663557642"/>
-      </p:ext>
-    </p:extLst>
   </p:cSld>
   <p:clrMap bg1="lt1" tx1="dk1" bg2="lt2" tx2="dk2" accent1="accent1" accent2="accent2" accent3="accent3" accent4="accent4" accent5="accent5" accent6="accent6" hlink="hlink" folHlink="folHlink"/>
   <p:hf hdr="0" ftr="0"/>
@@ -406,7 +391,6 @@
             <a:pPr rtl="0"/>
             <a:fld id="{A68A2903-BD5A-4833-B0CA-AB5B8165171B}" type="datetime1">
               <a:rPr lang="ru-RU" smtClean="0"/>
-              <a:t>05.05.2022</a:t>
             </a:fld>
             <a:endParaRPr lang="en-US"/>
           </a:p>
@@ -471,7 +455,7 @@
           <a:p>
             <a:pPr lvl="0" rtl="0"/>
             <a:r>
-              <a:rPr lang="ru"/>
+              <a:rPr lang="en-US"/>
               <a:t>Щелкните, чтобы изменить стили текста образца слайда</a:t>
             </a:r>
             <a:endParaRPr lang="en-US"/>
@@ -479,28 +463,31 @@
           <a:p>
             <a:pPr lvl="1" rtl="0"/>
             <a:r>
-              <a:rPr lang="ru"/>
+              <a:rPr lang="en-US"/>
               <a:t>Второй уровень</a:t>
             </a:r>
+            <a:endParaRPr lang="en-US"/>
           </a:p>
           <a:p>
             <a:pPr lvl="2" rtl="0"/>
             <a:r>
-              <a:rPr lang="ru"/>
+              <a:rPr lang="en-US"/>
               <a:t>Третий уровень</a:t>
             </a:r>
+            <a:endParaRPr lang="en-US"/>
           </a:p>
           <a:p>
             <a:pPr lvl="3" rtl="0"/>
             <a:r>
-              <a:rPr lang="ru"/>
+              <a:rPr lang="en-US"/>
               <a:t>Четвертый уровень</a:t>
             </a:r>
+            <a:endParaRPr lang="en-US"/>
           </a:p>
           <a:p>
             <a:pPr lvl="4" rtl="0"/>
             <a:r>
-              <a:rPr lang="ru"/>
+              <a:rPr lang="en-US"/>
               <a:t>Пятый уровень</a:t>
             </a:r>
             <a:endParaRPr lang="en-US"/>
@@ -569,18 +556,12 @@
             <a:pPr rtl="0"/>
             <a:fld id="{9C2B151B-D7D1-48E5-8230-5AADBC794F88}" type="slidenum">
               <a:rPr lang="en-US" smtClean="0"/>
-              <a:t>‹#›</a:t>
             </a:fld>
             <a:endParaRPr lang="en-US"/>
           </a:p>
         </p:txBody>
       </p:sp>
     </p:spTree>
-    <p:extLst>
-      <p:ext uri="{BB962C8B-B14F-4D97-AF65-F5344CB8AC3E}">
-        <p14:creationId xmlns:p14="http://schemas.microsoft.com/office/powerpoint/2010/main" val="313859278"/>
-      </p:ext>
-    </p:extLst>
   </p:cSld>
   <p:clrMap bg1="lt1" tx1="dk1" bg2="lt2" tx2="dk2" accent1="accent1" accent2="accent2" accent3="accent3" accent4="accent4" accent5="accent5" accent6="accent6" hlink="hlink" folHlink="folHlink"/>
   <p:hf hdr="0" ftr="0"/>
@@ -680,7 +661,7 @@
 </file>
 
 <file path=ppt/slideLayouts/slideLayout1.xml><?xml version="1.0" encoding="utf-8"?>
-<p:sldLayout xmlns:a="http://schemas.openxmlformats.org/drawingml/2006/main" xmlns:r="http://schemas.openxmlformats.org/officeDocument/2006/relationships" xmlns:p="http://schemas.openxmlformats.org/presentationml/2006/main" showMasterSp="0" type="title" preserve="1">
+<p:sldLayout xmlns:a="http://schemas.openxmlformats.org/drawingml/2006/main" xmlns:r="http://schemas.openxmlformats.org/officeDocument/2006/relationships" xmlns:p="http://schemas.openxmlformats.org/presentationml/2006/main" type="title" preserve="1" showMasterSp="0">
   <p:cSld name="Титульный слайд">
     <p:spTree>
       <p:nvGrpSpPr>
@@ -698,13 +679,7 @@
       </p:grpSpPr>
       <p:sp>
         <p:nvSpPr>
-          <p:cNvPr id="10" name="Прямоугольник 9">
-            <a:extLst>
-              <a:ext uri="{FF2B5EF4-FFF2-40B4-BE49-F238E27FC236}">
-                <a16:creationId xmlns:a16="http://schemas.microsoft.com/office/drawing/2014/main" id="{39E3965E-AC41-4711-9D10-E25ABB132D86}"/>
-              </a:ext>
-            </a:extLst>
-          </p:cNvPr>
+          <p:cNvPr id="10" name="Прямоугольник 9"/>
           <p:cNvSpPr/>
           <p:nvPr/>
         </p:nvSpPr>
@@ -861,13 +836,7 @@
       </p:sp>
       <p:cxnSp>
         <p:nvCxnSpPr>
-          <p:cNvPr id="9" name="Прямая соединительная линия 8">
-            <a:extLst>
-              <a:ext uri="{FF2B5EF4-FFF2-40B4-BE49-F238E27FC236}">
-                <a16:creationId xmlns:a16="http://schemas.microsoft.com/office/drawing/2014/main" id="{1F5DC8C3-BA5F-4EED-BB9A-A14272BD82A1}"/>
-              </a:ext>
-            </a:extLst>
-          </p:cNvPr>
+          <p:cNvPr id="9" name="Прямая соединительная линия 8"/>
           <p:cNvCxnSpPr/>
           <p:nvPr/>
         </p:nvCxnSpPr>
@@ -905,13 +874,7 @@
       </p:cxnSp>
       <p:sp>
         <p:nvSpPr>
-          <p:cNvPr id="4" name="Дата 3">
-            <a:extLst>
-              <a:ext uri="{FF2B5EF4-FFF2-40B4-BE49-F238E27FC236}">
-                <a16:creationId xmlns:a16="http://schemas.microsoft.com/office/drawing/2014/main" id="{9925CCF1-92C0-4AF3-BFAF-4921631915AB}"/>
-              </a:ext>
-            </a:extLst>
-          </p:cNvPr>
+          <p:cNvPr id="4" name="Дата 3"/>
           <p:cNvSpPr>
             <a:spLocks noGrp="1"/>
           </p:cNvSpPr>
@@ -927,7 +890,6 @@
             <a:pPr rtl="0"/>
             <a:fld id="{8D4DAEB3-2211-4CA3-9D23-0143FCF3926F}" type="datetime1">
               <a:rPr lang="ru-RU" smtClean="0"/>
-              <a:t>05.05.2022</a:t>
             </a:fld>
             <a:endParaRPr lang="en-US" dirty="0"/>
           </a:p>
@@ -935,13 +897,7 @@
       </p:sp>
       <p:sp>
         <p:nvSpPr>
-          <p:cNvPr id="5" name="Нижний колонтитул 4">
-            <a:extLst>
-              <a:ext uri="{FF2B5EF4-FFF2-40B4-BE49-F238E27FC236}">
-                <a16:creationId xmlns:a16="http://schemas.microsoft.com/office/drawing/2014/main" id="{051A78A9-3DFF-4937-A9F2-5D8CF495F367}"/>
-              </a:ext>
-            </a:extLst>
-          </p:cNvPr>
+          <p:cNvPr id="5" name="Нижний колонтитул 4"/>
           <p:cNvSpPr>
             <a:spLocks noGrp="1"/>
           </p:cNvSpPr>
@@ -961,13 +917,7 @@
       </p:sp>
       <p:sp>
         <p:nvSpPr>
-          <p:cNvPr id="6" name="Номер слайда 5">
-            <a:extLst>
-              <a:ext uri="{FF2B5EF4-FFF2-40B4-BE49-F238E27FC236}">
-                <a16:creationId xmlns:a16="http://schemas.microsoft.com/office/drawing/2014/main" id="{5FAEB271-5CC0-4759-BC6E-8BE53AB227C0}"/>
-              </a:ext>
-            </a:extLst>
-          </p:cNvPr>
+          <p:cNvPr id="6" name="Номер слайда 5"/>
           <p:cNvSpPr>
             <a:spLocks noGrp="1"/>
           </p:cNvSpPr>
@@ -983,18 +933,12 @@
             <a:pPr rtl="0"/>
             <a:fld id="{3A98EE3D-8CD1-4C3F-BD1C-C98C9596463C}" type="slidenum">
               <a:rPr lang="en-US" smtClean="0"/>
-              <a:t>‹#›</a:t>
             </a:fld>
             <a:endParaRPr lang="en-US" dirty="0"/>
           </a:p>
         </p:txBody>
       </p:sp>
     </p:spTree>
-    <p:extLst>
-      <p:ext uri="{BB962C8B-B14F-4D97-AF65-F5344CB8AC3E}">
-        <p14:creationId xmlns:p14="http://schemas.microsoft.com/office/powerpoint/2010/main" val="4258331492"/>
-      </p:ext>
-    </p:extLst>
   </p:cSld>
   <p:clrMapOvr>
     <a:masterClrMapping/>
@@ -1063,6 +1007,7 @@
               <a:rPr lang="ru-RU"/>
               <a:t>Образец текста</a:t>
             </a:r>
+            <a:endParaRPr lang="ru-RU"/>
           </a:p>
           <a:p>
             <a:pPr lvl="1" rtl="0"/>
@@ -1070,6 +1015,7 @@
               <a:rPr lang="ru-RU"/>
               <a:t>Второй уровень</a:t>
             </a:r>
+            <a:endParaRPr lang="ru-RU"/>
           </a:p>
           <a:p>
             <a:pPr lvl="2" rtl="0"/>
@@ -1077,6 +1023,7 @@
               <a:rPr lang="ru-RU"/>
               <a:t>Третий уровень</a:t>
             </a:r>
+            <a:endParaRPr lang="ru-RU"/>
           </a:p>
           <a:p>
             <a:pPr lvl="3" rtl="0"/>
@@ -1084,6 +1031,7 @@
               <a:rPr lang="ru-RU"/>
               <a:t>Четвертый уровень</a:t>
             </a:r>
+            <a:endParaRPr lang="ru-RU"/>
           </a:p>
           <a:p>
             <a:pPr lvl="4" rtl="0"/>
@@ -1097,13 +1045,7 @@
       </p:sp>
       <p:sp>
         <p:nvSpPr>
-          <p:cNvPr id="7" name="Дата 6">
-            <a:extLst>
-              <a:ext uri="{FF2B5EF4-FFF2-40B4-BE49-F238E27FC236}">
-                <a16:creationId xmlns:a16="http://schemas.microsoft.com/office/drawing/2014/main" id="{7D5506EE-1026-4F35-9ACC-BD05BE0F9B36}"/>
-              </a:ext>
-            </a:extLst>
-          </p:cNvPr>
+          <p:cNvPr id="7" name="Дата 6"/>
           <p:cNvSpPr>
             <a:spLocks noGrp="1"/>
           </p:cNvSpPr>
@@ -1119,7 +1061,6 @@
             <a:pPr rtl="0"/>
             <a:fld id="{A82E9B35-0826-45CC-9C2C-707B22DFAA83}" type="datetime1">
               <a:rPr lang="ru-RU" smtClean="0"/>
-              <a:t>05.05.2022</a:t>
             </a:fld>
             <a:endParaRPr lang="en-US" dirty="0"/>
           </a:p>
@@ -1127,13 +1068,7 @@
       </p:sp>
       <p:sp>
         <p:nvSpPr>
-          <p:cNvPr id="8" name="Нижний колонтитул 7">
-            <a:extLst>
-              <a:ext uri="{FF2B5EF4-FFF2-40B4-BE49-F238E27FC236}">
-                <a16:creationId xmlns:a16="http://schemas.microsoft.com/office/drawing/2014/main" id="{B7696E5F-8D95-4450-AE52-5438E6EDE2BF}"/>
-              </a:ext>
-            </a:extLst>
-          </p:cNvPr>
+          <p:cNvPr id="8" name="Нижний колонтитул 7"/>
           <p:cNvSpPr>
             <a:spLocks noGrp="1"/>
           </p:cNvSpPr>
@@ -1153,13 +1088,7 @@
       </p:sp>
       <p:sp>
         <p:nvSpPr>
-          <p:cNvPr id="9" name="Номер слайда 8">
-            <a:extLst>
-              <a:ext uri="{FF2B5EF4-FFF2-40B4-BE49-F238E27FC236}">
-                <a16:creationId xmlns:a16="http://schemas.microsoft.com/office/drawing/2014/main" id="{999B2253-74CC-409E-BEB0-F8EFCFCB5629}"/>
-              </a:ext>
-            </a:extLst>
-          </p:cNvPr>
+          <p:cNvPr id="9" name="Номер слайда 8"/>
           <p:cNvSpPr>
             <a:spLocks noGrp="1"/>
           </p:cNvSpPr>
@@ -1175,18 +1104,12 @@
             <a:pPr rtl="0"/>
             <a:fld id="{3A98EE3D-8CD1-4C3F-BD1C-C98C9596463C}" type="slidenum">
               <a:rPr lang="en-US" smtClean="0"/>
-              <a:t>‹#›</a:t>
             </a:fld>
             <a:endParaRPr lang="en-US" dirty="0"/>
           </a:p>
         </p:txBody>
       </p:sp>
     </p:spTree>
-    <p:extLst>
-      <p:ext uri="{BB962C8B-B14F-4D97-AF65-F5344CB8AC3E}">
-        <p14:creationId xmlns:p14="http://schemas.microsoft.com/office/powerpoint/2010/main" val="1672269861"/>
-      </p:ext>
-    </p:extLst>
   </p:cSld>
   <p:clrMapOvr>
     <a:masterClrMapping/>
@@ -1195,7 +1118,7 @@
 </file>
 
 <file path=ppt/slideLayouts/slideLayout11.xml><?xml version="1.0" encoding="utf-8"?>
-<p:sldLayout xmlns:a="http://schemas.openxmlformats.org/drawingml/2006/main" xmlns:r="http://schemas.openxmlformats.org/officeDocument/2006/relationships" xmlns:p="http://schemas.openxmlformats.org/presentationml/2006/main" showMasterSp="0" type="vertTitleAndTx" preserve="1">
+<p:sldLayout xmlns:a="http://schemas.openxmlformats.org/drawingml/2006/main" xmlns:r="http://schemas.openxmlformats.org/officeDocument/2006/relationships" xmlns:p="http://schemas.openxmlformats.org/presentationml/2006/main" type="vertTitleAndTx" preserve="1" showMasterSp="0">
   <p:cSld name="Вертикальный заголовок и текст">
     <p:spTree>
       <p:nvGrpSpPr>
@@ -1213,13 +1136,7 @@
       </p:grpSpPr>
       <p:sp>
         <p:nvSpPr>
-          <p:cNvPr id="9" name="Прямоугольник 8">
-            <a:extLst>
-              <a:ext uri="{FF2B5EF4-FFF2-40B4-BE49-F238E27FC236}">
-                <a16:creationId xmlns:a16="http://schemas.microsoft.com/office/drawing/2014/main" id="{E1B68A5B-D9FA-424B-A4EB-30E7223836B3}"/>
-              </a:ext>
-            </a:extLst>
-          </p:cNvPr>
+          <p:cNvPr id="9" name="Прямоугольник 8"/>
           <p:cNvSpPr/>
           <p:nvPr/>
         </p:nvSpPr>
@@ -1309,6 +1226,7 @@
               <a:rPr lang="ru-RU"/>
               <a:t>Образец текста</a:t>
             </a:r>
+            <a:endParaRPr lang="ru-RU"/>
           </a:p>
           <a:p>
             <a:pPr lvl="1" rtl="0"/>
@@ -1316,6 +1234,7 @@
               <a:rPr lang="ru-RU"/>
               <a:t>Второй уровень</a:t>
             </a:r>
+            <a:endParaRPr lang="ru-RU"/>
           </a:p>
           <a:p>
             <a:pPr lvl="2" rtl="0"/>
@@ -1323,6 +1242,7 @@
               <a:rPr lang="ru-RU"/>
               <a:t>Третий уровень</a:t>
             </a:r>
+            <a:endParaRPr lang="ru-RU"/>
           </a:p>
           <a:p>
             <a:pPr lvl="3" rtl="0"/>
@@ -1330,6 +1250,7 @@
               <a:rPr lang="ru-RU"/>
               <a:t>Четвертый уровень</a:t>
             </a:r>
+            <a:endParaRPr lang="ru-RU"/>
           </a:p>
           <a:p>
             <a:pPr lvl="4" rtl="0"/>
@@ -1343,13 +1264,7 @@
       </p:sp>
       <p:sp>
         <p:nvSpPr>
-          <p:cNvPr id="7" name="Дата 6">
-            <a:extLst>
-              <a:ext uri="{FF2B5EF4-FFF2-40B4-BE49-F238E27FC236}">
-                <a16:creationId xmlns:a16="http://schemas.microsoft.com/office/drawing/2014/main" id="{AF33D6B0-F070-45C4-A472-19F432BE3932}"/>
-              </a:ext>
-            </a:extLst>
-          </p:cNvPr>
+          <p:cNvPr id="7" name="Дата 6"/>
           <p:cNvSpPr>
             <a:spLocks noGrp="1"/>
           </p:cNvSpPr>
@@ -1365,7 +1280,6 @@
             <a:pPr rtl="0"/>
             <a:fld id="{74C0063D-EDF2-4190-A726-B9B651F864E7}" type="datetime1">
               <a:rPr lang="ru-RU" smtClean="0"/>
-              <a:t>05.05.2022</a:t>
             </a:fld>
             <a:endParaRPr lang="en-US" dirty="0"/>
           </a:p>
@@ -1373,13 +1287,7 @@
       </p:sp>
       <p:sp>
         <p:nvSpPr>
-          <p:cNvPr id="8" name="Нижний колонтитул 7">
-            <a:extLst>
-              <a:ext uri="{FF2B5EF4-FFF2-40B4-BE49-F238E27FC236}">
-                <a16:creationId xmlns:a16="http://schemas.microsoft.com/office/drawing/2014/main" id="{9975399F-DAB2-410D-967F-ED17E6F796E7}"/>
-              </a:ext>
-            </a:extLst>
-          </p:cNvPr>
+          <p:cNvPr id="8" name="Нижний колонтитул 7"/>
           <p:cNvSpPr>
             <a:spLocks noGrp="1"/>
           </p:cNvSpPr>
@@ -1399,13 +1307,7 @@
       </p:sp>
       <p:sp>
         <p:nvSpPr>
-          <p:cNvPr id="10" name="Номер слайда 9">
-            <a:extLst>
-              <a:ext uri="{FF2B5EF4-FFF2-40B4-BE49-F238E27FC236}">
-                <a16:creationId xmlns:a16="http://schemas.microsoft.com/office/drawing/2014/main" id="{F762A46F-6BE5-4D12-9412-5CA7672EA8EC}"/>
-              </a:ext>
-            </a:extLst>
-          </p:cNvPr>
+          <p:cNvPr id="10" name="Номер слайда 9"/>
           <p:cNvSpPr>
             <a:spLocks noGrp="1"/>
           </p:cNvSpPr>
@@ -1421,18 +1323,12 @@
             <a:pPr rtl="0"/>
             <a:fld id="{3A98EE3D-8CD1-4C3F-BD1C-C98C9596463C}" type="slidenum">
               <a:rPr lang="en-US" smtClean="0"/>
-              <a:t>‹#›</a:t>
             </a:fld>
             <a:endParaRPr lang="en-US" dirty="0"/>
           </a:p>
         </p:txBody>
       </p:sp>
     </p:spTree>
-    <p:extLst>
-      <p:ext uri="{BB962C8B-B14F-4D97-AF65-F5344CB8AC3E}">
-        <p14:creationId xmlns:p14="http://schemas.microsoft.com/office/powerpoint/2010/main" val="761827292"/>
-      </p:ext>
-    </p:extLst>
   </p:cSld>
   <p:clrMapOvr>
     <a:masterClrMapping/>
@@ -1501,6 +1397,7 @@
               <a:rPr lang="ru-RU"/>
               <a:t>Образец текста</a:t>
             </a:r>
+            <a:endParaRPr lang="ru-RU"/>
           </a:p>
           <a:p>
             <a:pPr lvl="1" rtl="0"/>
@@ -1508,6 +1405,7 @@
               <a:rPr lang="ru-RU"/>
               <a:t>Второй уровень</a:t>
             </a:r>
+            <a:endParaRPr lang="ru-RU"/>
           </a:p>
           <a:p>
             <a:pPr lvl="2" rtl="0"/>
@@ -1515,6 +1413,7 @@
               <a:rPr lang="ru-RU"/>
               <a:t>Третий уровень</a:t>
             </a:r>
+            <a:endParaRPr lang="ru-RU"/>
           </a:p>
           <a:p>
             <a:pPr lvl="3" rtl="0"/>
@@ -1522,6 +1421,7 @@
               <a:rPr lang="ru-RU"/>
               <a:t>Четвертый уровень</a:t>
             </a:r>
+            <a:endParaRPr lang="ru-RU"/>
           </a:p>
           <a:p>
             <a:pPr lvl="4" rtl="0"/>
@@ -1535,13 +1435,7 @@
       </p:sp>
       <p:sp>
         <p:nvSpPr>
-          <p:cNvPr id="7" name="Дата 6">
-            <a:extLst>
-              <a:ext uri="{FF2B5EF4-FFF2-40B4-BE49-F238E27FC236}">
-                <a16:creationId xmlns:a16="http://schemas.microsoft.com/office/drawing/2014/main" id="{354D8B55-9EA8-4B81-8E84-9B93B0A27559}"/>
-              </a:ext>
-            </a:extLst>
-          </p:cNvPr>
+          <p:cNvPr id="7" name="Дата 6"/>
           <p:cNvSpPr>
             <a:spLocks noGrp="1"/>
           </p:cNvSpPr>
@@ -1557,7 +1451,6 @@
             <a:pPr rtl="0"/>
             <a:fld id="{BE289488-0C23-4DC8-A9FA-240659547385}" type="datetime1">
               <a:rPr lang="ru-RU" smtClean="0"/>
-              <a:t>05.05.2022</a:t>
             </a:fld>
             <a:endParaRPr lang="en-US" dirty="0"/>
           </a:p>
@@ -1565,13 +1458,7 @@
       </p:sp>
       <p:sp>
         <p:nvSpPr>
-          <p:cNvPr id="8" name="Нижний колонтитул 7">
-            <a:extLst>
-              <a:ext uri="{FF2B5EF4-FFF2-40B4-BE49-F238E27FC236}">
-                <a16:creationId xmlns:a16="http://schemas.microsoft.com/office/drawing/2014/main" id="{062CA021-2578-47CB-822C-BDDFF7223B28}"/>
-              </a:ext>
-            </a:extLst>
-          </p:cNvPr>
+          <p:cNvPr id="8" name="Нижний колонтитул 7"/>
           <p:cNvSpPr>
             <a:spLocks noGrp="1"/>
           </p:cNvSpPr>
@@ -1591,13 +1478,7 @@
       </p:sp>
       <p:sp>
         <p:nvSpPr>
-          <p:cNvPr id="9" name="Номер слайда 8">
-            <a:extLst>
-              <a:ext uri="{FF2B5EF4-FFF2-40B4-BE49-F238E27FC236}">
-                <a16:creationId xmlns:a16="http://schemas.microsoft.com/office/drawing/2014/main" id="{C4AAB51D-4141-4682-9375-DAFD5FB9DD10}"/>
-              </a:ext>
-            </a:extLst>
-          </p:cNvPr>
+          <p:cNvPr id="9" name="Номер слайда 8"/>
           <p:cNvSpPr>
             <a:spLocks noGrp="1"/>
           </p:cNvSpPr>
@@ -1613,18 +1494,12 @@
             <a:pPr rtl="0"/>
             <a:fld id="{3A98EE3D-8CD1-4C3F-BD1C-C98C9596463C}" type="slidenum">
               <a:rPr lang="en-US" smtClean="0"/>
-              <a:t>‹#›</a:t>
             </a:fld>
             <a:endParaRPr lang="en-US" dirty="0"/>
           </a:p>
         </p:txBody>
       </p:sp>
     </p:spTree>
-    <p:extLst>
-      <p:ext uri="{BB962C8B-B14F-4D97-AF65-F5344CB8AC3E}">
-        <p14:creationId xmlns:p14="http://schemas.microsoft.com/office/powerpoint/2010/main" val="892670607"/>
-      </p:ext>
-    </p:extLst>
   </p:cSld>
   <p:clrMapOvr>
     <a:masterClrMapping/>
@@ -1633,7 +1508,7 @@
 </file>
 
 <file path=ppt/slideLayouts/slideLayout3.xml><?xml version="1.0" encoding="utf-8"?>
-<p:sldLayout xmlns:a="http://schemas.openxmlformats.org/drawingml/2006/main" xmlns:r="http://schemas.openxmlformats.org/officeDocument/2006/relationships" xmlns:p="http://schemas.openxmlformats.org/presentationml/2006/main" showMasterSp="0" type="secHead" preserve="1">
+<p:sldLayout xmlns:a="http://schemas.openxmlformats.org/drawingml/2006/main" xmlns:r="http://schemas.openxmlformats.org/officeDocument/2006/relationships" xmlns:p="http://schemas.openxmlformats.org/presentationml/2006/main" type="secHead" preserve="1" showMasterSp="0">
   <p:cSld name="Заголовок раздела">
     <p:bg>
       <p:bgPr>
@@ -1659,13 +1534,7 @@
       </p:grpSpPr>
       <p:sp>
         <p:nvSpPr>
-          <p:cNvPr id="10" name="Прямоугольник 9">
-            <a:extLst>
-              <a:ext uri="{FF2B5EF4-FFF2-40B4-BE49-F238E27FC236}">
-                <a16:creationId xmlns:a16="http://schemas.microsoft.com/office/drawing/2014/main" id="{A585C21A-8B93-4657-B5DF-7EAEAD3BE127}"/>
-              </a:ext>
-            </a:extLst>
-          </p:cNvPr>
+          <p:cNvPr id="10" name="Прямоугольник 9"/>
           <p:cNvSpPr/>
           <p:nvPr/>
         </p:nvSpPr>
@@ -1864,18 +1733,13 @@
               <a:rPr lang="ru-RU"/>
               <a:t>Образец текста</a:t>
             </a:r>
+            <a:endParaRPr lang="ru-RU"/>
           </a:p>
         </p:txBody>
       </p:sp>
       <p:cxnSp>
         <p:nvCxnSpPr>
-          <p:cNvPr id="9" name="Прямая соединительная линия 8">
-            <a:extLst>
-              <a:ext uri="{FF2B5EF4-FFF2-40B4-BE49-F238E27FC236}">
-                <a16:creationId xmlns:a16="http://schemas.microsoft.com/office/drawing/2014/main" id="{459DE2C1-4C52-40A3-8959-27B2C1BEBFF6}"/>
-              </a:ext>
-            </a:extLst>
-          </p:cNvPr>
+          <p:cNvPr id="9" name="Прямая соединительная линия 8"/>
           <p:cNvCxnSpPr/>
           <p:nvPr/>
         </p:nvCxnSpPr>
@@ -1913,13 +1777,7 @@
       </p:cxnSp>
       <p:sp>
         <p:nvSpPr>
-          <p:cNvPr id="7" name="Дата 6">
-            <a:extLst>
-              <a:ext uri="{FF2B5EF4-FFF2-40B4-BE49-F238E27FC236}">
-                <a16:creationId xmlns:a16="http://schemas.microsoft.com/office/drawing/2014/main" id="{AAF2E137-EC28-48F8-9198-1F02539029B6}"/>
-              </a:ext>
-            </a:extLst>
-          </p:cNvPr>
+          <p:cNvPr id="7" name="Дата 6"/>
           <p:cNvSpPr>
             <a:spLocks noGrp="1"/>
           </p:cNvSpPr>
@@ -1935,7 +1793,6 @@
             <a:pPr rtl="0"/>
             <a:fld id="{33EFA117-2261-4A1D-8BE7-0B7E6A1366C0}" type="datetime1">
               <a:rPr lang="ru-RU" smtClean="0"/>
-              <a:t>05.05.2022</a:t>
             </a:fld>
             <a:endParaRPr lang="en-US" dirty="0"/>
           </a:p>
@@ -1943,13 +1800,7 @@
       </p:sp>
       <p:sp>
         <p:nvSpPr>
-          <p:cNvPr id="8" name="Нижний колонтитул 7">
-            <a:extLst>
-              <a:ext uri="{FF2B5EF4-FFF2-40B4-BE49-F238E27FC236}">
-                <a16:creationId xmlns:a16="http://schemas.microsoft.com/office/drawing/2014/main" id="{189422CD-6F62-4DD6-89EF-07A60B42D219}"/>
-              </a:ext>
-            </a:extLst>
-          </p:cNvPr>
+          <p:cNvPr id="8" name="Нижний колонтитул 7"/>
           <p:cNvSpPr>
             <a:spLocks noGrp="1"/>
           </p:cNvSpPr>
@@ -1969,13 +1820,7 @@
       </p:sp>
       <p:sp>
         <p:nvSpPr>
-          <p:cNvPr id="11" name="Номер слайда 10">
-            <a:extLst>
-              <a:ext uri="{FF2B5EF4-FFF2-40B4-BE49-F238E27FC236}">
-                <a16:creationId xmlns:a16="http://schemas.microsoft.com/office/drawing/2014/main" id="{69C6AFF8-42B4-4D05-969B-9F5FB3355555}"/>
-              </a:ext>
-            </a:extLst>
-          </p:cNvPr>
+          <p:cNvPr id="11" name="Номер слайда 10"/>
           <p:cNvSpPr>
             <a:spLocks noGrp="1"/>
           </p:cNvSpPr>
@@ -1991,18 +1836,12 @@
             <a:pPr rtl="0"/>
             <a:fld id="{3A98EE3D-8CD1-4C3F-BD1C-C98C9596463C}" type="slidenum">
               <a:rPr lang="en-US" smtClean="0"/>
-              <a:t>‹#›</a:t>
             </a:fld>
             <a:endParaRPr lang="en-US" dirty="0"/>
           </a:p>
         </p:txBody>
       </p:sp>
     </p:spTree>
-    <p:extLst>
-      <p:ext uri="{BB962C8B-B14F-4D97-AF65-F5344CB8AC3E}">
-        <p14:creationId xmlns:p14="http://schemas.microsoft.com/office/powerpoint/2010/main" val="3304162564"/>
-      </p:ext>
-    </p:extLst>
   </p:cSld>
   <p:clrMapOvr>
     <a:masterClrMapping/>
@@ -2081,6 +1920,7 @@
               <a:rPr lang="ru-RU"/>
               <a:t>Образец текста</a:t>
             </a:r>
+            <a:endParaRPr lang="ru-RU"/>
           </a:p>
           <a:p>
             <a:pPr lvl="1" rtl="0"/>
@@ -2088,6 +1928,7 @@
               <a:rPr lang="ru-RU"/>
               <a:t>Второй уровень</a:t>
             </a:r>
+            <a:endParaRPr lang="ru-RU"/>
           </a:p>
           <a:p>
             <a:pPr lvl="2" rtl="0"/>
@@ -2095,6 +1936,7 @@
               <a:rPr lang="ru-RU"/>
               <a:t>Третий уровень</a:t>
             </a:r>
+            <a:endParaRPr lang="ru-RU"/>
           </a:p>
           <a:p>
             <a:pPr lvl="3" rtl="0"/>
@@ -2102,6 +1944,7 @@
               <a:rPr lang="ru-RU"/>
               <a:t>Четвертый уровень</a:t>
             </a:r>
+            <a:endParaRPr lang="ru-RU"/>
           </a:p>
           <a:p>
             <a:pPr lvl="4" rtl="0"/>
@@ -2138,6 +1981,7 @@
               <a:rPr lang="ru-RU"/>
               <a:t>Образец текста</a:t>
             </a:r>
+            <a:endParaRPr lang="ru-RU"/>
           </a:p>
           <a:p>
             <a:pPr lvl="1" rtl="0"/>
@@ -2145,6 +1989,7 @@
               <a:rPr lang="ru-RU"/>
               <a:t>Второй уровень</a:t>
             </a:r>
+            <a:endParaRPr lang="ru-RU"/>
           </a:p>
           <a:p>
             <a:pPr lvl="2" rtl="0"/>
@@ -2152,6 +1997,7 @@
               <a:rPr lang="ru-RU"/>
               <a:t>Третий уровень</a:t>
             </a:r>
+            <a:endParaRPr lang="ru-RU"/>
           </a:p>
           <a:p>
             <a:pPr lvl="3" rtl="0"/>
@@ -2159,6 +2005,7 @@
               <a:rPr lang="ru-RU"/>
               <a:t>Четвертый уровень</a:t>
             </a:r>
+            <a:endParaRPr lang="ru-RU"/>
           </a:p>
           <a:p>
             <a:pPr lvl="4" rtl="0"/>
@@ -2172,13 +2019,7 @@
       </p:sp>
       <p:sp>
         <p:nvSpPr>
-          <p:cNvPr id="2" name="Дата 1">
-            <a:extLst>
-              <a:ext uri="{FF2B5EF4-FFF2-40B4-BE49-F238E27FC236}">
-                <a16:creationId xmlns:a16="http://schemas.microsoft.com/office/drawing/2014/main" id="{5782D47D-B0DC-4C40-BCC6-BBBA32584A38}"/>
-              </a:ext>
-            </a:extLst>
-          </p:cNvPr>
+          <p:cNvPr id="2" name="Дата 1"/>
           <p:cNvSpPr>
             <a:spLocks noGrp="1"/>
           </p:cNvSpPr>
@@ -2194,7 +2035,6 @@
             <a:pPr rtl="0"/>
             <a:fld id="{659279E9-B6DA-4AB3-A7CE-B748E56BEA69}" type="datetime1">
               <a:rPr lang="ru-RU" smtClean="0"/>
-              <a:t>05.05.2022</a:t>
             </a:fld>
             <a:endParaRPr lang="en-US" dirty="0"/>
           </a:p>
@@ -2202,13 +2042,7 @@
       </p:sp>
       <p:sp>
         <p:nvSpPr>
-          <p:cNvPr id="9" name="Нижний колонтитул 8">
-            <a:extLst>
-              <a:ext uri="{FF2B5EF4-FFF2-40B4-BE49-F238E27FC236}">
-                <a16:creationId xmlns:a16="http://schemas.microsoft.com/office/drawing/2014/main" id="{4690D34E-7EBD-44B2-83CA-4C126A18D7EF}"/>
-              </a:ext>
-            </a:extLst>
-          </p:cNvPr>
+          <p:cNvPr id="9" name="Нижний колонтитул 8"/>
           <p:cNvSpPr>
             <a:spLocks noGrp="1"/>
           </p:cNvSpPr>
@@ -2228,13 +2062,7 @@
       </p:sp>
       <p:sp>
         <p:nvSpPr>
-          <p:cNvPr id="10" name="Номер слайда 9">
-            <a:extLst>
-              <a:ext uri="{FF2B5EF4-FFF2-40B4-BE49-F238E27FC236}">
-                <a16:creationId xmlns:a16="http://schemas.microsoft.com/office/drawing/2014/main" id="{2AC511A1-9BBD-42DE-92FB-2AF44F8E97A9}"/>
-              </a:ext>
-            </a:extLst>
-          </p:cNvPr>
+          <p:cNvPr id="10" name="Номер слайда 9"/>
           <p:cNvSpPr>
             <a:spLocks noGrp="1"/>
           </p:cNvSpPr>
@@ -2250,18 +2078,12 @@
             <a:pPr rtl="0"/>
             <a:fld id="{3A98EE3D-8CD1-4C3F-BD1C-C98C9596463C}" type="slidenum">
               <a:rPr lang="en-US" smtClean="0"/>
-              <a:t>‹#›</a:t>
             </a:fld>
             <a:endParaRPr lang="en-US" dirty="0"/>
           </a:p>
         </p:txBody>
       </p:sp>
     </p:spTree>
-    <p:extLst>
-      <p:ext uri="{BB962C8B-B14F-4D97-AF65-F5344CB8AC3E}">
-        <p14:creationId xmlns:p14="http://schemas.microsoft.com/office/powerpoint/2010/main" val="4256663047"/>
-      </p:ext>
-    </p:extLst>
   </p:cSld>
   <p:clrMapOvr>
     <a:masterClrMapping/>
@@ -2383,6 +2205,7 @@
               <a:rPr lang="ru-RU"/>
               <a:t>Образец текста</a:t>
             </a:r>
+            <a:endParaRPr lang="ru-RU"/>
           </a:p>
         </p:txBody>
       </p:sp>
@@ -2411,6 +2234,7 @@
               <a:rPr lang="ru-RU"/>
               <a:t>Образец текста</a:t>
             </a:r>
+            <a:endParaRPr lang="ru-RU"/>
           </a:p>
           <a:p>
             <a:pPr lvl="1" rtl="0"/>
@@ -2418,6 +2242,7 @@
               <a:rPr lang="ru-RU"/>
               <a:t>Второй уровень</a:t>
             </a:r>
+            <a:endParaRPr lang="ru-RU"/>
           </a:p>
           <a:p>
             <a:pPr lvl="2" rtl="0"/>
@@ -2425,6 +2250,7 @@
               <a:rPr lang="ru-RU"/>
               <a:t>Третий уровень</a:t>
             </a:r>
+            <a:endParaRPr lang="ru-RU"/>
           </a:p>
           <a:p>
             <a:pPr lvl="3" rtl="0"/>
@@ -2432,6 +2258,7 @@
               <a:rPr lang="ru-RU"/>
               <a:t>Четвертый уровень</a:t>
             </a:r>
+            <a:endParaRPr lang="ru-RU"/>
           </a:p>
           <a:p>
             <a:pPr lvl="4" rtl="0"/>
@@ -2511,6 +2338,7 @@
               <a:rPr lang="ru-RU"/>
               <a:t>Образец текста</a:t>
             </a:r>
+            <a:endParaRPr lang="ru-RU"/>
           </a:p>
         </p:txBody>
       </p:sp>
@@ -2539,6 +2367,7 @@
               <a:rPr lang="ru-RU"/>
               <a:t>Образец текста</a:t>
             </a:r>
+            <a:endParaRPr lang="ru-RU"/>
           </a:p>
           <a:p>
             <a:pPr lvl="1" rtl="0"/>
@@ -2546,6 +2375,7 @@
               <a:rPr lang="ru-RU"/>
               <a:t>Второй уровень</a:t>
             </a:r>
+            <a:endParaRPr lang="ru-RU"/>
           </a:p>
           <a:p>
             <a:pPr lvl="2" rtl="0"/>
@@ -2553,6 +2383,7 @@
               <a:rPr lang="ru-RU"/>
               <a:t>Третий уровень</a:t>
             </a:r>
+            <a:endParaRPr lang="ru-RU"/>
           </a:p>
           <a:p>
             <a:pPr lvl="3" rtl="0"/>
@@ -2560,6 +2391,7 @@
               <a:rPr lang="ru-RU"/>
               <a:t>Четвертый уровень</a:t>
             </a:r>
+            <a:endParaRPr lang="ru-RU"/>
           </a:p>
           <a:p>
             <a:pPr lvl="4" rtl="0"/>
@@ -2573,13 +2405,7 @@
       </p:sp>
       <p:sp>
         <p:nvSpPr>
-          <p:cNvPr id="2" name="Дата 1">
-            <a:extLst>
-              <a:ext uri="{FF2B5EF4-FFF2-40B4-BE49-F238E27FC236}">
-                <a16:creationId xmlns:a16="http://schemas.microsoft.com/office/drawing/2014/main" id="{8AF8A515-AA94-45D1-9223-5C2272618D85}"/>
-              </a:ext>
-            </a:extLst>
-          </p:cNvPr>
+          <p:cNvPr id="2" name="Дата 1"/>
           <p:cNvSpPr>
             <a:spLocks noGrp="1"/>
           </p:cNvSpPr>
@@ -2595,7 +2421,6 @@
             <a:pPr rtl="0"/>
             <a:fld id="{17CF7452-61A3-4CDC-ACAB-74E5B4A7EF57}" type="datetime1">
               <a:rPr lang="ru-RU" smtClean="0"/>
-              <a:t>05.05.2022</a:t>
             </a:fld>
             <a:endParaRPr lang="en-US" dirty="0"/>
           </a:p>
@@ -2603,13 +2428,7 @@
       </p:sp>
       <p:sp>
         <p:nvSpPr>
-          <p:cNvPr id="11" name="Нижний колонтитул 10">
-            <a:extLst>
-              <a:ext uri="{FF2B5EF4-FFF2-40B4-BE49-F238E27FC236}">
-                <a16:creationId xmlns:a16="http://schemas.microsoft.com/office/drawing/2014/main" id="{D052F5BC-98E0-4D60-AD67-9547738B7DD4}"/>
-              </a:ext>
-            </a:extLst>
-          </p:cNvPr>
+          <p:cNvPr id="11" name="Нижний колонтитул 10"/>
           <p:cNvSpPr>
             <a:spLocks noGrp="1"/>
           </p:cNvSpPr>
@@ -2629,13 +2448,7 @@
       </p:sp>
       <p:sp>
         <p:nvSpPr>
-          <p:cNvPr id="12" name="Номер слайда 11">
-            <a:extLst>
-              <a:ext uri="{FF2B5EF4-FFF2-40B4-BE49-F238E27FC236}">
-                <a16:creationId xmlns:a16="http://schemas.microsoft.com/office/drawing/2014/main" id="{A38552DC-952E-41EA-AAAF-C2187523C0B0}"/>
-              </a:ext>
-            </a:extLst>
-          </p:cNvPr>
+          <p:cNvPr id="12" name="Номер слайда 11"/>
           <p:cNvSpPr>
             <a:spLocks noGrp="1"/>
           </p:cNvSpPr>
@@ -2651,18 +2464,12 @@
             <a:pPr rtl="0"/>
             <a:fld id="{3A98EE3D-8CD1-4C3F-BD1C-C98C9596463C}" type="slidenum">
               <a:rPr lang="en-US" smtClean="0"/>
-              <a:t>‹#›</a:t>
             </a:fld>
             <a:endParaRPr lang="en-US" dirty="0"/>
           </a:p>
         </p:txBody>
       </p:sp>
     </p:spTree>
-    <p:extLst>
-      <p:ext uri="{BB962C8B-B14F-4D97-AF65-F5344CB8AC3E}">
-        <p14:creationId xmlns:p14="http://schemas.microsoft.com/office/powerpoint/2010/main" val="3068194699"/>
-      </p:ext>
-    </p:extLst>
   </p:cSld>
   <p:clrMapOvr>
     <a:masterClrMapping/>
@@ -2713,13 +2520,7 @@
       </p:sp>
       <p:sp>
         <p:nvSpPr>
-          <p:cNvPr id="6" name="Дата 5">
-            <a:extLst>
-              <a:ext uri="{FF2B5EF4-FFF2-40B4-BE49-F238E27FC236}">
-                <a16:creationId xmlns:a16="http://schemas.microsoft.com/office/drawing/2014/main" id="{7392073F-158F-44A3-8913-917AFFC1BC20}"/>
-              </a:ext>
-            </a:extLst>
-          </p:cNvPr>
+          <p:cNvPr id="6" name="Дата 5"/>
           <p:cNvSpPr>
             <a:spLocks noGrp="1"/>
           </p:cNvSpPr>
@@ -2735,7 +2536,6 @@
             <a:pPr rtl="0"/>
             <a:fld id="{E4D00952-BE77-47A2-BE29-2226E2D6BB12}" type="datetime1">
               <a:rPr lang="ru-RU" smtClean="0"/>
-              <a:t>05.05.2022</a:t>
             </a:fld>
             <a:endParaRPr lang="en-US" dirty="0"/>
           </a:p>
@@ -2743,13 +2543,7 @@
       </p:sp>
       <p:sp>
         <p:nvSpPr>
-          <p:cNvPr id="7" name="Нижний колонтитул 6">
-            <a:extLst>
-              <a:ext uri="{FF2B5EF4-FFF2-40B4-BE49-F238E27FC236}">
-                <a16:creationId xmlns:a16="http://schemas.microsoft.com/office/drawing/2014/main" id="{EED72207-24CA-42B7-A975-2F8E41CBA904}"/>
-              </a:ext>
-            </a:extLst>
-          </p:cNvPr>
+          <p:cNvPr id="7" name="Нижний колонтитул 6"/>
           <p:cNvSpPr>
             <a:spLocks noGrp="1"/>
           </p:cNvSpPr>
@@ -2769,13 +2563,7 @@
       </p:sp>
       <p:sp>
         <p:nvSpPr>
-          <p:cNvPr id="8" name="Номер слайда 7">
-            <a:extLst>
-              <a:ext uri="{FF2B5EF4-FFF2-40B4-BE49-F238E27FC236}">
-                <a16:creationId xmlns:a16="http://schemas.microsoft.com/office/drawing/2014/main" id="{D01080F2-251A-4B88-9A62-16F46D724F83}"/>
-              </a:ext>
-            </a:extLst>
-          </p:cNvPr>
+          <p:cNvPr id="8" name="Номер слайда 7"/>
           <p:cNvSpPr>
             <a:spLocks noGrp="1"/>
           </p:cNvSpPr>
@@ -2791,18 +2579,12 @@
             <a:pPr rtl="0"/>
             <a:fld id="{3A98EE3D-8CD1-4C3F-BD1C-C98C9596463C}" type="slidenum">
               <a:rPr lang="en-US" smtClean="0"/>
-              <a:t>‹#›</a:t>
             </a:fld>
             <a:endParaRPr lang="en-US" dirty="0"/>
           </a:p>
         </p:txBody>
       </p:sp>
     </p:spTree>
-    <p:extLst>
-      <p:ext uri="{BB962C8B-B14F-4D97-AF65-F5344CB8AC3E}">
-        <p14:creationId xmlns:p14="http://schemas.microsoft.com/office/powerpoint/2010/main" val="811860513"/>
-      </p:ext>
-    </p:extLst>
   </p:cSld>
   <p:clrMapOvr>
     <a:masterClrMapping/>
@@ -2811,7 +2593,7 @@
 </file>
 
 <file path=ppt/slideLayouts/slideLayout7.xml><?xml version="1.0" encoding="utf-8"?>
-<p:sldLayout xmlns:a="http://schemas.openxmlformats.org/drawingml/2006/main" xmlns:r="http://schemas.openxmlformats.org/officeDocument/2006/relationships" xmlns:p="http://schemas.openxmlformats.org/presentationml/2006/main" showMasterSp="0" type="blank" preserve="1">
+<p:sldLayout xmlns:a="http://schemas.openxmlformats.org/drawingml/2006/main" xmlns:r="http://schemas.openxmlformats.org/officeDocument/2006/relationships" xmlns:p="http://schemas.openxmlformats.org/presentationml/2006/main" type="blank" preserve="1" showMasterSp="0">
   <p:cSld name="Пустой слайд">
     <p:spTree>
       <p:nvGrpSpPr>
@@ -2829,13 +2611,7 @@
       </p:grpSpPr>
       <p:sp>
         <p:nvSpPr>
-          <p:cNvPr id="10" name="Прямоугольник 9">
-            <a:extLst>
-              <a:ext uri="{FF2B5EF4-FFF2-40B4-BE49-F238E27FC236}">
-                <a16:creationId xmlns:a16="http://schemas.microsoft.com/office/drawing/2014/main" id="{A8E9C91B-7EAD-4562-AB0E-DFB9663AECE3}"/>
-              </a:ext>
-            </a:extLst>
-          </p:cNvPr>
+          <p:cNvPr id="10" name="Прямоугольник 9"/>
           <p:cNvSpPr/>
           <p:nvPr/>
         </p:nvSpPr>
@@ -2873,13 +2649,7 @@
       </p:sp>
       <p:sp>
         <p:nvSpPr>
-          <p:cNvPr id="2" name="Дата 1">
-            <a:extLst>
-              <a:ext uri="{FF2B5EF4-FFF2-40B4-BE49-F238E27FC236}">
-                <a16:creationId xmlns:a16="http://schemas.microsoft.com/office/drawing/2014/main" id="{94E9223F-721F-47BF-9FD5-0F8D12FF0DE1}"/>
-              </a:ext>
-            </a:extLst>
-          </p:cNvPr>
+          <p:cNvPr id="2" name="Дата 1"/>
           <p:cNvSpPr>
             <a:spLocks noGrp="1"/>
           </p:cNvSpPr>
@@ -2895,7 +2665,6 @@
             <a:pPr rtl="0"/>
             <a:fld id="{14D5EF43-AECB-4459-AE90-3AFB54138C76}" type="datetime1">
               <a:rPr lang="ru-RU" smtClean="0"/>
-              <a:t>05.05.2022</a:t>
             </a:fld>
             <a:endParaRPr lang="en-US" dirty="0"/>
           </a:p>
@@ -2903,13 +2672,7 @@
       </p:sp>
       <p:sp>
         <p:nvSpPr>
-          <p:cNvPr id="3" name="Нижний колонтитул 2">
-            <a:extLst>
-              <a:ext uri="{FF2B5EF4-FFF2-40B4-BE49-F238E27FC236}">
-                <a16:creationId xmlns:a16="http://schemas.microsoft.com/office/drawing/2014/main" id="{05915714-6BBA-4593-8591-4E26F7D58D9F}"/>
-              </a:ext>
-            </a:extLst>
-          </p:cNvPr>
+          <p:cNvPr id="3" name="Нижний колонтитул 2"/>
           <p:cNvSpPr>
             <a:spLocks noGrp="1"/>
           </p:cNvSpPr>
@@ -2929,13 +2692,7 @@
       </p:sp>
       <p:sp>
         <p:nvSpPr>
-          <p:cNvPr id="4" name="Номер слайда 3">
-            <a:extLst>
-              <a:ext uri="{FF2B5EF4-FFF2-40B4-BE49-F238E27FC236}">
-                <a16:creationId xmlns:a16="http://schemas.microsoft.com/office/drawing/2014/main" id="{BE06F857-D2E1-44DD-ABDD-EBB739645B67}"/>
-              </a:ext>
-            </a:extLst>
-          </p:cNvPr>
+          <p:cNvPr id="4" name="Номер слайда 3"/>
           <p:cNvSpPr>
             <a:spLocks noGrp="1"/>
           </p:cNvSpPr>
@@ -2951,18 +2708,12 @@
             <a:pPr rtl="0"/>
             <a:fld id="{3A98EE3D-8CD1-4C3F-BD1C-C98C9596463C}" type="slidenum">
               <a:rPr lang="en-US" smtClean="0"/>
-              <a:t>‹#›</a:t>
             </a:fld>
             <a:endParaRPr lang="en-US" dirty="0"/>
           </a:p>
         </p:txBody>
       </p:sp>
     </p:spTree>
-    <p:extLst>
-      <p:ext uri="{BB962C8B-B14F-4D97-AF65-F5344CB8AC3E}">
-        <p14:creationId xmlns:p14="http://schemas.microsoft.com/office/powerpoint/2010/main" val="2001422672"/>
-      </p:ext>
-    </p:extLst>
   </p:cSld>
   <p:clrMapOvr>
     <a:masterClrMapping/>
@@ -2971,7 +2722,7 @@
 </file>
 
 <file path=ppt/slideLayouts/slideLayout8.xml><?xml version="1.0" encoding="utf-8"?>
-<p:sldLayout xmlns:a="http://schemas.openxmlformats.org/drawingml/2006/main" xmlns:r="http://schemas.openxmlformats.org/officeDocument/2006/relationships" xmlns:p="http://schemas.openxmlformats.org/presentationml/2006/main" showMasterSp="0" type="objTx" preserve="1">
+<p:sldLayout xmlns:a="http://schemas.openxmlformats.org/drawingml/2006/main" xmlns:r="http://schemas.openxmlformats.org/officeDocument/2006/relationships" xmlns:p="http://schemas.openxmlformats.org/presentationml/2006/main" type="objTx" preserve="1" showMasterSp="0">
   <p:cSld name="Объект с подписью">
     <p:spTree>
       <p:nvGrpSpPr>
@@ -2989,13 +2740,7 @@
       </p:grpSpPr>
       <p:sp>
         <p:nvSpPr>
-          <p:cNvPr id="8" name="Прямоугольник 7">
-            <a:extLst>
-              <a:ext uri="{FF2B5EF4-FFF2-40B4-BE49-F238E27FC236}">
-                <a16:creationId xmlns:a16="http://schemas.microsoft.com/office/drawing/2014/main" id="{16D90D66-BCB9-4229-A829-628874352AC0}"/>
-              </a:ext>
-            </a:extLst>
-          </p:cNvPr>
+          <p:cNvPr id="8" name="Прямоугольник 7"/>
           <p:cNvSpPr/>
           <p:nvPr/>
         </p:nvSpPr>
@@ -3098,6 +2843,7 @@
               <a:rPr lang="ru-RU"/>
               <a:t>Образец текста</a:t>
             </a:r>
+            <a:endParaRPr lang="ru-RU"/>
           </a:p>
           <a:p>
             <a:pPr lvl="1" rtl="0"/>
@@ -3105,6 +2851,7 @@
               <a:rPr lang="ru-RU"/>
               <a:t>Второй уровень</a:t>
             </a:r>
+            <a:endParaRPr lang="ru-RU"/>
           </a:p>
           <a:p>
             <a:pPr lvl="2" rtl="0"/>
@@ -3112,6 +2859,7 @@
               <a:rPr lang="ru-RU"/>
               <a:t>Третий уровень</a:t>
             </a:r>
+            <a:endParaRPr lang="ru-RU"/>
           </a:p>
           <a:p>
             <a:pPr lvl="3" rtl="0"/>
@@ -3119,6 +2867,7 @@
               <a:rPr lang="ru-RU"/>
               <a:t>Четвертый уровень</a:t>
             </a:r>
+            <a:endParaRPr lang="ru-RU"/>
           </a:p>
           <a:p>
             <a:pPr lvl="4" rtl="0"/>
@@ -3198,6 +2947,7 @@
               <a:rPr lang="ru-RU"/>
               <a:t>Образец текста</a:t>
             </a:r>
+            <a:endParaRPr lang="ru-RU"/>
           </a:p>
         </p:txBody>
       </p:sp>
@@ -3228,7 +2978,6 @@
             <a:pPr rtl="0"/>
             <a:fld id="{FD0FAC8F-653F-479B-B209-9F30C9091843}" type="datetime1">
               <a:rPr lang="ru-RU" smtClean="0"/>
-              <a:t>05.05.2022</a:t>
             </a:fld>
             <a:endParaRPr lang="en-US" dirty="0"/>
           </a:p>
@@ -3293,19 +3042,12 @@
             <a:pPr rtl="0"/>
             <a:fld id="{3A98EE3D-8CD1-4C3F-BD1C-C98C9596463C}" type="slidenum">
               <a:rPr lang="en-US" smtClean="0"/>
-              <a:pPr/>
-              <a:t>‹#›</a:t>
             </a:fld>
             <a:endParaRPr lang="en-US" dirty="0"/>
           </a:p>
         </p:txBody>
       </p:sp>
     </p:spTree>
-    <p:extLst>
-      <p:ext uri="{BB962C8B-B14F-4D97-AF65-F5344CB8AC3E}">
-        <p14:creationId xmlns:p14="http://schemas.microsoft.com/office/powerpoint/2010/main" val="1933282235"/>
-      </p:ext>
-    </p:extLst>
   </p:cSld>
   <p:clrMapOvr>
     <a:masterClrMapping/>
@@ -3314,7 +3056,7 @@
 </file>
 
 <file path=ppt/slideLayouts/slideLayout9.xml><?xml version="1.0" encoding="utf-8"?>
-<p:sldLayout xmlns:a="http://schemas.openxmlformats.org/drawingml/2006/main" xmlns:r="http://schemas.openxmlformats.org/officeDocument/2006/relationships" xmlns:p="http://schemas.openxmlformats.org/presentationml/2006/main" showMasterSp="0" type="picTx" preserve="1">
+<p:sldLayout xmlns:a="http://schemas.openxmlformats.org/drawingml/2006/main" xmlns:r="http://schemas.openxmlformats.org/officeDocument/2006/relationships" xmlns:p="http://schemas.openxmlformats.org/presentationml/2006/main" type="picTx" preserve="1" showMasterSp="0">
   <p:cSld name="Рисунок с подписью">
     <p:spTree>
       <p:nvGrpSpPr>
@@ -3332,13 +3074,7 @@
       </p:grpSpPr>
       <p:sp>
         <p:nvSpPr>
-          <p:cNvPr id="8" name="Прямоугольник 7">
-            <a:extLst>
-              <a:ext uri="{FF2B5EF4-FFF2-40B4-BE49-F238E27FC236}">
-                <a16:creationId xmlns:a16="http://schemas.microsoft.com/office/drawing/2014/main" id="{DA134939-39C0-4522-A125-A13DFDA66490}"/>
-              </a:ext>
-            </a:extLst>
-          </p:cNvPr>
+          <p:cNvPr id="8" name="Прямоугольник 7"/>
           <p:cNvSpPr/>
           <p:nvPr/>
         </p:nvSpPr>
@@ -3558,6 +3294,7 @@
               <a:rPr lang="ru-RU"/>
               <a:t>Образец текста</a:t>
             </a:r>
+            <a:endParaRPr lang="ru-RU"/>
           </a:p>
         </p:txBody>
       </p:sp>
@@ -3583,7 +3320,6 @@
             <a:pPr rtl="0"/>
             <a:fld id="{36FD9FC9-5FD1-4E3B-B719-212F55599717}" type="datetime1">
               <a:rPr lang="ru-RU" smtClean="0"/>
-              <a:t>05.05.2022</a:t>
             </a:fld>
             <a:endParaRPr lang="en-US" dirty="0"/>
           </a:p>
@@ -3632,18 +3368,12 @@
             <a:pPr rtl="0"/>
             <a:fld id="{3A98EE3D-8CD1-4C3F-BD1C-C98C9596463C}" type="slidenum">
               <a:rPr lang="en-US" smtClean="0"/>
-              <a:t>‹#›</a:t>
             </a:fld>
             <a:endParaRPr lang="en-US" dirty="0"/>
           </a:p>
         </p:txBody>
       </p:sp>
     </p:spTree>
-    <p:extLst>
-      <p:ext uri="{BB962C8B-B14F-4D97-AF65-F5344CB8AC3E}">
-        <p14:creationId xmlns:p14="http://schemas.microsoft.com/office/powerpoint/2010/main" val="523267730"/>
-      </p:ext>
-    </p:extLst>
   </p:cSld>
   <p:clrMapOvr>
     <a:masterClrMapping/>
@@ -3675,13 +3405,7 @@
       </p:grpSpPr>
       <p:sp>
         <p:nvSpPr>
-          <p:cNvPr id="7" name="Прямоугольник 6">
-            <a:extLst>
-              <a:ext uri="{FF2B5EF4-FFF2-40B4-BE49-F238E27FC236}">
-                <a16:creationId xmlns:a16="http://schemas.microsoft.com/office/drawing/2014/main" id="{416A0E3C-60E6-4F39-BC55-5F7C224E1F7C}"/>
-              </a:ext>
-            </a:extLst>
-          </p:cNvPr>
+          <p:cNvPr id="7" name="Прямоугольник 6"/>
           <p:cNvSpPr/>
           <p:nvPr/>
         </p:nvSpPr>
@@ -3744,7 +3468,7 @@
           <a:p>
             <a:pPr rtl="0"/>
             <a:r>
-              <a:rPr lang="ru" dirty="0"/>
+              <a:rPr lang="en-US" dirty="0"/>
               <a:t>Стиль образца заголовка</a:t>
             </a:r>
             <a:endParaRPr lang="en-US" dirty="0"/>
@@ -3778,35 +3502,39 @@
           <a:p>
             <a:pPr lvl="0" rtl="0"/>
             <a:r>
-              <a:rPr lang="ru" dirty="0"/>
+              <a:rPr lang="en-US" dirty="0"/>
               <a:t>Щелкните, чтобы изменить стили текста образца слайда</a:t>
             </a:r>
+            <a:endParaRPr lang="en-US" dirty="0"/>
           </a:p>
           <a:p>
             <a:pPr lvl="1" rtl="0"/>
             <a:r>
-              <a:rPr lang="ru" dirty="0"/>
+              <a:rPr lang="en-US" dirty="0"/>
               <a:t>Второй уровень</a:t>
             </a:r>
+            <a:endParaRPr lang="en-US" dirty="0"/>
           </a:p>
           <a:p>
             <a:pPr lvl="2" rtl="0"/>
             <a:r>
-              <a:rPr lang="ru" dirty="0"/>
+              <a:rPr lang="en-US" dirty="0"/>
               <a:t>Третий уровень</a:t>
             </a:r>
+            <a:endParaRPr lang="en-US" dirty="0"/>
           </a:p>
           <a:p>
             <a:pPr lvl="3" rtl="0"/>
             <a:r>
-              <a:rPr lang="ru" dirty="0"/>
+              <a:rPr lang="en-US" dirty="0"/>
               <a:t>Четвертый уровень</a:t>
             </a:r>
+            <a:endParaRPr lang="en-US" dirty="0"/>
           </a:p>
           <a:p>
             <a:pPr lvl="4" rtl="0"/>
             <a:r>
-              <a:rPr lang="ru" dirty="0"/>
+              <a:rPr lang="en-US" dirty="0"/>
               <a:t>Пятый уровень</a:t>
             </a:r>
             <a:endParaRPr lang="en-US" dirty="0"/>
@@ -3848,7 +3576,6 @@
           <a:p>
             <a:fld id="{428A7F57-8526-4A03-89D8-FFB0245E6649}" type="datetime1">
               <a:rPr lang="ru-RU" smtClean="0"/>
-              <a:t>05.05.2022</a:t>
             </a:fld>
             <a:endParaRPr lang="en-US" dirty="0"/>
           </a:p>
@@ -3926,8 +3653,6 @@
           <a:p>
             <a:fld id="{3A98EE3D-8CD1-4C3F-BD1C-C98C9596463C}" type="slidenum">
               <a:rPr lang="en-US" smtClean="0"/>
-              <a:pPr/>
-              <a:t>‹#›</a:t>
             </a:fld>
             <a:endParaRPr lang="en-US" dirty="0"/>
           </a:p>
@@ -3935,13 +3660,7 @@
       </p:sp>
       <p:cxnSp>
         <p:nvCxnSpPr>
-          <p:cNvPr id="10" name="Прямая соединительная линия 9">
-            <a:extLst>
-              <a:ext uri="{FF2B5EF4-FFF2-40B4-BE49-F238E27FC236}">
-                <a16:creationId xmlns:a16="http://schemas.microsoft.com/office/drawing/2014/main" id="{C5025DAC-8B93-4160-B017-3A274A5828C0}"/>
-              </a:ext>
-            </a:extLst>
-          </p:cNvPr>
+          <p:cNvPr id="10" name="Прямая соединительная линия 9"/>
           <p:cNvCxnSpPr/>
           <p:nvPr/>
         </p:nvCxnSpPr>
@@ -3978,25 +3697,20 @@
         </p:style>
       </p:cxnSp>
     </p:spTree>
-    <p:extLst>
-      <p:ext uri="{BB962C8B-B14F-4D97-AF65-F5344CB8AC3E}">
-        <p14:creationId xmlns:p14="http://schemas.microsoft.com/office/powerpoint/2010/main" val="3034982234"/>
-      </p:ext>
-    </p:extLst>
   </p:cSld>
   <p:clrMap bg1="lt1" tx1="dk1" bg2="lt2" tx2="dk2" accent1="accent1" accent2="accent2" accent3="accent3" accent4="accent4" accent5="accent5" accent6="accent6" hlink="hlink" folHlink="folHlink"/>
   <p:sldLayoutIdLst>
-    <p:sldLayoutId id="2147483748" r:id="rId1"/>
-    <p:sldLayoutId id="2147483749" r:id="rId2"/>
-    <p:sldLayoutId id="2147483747" r:id="rId3"/>
-    <p:sldLayoutId id="2147483743" r:id="rId4"/>
-    <p:sldLayoutId id="2147483738" r:id="rId5"/>
-    <p:sldLayoutId id="2147483732" r:id="rId6"/>
-    <p:sldLayoutId id="2147483733" r:id="rId7"/>
-    <p:sldLayoutId id="2147483734" r:id="rId8"/>
-    <p:sldLayoutId id="2147483735" r:id="rId9"/>
-    <p:sldLayoutId id="2147483736" r:id="rId10"/>
-    <p:sldLayoutId id="2147483737" r:id="rId11"/>
+    <p:sldLayoutId id="2147483649" r:id="rId1"/>
+    <p:sldLayoutId id="2147483650" r:id="rId2"/>
+    <p:sldLayoutId id="2147483651" r:id="rId3"/>
+    <p:sldLayoutId id="2147483652" r:id="rId4"/>
+    <p:sldLayoutId id="2147483653" r:id="rId5"/>
+    <p:sldLayoutId id="2147483654" r:id="rId6"/>
+    <p:sldLayoutId id="2147483655" r:id="rId7"/>
+    <p:sldLayoutId id="2147483656" r:id="rId8"/>
+    <p:sldLayoutId id="2147483657" r:id="rId9"/>
+    <p:sldLayoutId id="2147483658" r:id="rId10"/>
+    <p:sldLayoutId id="2147483659" r:id="rId11"/>
   </p:sldLayoutIdLst>
   <p:hf sldNum="0" hdr="0" ftr="0"/>
   <p:txStyles>
@@ -4051,7 +3765,7 @@
           <a:cs typeface="Calibri" panose="020F0502020204030204" pitchFamily="34" charset="0"/>
         </a:defRPr>
       </a:lvl1pPr>
-      <a:lvl2pPr marL="384048" indent="-182880" algn="l" defTabSz="914400" rtl="0" eaLnBrk="1" latinLnBrk="0" hangingPunct="1">
+      <a:lvl2pPr marL="384175" indent="-182880" algn="l" defTabSz="914400" rtl="0" eaLnBrk="1" latinLnBrk="0" hangingPunct="1">
         <a:lnSpc>
           <a:spcPct val="100000"/>
         </a:lnSpc>
@@ -4062,7 +3776,7 @@
           <a:spcPts val="400"/>
         </a:spcAft>
         <a:buClrTx/>
-        <a:buFont typeface="Calibri" pitchFamily="34" charset="0"/>
+        <a:buFont typeface="Calibri" panose="020F0502020204030204" pitchFamily="34" charset="0"/>
         <a:buChar char="◦"/>
         <a:defRPr sz="1700" kern="1200">
           <a:solidFill>
@@ -4076,7 +3790,7 @@
           <a:cs typeface="Calibri" panose="020F0502020204030204" pitchFamily="34" charset="0"/>
         </a:defRPr>
       </a:lvl2pPr>
-      <a:lvl3pPr marL="566928" indent="-182880" algn="l" defTabSz="914400" rtl="0" eaLnBrk="1" latinLnBrk="0" hangingPunct="1">
+      <a:lvl3pPr marL="567055" indent="-182880" algn="l" defTabSz="914400" rtl="0" eaLnBrk="1" latinLnBrk="0" hangingPunct="1">
         <a:lnSpc>
           <a:spcPct val="100000"/>
         </a:lnSpc>
@@ -4087,7 +3801,7 @@
           <a:spcPts val="400"/>
         </a:spcAft>
         <a:buClrTx/>
-        <a:buFont typeface="Calibri" pitchFamily="34" charset="0"/>
+        <a:buFont typeface="Calibri" panose="020F0502020204030204" pitchFamily="34" charset="0"/>
         <a:buChar char="◦"/>
         <a:defRPr sz="1300" kern="1200">
           <a:solidFill>
@@ -4101,7 +3815,7 @@
           <a:cs typeface="Calibri" panose="020F0502020204030204" pitchFamily="34" charset="0"/>
         </a:defRPr>
       </a:lvl3pPr>
-      <a:lvl4pPr marL="749808" indent="-182880" algn="l" defTabSz="914400" rtl="0" eaLnBrk="1" latinLnBrk="0" hangingPunct="1">
+      <a:lvl4pPr marL="749935" indent="-182880" algn="l" defTabSz="914400" rtl="0" eaLnBrk="1" latinLnBrk="0" hangingPunct="1">
         <a:lnSpc>
           <a:spcPct val="100000"/>
         </a:lnSpc>
@@ -4112,7 +3826,7 @@
           <a:spcPts val="400"/>
         </a:spcAft>
         <a:buClrTx/>
-        <a:buFont typeface="Calibri" pitchFamily="34" charset="0"/>
+        <a:buFont typeface="Calibri" panose="020F0502020204030204" pitchFamily="34" charset="0"/>
         <a:buChar char="◦"/>
         <a:defRPr sz="1300" kern="1200">
           <a:solidFill>
@@ -4126,7 +3840,7 @@
           <a:cs typeface="Calibri" panose="020F0502020204030204" pitchFamily="34" charset="0"/>
         </a:defRPr>
       </a:lvl4pPr>
-      <a:lvl5pPr marL="932688" indent="-182880" algn="l" defTabSz="914400" rtl="0" eaLnBrk="1" latinLnBrk="0" hangingPunct="1">
+      <a:lvl5pPr marL="932815" indent="-182880" algn="l" defTabSz="914400" rtl="0" eaLnBrk="1" latinLnBrk="0" hangingPunct="1">
         <a:lnSpc>
           <a:spcPct val="100000"/>
         </a:lnSpc>
@@ -4137,7 +3851,7 @@
           <a:spcPts val="400"/>
         </a:spcAft>
         <a:buClrTx/>
-        <a:buFont typeface="Calibri" pitchFamily="34" charset="0"/>
+        <a:buFont typeface="Calibri" panose="020F0502020204030204" pitchFamily="34" charset="0"/>
         <a:buChar char="◦"/>
         <a:defRPr sz="1300" kern="1200">
           <a:solidFill>
@@ -4151,7 +3865,7 @@
           <a:cs typeface="Calibri" panose="020F0502020204030204" pitchFamily="34" charset="0"/>
         </a:defRPr>
       </a:lvl5pPr>
-      <a:lvl6pPr marL="1100000" indent="-228600" algn="l" defTabSz="914400" rtl="0" eaLnBrk="1" latinLnBrk="0" hangingPunct="1">
+      <a:lvl6pPr marL="1099820" indent="-228600" algn="l" defTabSz="914400" rtl="0" eaLnBrk="1" latinLnBrk="0" hangingPunct="1">
         <a:lnSpc>
           <a:spcPct val="90000"/>
         </a:lnSpc>
@@ -4164,7 +3878,7 @@
         <a:buClr>
           <a:schemeClr val="accent1"/>
         </a:buClr>
-        <a:buFont typeface="Calibri" pitchFamily="34" charset="0"/>
+        <a:buFont typeface="Calibri" panose="020F0502020204030204" pitchFamily="34" charset="0"/>
         <a:buChar char="◦"/>
         <a:defRPr sz="1400" kern="1200">
           <a:solidFill>
@@ -4178,7 +3892,7 @@
           <a:cs typeface="+mn-cs"/>
         </a:defRPr>
       </a:lvl6pPr>
-      <a:lvl7pPr marL="1300000" indent="-228600" algn="l" defTabSz="914400" rtl="0" eaLnBrk="1" latinLnBrk="0" hangingPunct="1">
+      <a:lvl7pPr marL="1299845" indent="-228600" algn="l" defTabSz="914400" rtl="0" eaLnBrk="1" latinLnBrk="0" hangingPunct="1">
         <a:lnSpc>
           <a:spcPct val="90000"/>
         </a:lnSpc>
@@ -4191,7 +3905,7 @@
         <a:buClr>
           <a:schemeClr val="accent1"/>
         </a:buClr>
-        <a:buFont typeface="Calibri" pitchFamily="34" charset="0"/>
+        <a:buFont typeface="Calibri" panose="020F0502020204030204" pitchFamily="34" charset="0"/>
         <a:buChar char="◦"/>
         <a:defRPr sz="1400" kern="1200">
           <a:solidFill>
@@ -4205,7 +3919,7 @@
           <a:cs typeface="+mn-cs"/>
         </a:defRPr>
       </a:lvl7pPr>
-      <a:lvl8pPr marL="1500000" indent="-228600" algn="l" defTabSz="914400" rtl="0" eaLnBrk="1" latinLnBrk="0" hangingPunct="1">
+      <a:lvl8pPr marL="1499870" indent="-228600" algn="l" defTabSz="914400" rtl="0" eaLnBrk="1" latinLnBrk="0" hangingPunct="1">
         <a:lnSpc>
           <a:spcPct val="90000"/>
         </a:lnSpc>
@@ -4218,7 +3932,7 @@
         <a:buClr>
           <a:schemeClr val="accent1"/>
         </a:buClr>
-        <a:buFont typeface="Calibri" pitchFamily="34" charset="0"/>
+        <a:buFont typeface="Calibri" panose="020F0502020204030204" pitchFamily="34" charset="0"/>
         <a:buChar char="◦"/>
         <a:defRPr sz="1400" kern="1200">
           <a:solidFill>
@@ -4232,7 +3946,7 @@
           <a:cs typeface="+mn-cs"/>
         </a:defRPr>
       </a:lvl8pPr>
-      <a:lvl9pPr marL="1700000" indent="-228600" algn="l" defTabSz="914400" rtl="0" eaLnBrk="1" latinLnBrk="0" hangingPunct="1">
+      <a:lvl9pPr marL="1699895" indent="-228600" algn="l" defTabSz="914400" rtl="0" eaLnBrk="1" latinLnBrk="0" hangingPunct="1">
         <a:lnSpc>
           <a:spcPct val="90000"/>
         </a:lnSpc>
@@ -4245,7 +3959,7 @@
         <a:buClr>
           <a:schemeClr val="accent1"/>
         </a:buClr>
-        <a:buFont typeface="Calibri" pitchFamily="34" charset="0"/>
+        <a:buFont typeface="Calibri" panose="020F0502020204030204" pitchFamily="34" charset="0"/>
         <a:buChar char="◦"/>
         <a:defRPr sz="1400" kern="1200">
           <a:solidFill>
@@ -4386,26 +4100,11 @@
       </p:grpSpPr>
       <p:sp useBgFill="1">
         <p:nvSpPr>
-          <p:cNvPr id="22" name="Прямоугольник 21">
-            <a:extLst>
-              <a:ext uri="{FF2B5EF4-FFF2-40B4-BE49-F238E27FC236}">
-                <a16:creationId xmlns:a16="http://schemas.microsoft.com/office/drawing/2014/main" id="{A9286AD2-18A9-4868-A4E3-7A2097A20810}"/>
-              </a:ext>
-              <a:ext uri="{C183D7F6-B498-43B3-948B-1728B52AA6E4}">
-                <adec:decorative xmlns:adec="http://schemas.microsoft.com/office/drawing/2017/decorative" val="1"/>
-              </a:ext>
-            </a:extLst>
-          </p:cNvPr>
+          <p:cNvPr id="22" name="Прямоугольник 21"/>
           <p:cNvSpPr>
             <a:spLocks noGrp="1" noRot="1" noChangeAspect="1" noMove="1" noResize="1" noEditPoints="1" noAdjustHandles="1" noChangeArrowheads="1" noChangeShapeType="1" noTextEdit="1"/>
           </p:cNvSpPr>
-          <p:nvPr>
-            <p:extLst>
-              <p:ext uri="{386F3935-93C4-4BCD-93E2-E3B085C9AB24}">
-                <p16:designElem xmlns:p16="http://schemas.microsoft.com/office/powerpoint/2015/main" val="1"/>
-              </p:ext>
-            </p:extLst>
-          </p:nvPr>
+          <p:nvPr/>
         </p:nvSpPr>
         <p:spPr>
           <a:xfrm>
@@ -4446,13 +4145,7 @@
       </p:sp>
       <p:sp>
         <p:nvSpPr>
-          <p:cNvPr id="2" name="Заголовок 1">
-            <a:extLst>
-              <a:ext uri="{FF2B5EF4-FFF2-40B4-BE49-F238E27FC236}">
-                <a16:creationId xmlns:a16="http://schemas.microsoft.com/office/drawing/2014/main" id="{78FD68DA-43BA-4508-8DE2-BA9BB7B2FA5B}"/>
-              </a:ext>
-            </a:extLst>
-          </p:cNvPr>
+          <p:cNvPr id="2" name="Заголовок 1"/>
           <p:cNvSpPr>
             <a:spLocks noGrp="1"/>
           </p:cNvSpPr>
@@ -4473,21 +4166,16 @@
           <a:lstStyle/>
           <a:p>
             <a:r>
-              <a:rPr lang="ru" sz="5400" dirty="0"/>
+              <a:rPr lang="en-US" sz="5400" dirty="0"/>
               <a:t>Классификация тестирования</a:t>
             </a:r>
-          </a:p>
-        </p:txBody>
-      </p:sp>
-      <p:sp>
-        <p:nvSpPr>
-          <p:cNvPr id="3" name="Подзаголовок 2">
-            <a:extLst>
-              <a:ext uri="{FF2B5EF4-FFF2-40B4-BE49-F238E27FC236}">
-                <a16:creationId xmlns:a16="http://schemas.microsoft.com/office/drawing/2014/main" id="{A8E9CFF2-3777-4FF4-A759-8491175B0B7C}"/>
-              </a:ext>
-            </a:extLst>
-          </p:cNvPr>
+            <a:endParaRPr lang="en-US" sz="5400" dirty="0"/>
+          </a:p>
+        </p:txBody>
+      </p:sp>
+      <p:sp>
+        <p:nvSpPr>
+          <p:cNvPr id="3" name="Подзаголовок 2"/>
           <p:cNvSpPr>
             <a:spLocks noGrp="1"/>
           </p:cNvSpPr>
@@ -4519,7 +4207,7 @@
               </a:rPr>
               <a:t>Lection 2</a:t>
             </a:r>
-            <a:endParaRPr lang="ru" sz="2400" dirty="0">
+            <a:endParaRPr lang="en-US" sz="2400" dirty="0">
               <a:solidFill>
                 <a:schemeClr val="tx1">
                   <a:lumMod val="85000"/>
@@ -4532,20 +4220,14 @@
       </p:sp>
       <p:pic>
         <p:nvPicPr>
-          <p:cNvPr id="5" name="Рисунок 4" descr="Изображение здания, места для сидения, скамейки, вид сбоку&#10;&#10;Автоматически созданное описание">
-            <a:extLst>
-              <a:ext uri="{FF2B5EF4-FFF2-40B4-BE49-F238E27FC236}">
-                <a16:creationId xmlns:a16="http://schemas.microsoft.com/office/drawing/2014/main" id="{282CF6DD-7FE8-4063-9551-1B7BBCE92ABE}"/>
-              </a:ext>
-            </a:extLst>
-          </p:cNvPr>
+          <p:cNvPr id="5" name="Рисунок 4" descr="Изображение здания, места для сидения, скамейки, вид сбоку&#10;&#10;Автоматически созданное описание"/>
           <p:cNvPicPr>
             <a:picLocks noChangeAspect="1"/>
           </p:cNvPicPr>
           <p:nvPr/>
         </p:nvPicPr>
         <p:blipFill rotWithShape="1">
-          <a:blip r:embed="rId2">
+          <a:blip r:embed="rId1">
             <a:extLst>
               <a:ext uri="{28A0092B-C50C-407E-A947-70E740481C1C}">
                 <a14:useLocalDpi xmlns:a14="http://schemas.microsoft.com/office/drawing/2010/main" val="0"/>
@@ -4553,7 +4235,9 @@
             </a:extLst>
           </a:blip>
           <a:srcRect/>
-          <a:stretch/>
+          <a:stretch>
+            <a:fillRect/>
+          </a:stretch>
         </p:blipFill>
         <p:spPr>
           <a:xfrm>
@@ -4567,26 +4251,11 @@
       </p:pic>
       <p:cxnSp>
         <p:nvCxnSpPr>
-          <p:cNvPr id="24" name="Прямая соединительная линия 23">
-            <a:extLst>
-              <a:ext uri="{FF2B5EF4-FFF2-40B4-BE49-F238E27FC236}">
-                <a16:creationId xmlns:a16="http://schemas.microsoft.com/office/drawing/2014/main" id="{E7A7CD63-7EC3-44F3-95D0-595C4019FF24}"/>
-              </a:ext>
-              <a:ext uri="{C183D7F6-B498-43B3-948B-1728B52AA6E4}">
-                <adec:decorative xmlns:adec="http://schemas.microsoft.com/office/drawing/2017/decorative" val="1"/>
-              </a:ext>
-            </a:extLst>
-          </p:cNvPr>
+          <p:cNvPr id="24" name="Прямая соединительная линия 23"/>
           <p:cNvCxnSpPr>
             <a:cxnSpLocks noGrp="1" noRot="1" noChangeAspect="1" noMove="1" noResize="1" noEditPoints="1" noAdjustHandles="1" noChangeArrowheads="1" noChangeShapeType="1"/>
           </p:cNvCxnSpPr>
-          <p:nvPr>
-            <p:extLst>
-              <p:ext uri="{386F3935-93C4-4BCD-93E2-E3B085C9AB24}">
-                <p16:designElem xmlns:p16="http://schemas.microsoft.com/office/powerpoint/2015/main" val="1"/>
-              </p:ext>
-            </p:extLst>
-          </p:nvPr>
+          <p:nvPr/>
         </p:nvCxnSpPr>
         <p:spPr>
           <a:xfrm>
@@ -4622,20 +4291,14 @@
       </p:cxnSp>
       <p:sp>
         <p:nvSpPr>
-          <p:cNvPr id="4" name="TextBox 3">
-            <a:extLst>
-              <a:ext uri="{FF2B5EF4-FFF2-40B4-BE49-F238E27FC236}">
-                <a16:creationId xmlns:a16="http://schemas.microsoft.com/office/drawing/2014/main" id="{ED4250FA-0C7E-4384-B9B2-1CB8BA5A83BB}"/>
-              </a:ext>
-            </a:extLst>
-          </p:cNvPr>
+          <p:cNvPr id="4" name="TextBox 3"/>
           <p:cNvSpPr txBox="1"/>
           <p:nvPr/>
         </p:nvSpPr>
         <p:spPr>
           <a:xfrm>
             <a:off x="8540318" y="5779363"/>
-            <a:ext cx="3133819" cy="646331"/>
+            <a:ext cx="3133819" cy="645160"/>
           </a:xfrm>
           <a:prstGeom prst="rect">
             <a:avLst/>
@@ -4662,7 +4325,6 @@
               <a:buSzTx/>
               <a:buFontTx/>
               <a:buNone/>
-              <a:tabLst/>
               <a:defRPr/>
             </a:pPr>
             <a:r>
@@ -4676,12 +4338,26 @@
                 <a:effectLst/>
                 <a:uLnTx/>
                 <a:uFillTx/>
-                <a:latin typeface="Franklin Gothic Book" panose="020F0502020204030204"/>
+                <a:latin typeface="Franklin Gothic Book" panose="020B0503020102020204"/>
                 <a:ea typeface="+mn-ea"/>
                 <a:cs typeface="+mn-cs"/>
               </a:rPr>
-              <a:t>Learning Technologies Center</a:t>
-            </a:r>
+              <a:t>Innopolis</a:t>
+            </a:r>
+            <a:endParaRPr kumimoji="0" lang="en-US" sz="1800" b="0" i="0" u="none" strike="noStrike" kern="1200" cap="none" spc="0" normalizeH="0" baseline="0" noProof="0" dirty="0">
+              <a:ln>
+                <a:noFill/>
+              </a:ln>
+              <a:solidFill>
+                <a:srgbClr val="000000"/>
+              </a:solidFill>
+              <a:effectLst/>
+              <a:uLnTx/>
+              <a:uFillTx/>
+              <a:latin typeface="Franklin Gothic Book" panose="020B0503020102020204"/>
+              <a:ea typeface="+mn-ea"/>
+              <a:cs typeface="+mn-cs"/>
+            </a:endParaRPr>
           </a:p>
           <a:p>
             <a:pPr marL="0" marR="0" lvl="0" indent="0" algn="l" defTabSz="914400" rtl="0" eaLnBrk="1" fontAlgn="auto" latinLnBrk="0" hangingPunct="1">
@@ -4698,44 +4374,9 @@
               <a:buSzTx/>
               <a:buFontTx/>
               <a:buNone/>
-              <a:tabLst/>
               <a:defRPr/>
             </a:pPr>
-            <a:r>
-              <a:rPr kumimoji="0" lang="en-US" sz="1800" b="0" i="0" u="none" strike="noStrike" kern="1200" cap="none" spc="0" normalizeH="0" baseline="0" noProof="0" dirty="0">
-                <a:ln>
-                  <a:noFill/>
-                </a:ln>
-                <a:solidFill>
-                  <a:srgbClr val="000000"/>
-                </a:solidFill>
-                <a:effectLst/>
-                <a:uLnTx/>
-                <a:uFillTx/>
-                <a:latin typeface="Franklin Gothic Book" panose="020F0502020204030204"/>
-                <a:ea typeface="+mn-ea"/>
-                <a:cs typeface="+mn-cs"/>
-              </a:rPr>
-              <a:t>April 202</a:t>
-            </a:r>
-            <a:r>
-              <a:rPr kumimoji="0" lang="ru-RU" sz="1800" b="0" i="0" u="none" strike="noStrike" kern="1200" cap="none" spc="0" normalizeH="0" baseline="0" noProof="0" dirty="0">
-                <a:ln>
-                  <a:noFill/>
-                </a:ln>
-                <a:solidFill>
-                  <a:srgbClr val="000000"/>
-                </a:solidFill>
-                <a:effectLst/>
-                <a:uLnTx/>
-                <a:uFillTx/>
-                <a:latin typeface="Franklin Gothic Book" panose="020F0502020204030204"/>
-                <a:ea typeface="+mn-ea"/>
-                <a:cs typeface="+mn-cs"/>
-              </a:rPr>
-              <a:t>2</a:t>
-            </a:r>
-            <a:endParaRPr kumimoji="0" lang="ru-BY" sz="1800" b="0" i="0" u="none" strike="noStrike" kern="1200" cap="none" spc="0" normalizeH="0" baseline="0" noProof="0" dirty="0">
+            <a:endParaRPr kumimoji="0" lang="en-US" sz="1800" b="0" i="0" u="none" strike="noStrike" kern="1200" cap="none" spc="0" normalizeH="0" baseline="0" noProof="0" dirty="0">
               <a:ln>
                 <a:noFill/>
               </a:ln>
@@ -4745,7 +4386,7 @@
               <a:effectLst/>
               <a:uLnTx/>
               <a:uFillTx/>
-              <a:latin typeface="Franklin Gothic Book" panose="020F0502020204030204"/>
+              <a:latin typeface="Franklin Gothic Book" panose="020B0503020102020204"/>
               <a:ea typeface="+mn-ea"/>
               <a:cs typeface="+mn-cs"/>
             </a:endParaRPr>
@@ -4753,11 +4394,6 @@
         </p:txBody>
       </p:sp>
     </p:spTree>
-    <p:extLst>
-      <p:ext uri="{BB962C8B-B14F-4D97-AF65-F5344CB8AC3E}">
-        <p14:creationId xmlns:p14="http://schemas.microsoft.com/office/powerpoint/2010/main" val="4043737824"/>
-      </p:ext>
-    </p:extLst>
   </p:cSld>
   <p:clrMapOvr>
     <a:masterClrMapping/>
@@ -4784,13 +4420,7 @@
       </p:grpSpPr>
       <p:sp>
         <p:nvSpPr>
-          <p:cNvPr id="2" name="Заголовок 1">
-            <a:extLst>
-              <a:ext uri="{FF2B5EF4-FFF2-40B4-BE49-F238E27FC236}">
-                <a16:creationId xmlns:a16="http://schemas.microsoft.com/office/drawing/2014/main" id="{657C53C3-2647-4ADF-BF75-74D4AAF92D97}"/>
-              </a:ext>
-            </a:extLst>
-          </p:cNvPr>
+          <p:cNvPr id="2" name="Заголовок 1"/>
           <p:cNvSpPr>
             <a:spLocks noGrp="1"/>
           </p:cNvSpPr>
@@ -4807,19 +4437,13 @@
               <a:rPr lang="ru-RU" dirty="0"/>
               <a:t>По доступу к коду и архитектуре приложения </a:t>
             </a:r>
-            <a:endParaRPr lang="ru-BY" dirty="0"/>
-          </a:p>
-        </p:txBody>
-      </p:sp>
-      <p:sp>
-        <p:nvSpPr>
-          <p:cNvPr id="3" name="Объект 2">
-            <a:extLst>
-              <a:ext uri="{FF2B5EF4-FFF2-40B4-BE49-F238E27FC236}">
-                <a16:creationId xmlns:a16="http://schemas.microsoft.com/office/drawing/2014/main" id="{25E76A3A-6EC0-449E-A12B-132C863A64F2}"/>
-              </a:ext>
-            </a:extLst>
-          </p:cNvPr>
+            <a:endParaRPr lang="en-US" dirty="0"/>
+          </a:p>
+        </p:txBody>
+      </p:sp>
+      <p:sp>
+        <p:nvSpPr>
+          <p:cNvPr id="3" name="Объект 2"/>
           <p:cNvSpPr>
             <a:spLocks noGrp="1"/>
           </p:cNvSpPr>
@@ -4846,6 +4470,7 @@
               <a:rPr lang="ru-RU" dirty="0"/>
               <a:t>-  у тестировщика есть доступ к внутренней структуре и коду приложения, а также есть достаточно знаний для понимания увиденного. </a:t>
             </a:r>
+            <a:endParaRPr lang="ru-RU" dirty="0"/>
           </a:p>
           <a:p>
             <a:pPr algn="just">
@@ -4880,6 +4505,7 @@
               <a:rPr lang="ru-RU" dirty="0"/>
               <a:t> эксплуатации приложения на него воздействовали бы пользователи или другие приложения. </a:t>
             </a:r>
+            <a:endParaRPr lang="ru-RU" dirty="0"/>
           </a:p>
           <a:p>
             <a:pPr algn="just">
@@ -4898,27 +4524,22 @@
               <a:rPr lang="ru-RU" dirty="0"/>
               <a:t>комбинация методов белого ящика и чёрного ящика, состоящая в том, что к части кода и архитектуры у тестировщика доступ есть, а к части — нет. </a:t>
             </a:r>
-          </a:p>
-          <a:p>
             <a:endParaRPr lang="ru-RU" dirty="0"/>
           </a:p>
           <a:p>
             <a:endParaRPr lang="ru-RU" dirty="0"/>
           </a:p>
           <a:p>
-            <a:endParaRPr lang="ru-BY" dirty="0"/>
-          </a:p>
-        </p:txBody>
-      </p:sp>
-      <p:sp>
-        <p:nvSpPr>
-          <p:cNvPr id="4" name="Дата 3">
-            <a:extLst>
-              <a:ext uri="{FF2B5EF4-FFF2-40B4-BE49-F238E27FC236}">
-                <a16:creationId xmlns:a16="http://schemas.microsoft.com/office/drawing/2014/main" id="{78251F6A-2D08-4F5A-89E0-5D9280712C8C}"/>
-              </a:ext>
-            </a:extLst>
-          </p:cNvPr>
+            <a:endParaRPr lang="ru-RU" dirty="0"/>
+          </a:p>
+          <a:p>
+            <a:endParaRPr lang="en-US" dirty="0"/>
+          </a:p>
+        </p:txBody>
+      </p:sp>
+      <p:sp>
+        <p:nvSpPr>
+          <p:cNvPr id="4" name="Дата 3"/>
           <p:cNvSpPr>
             <a:spLocks noGrp="1"/>
           </p:cNvSpPr>
@@ -4934,18 +4555,12 @@
             <a:pPr rtl="0"/>
             <a:fld id="{BE289488-0C23-4DC8-A9FA-240659547385}" type="datetime1">
               <a:rPr lang="ru-RU" smtClean="0"/>
-              <a:t>05.05.2022</a:t>
             </a:fld>
             <a:endParaRPr lang="en-US" dirty="0"/>
           </a:p>
         </p:txBody>
       </p:sp>
     </p:spTree>
-    <p:extLst>
-      <p:ext uri="{BB962C8B-B14F-4D97-AF65-F5344CB8AC3E}">
-        <p14:creationId xmlns:p14="http://schemas.microsoft.com/office/powerpoint/2010/main" val="3297958257"/>
-      </p:ext>
-    </p:extLst>
   </p:cSld>
   <p:clrMapOvr>
     <a:masterClrMapping/>
@@ -4972,13 +4587,7 @@
       </p:grpSpPr>
       <p:sp>
         <p:nvSpPr>
-          <p:cNvPr id="2" name="Заголовок 1">
-            <a:extLst>
-              <a:ext uri="{FF2B5EF4-FFF2-40B4-BE49-F238E27FC236}">
-                <a16:creationId xmlns:a16="http://schemas.microsoft.com/office/drawing/2014/main" id="{F3365F24-5C5A-465C-B749-4FF65DCD4C96}"/>
-              </a:ext>
-            </a:extLst>
-          </p:cNvPr>
+          <p:cNvPr id="2" name="Заголовок 1"/>
           <p:cNvSpPr>
             <a:spLocks noGrp="1"/>
           </p:cNvSpPr>
@@ -4995,19 +4604,13 @@
               <a:rPr lang="ru-RU" dirty="0"/>
               <a:t>Метод белого ящика (преимущества)</a:t>
             </a:r>
-            <a:endParaRPr lang="ru-BY" dirty="0"/>
-          </a:p>
-        </p:txBody>
-      </p:sp>
-      <p:sp>
-        <p:nvSpPr>
-          <p:cNvPr id="3" name="Объект 2">
-            <a:extLst>
-              <a:ext uri="{FF2B5EF4-FFF2-40B4-BE49-F238E27FC236}">
-                <a16:creationId xmlns:a16="http://schemas.microsoft.com/office/drawing/2014/main" id="{F60F8ACC-E0A8-4A8E-9319-5F0B7664D210}"/>
-              </a:ext>
-            </a:extLst>
-          </p:cNvPr>
+            <a:endParaRPr lang="en-US" dirty="0"/>
+          </a:p>
+        </p:txBody>
+      </p:sp>
+      <p:sp>
+        <p:nvSpPr>
+          <p:cNvPr id="3" name="Объект 2"/>
           <p:cNvSpPr>
             <a:spLocks noGrp="1"/>
           </p:cNvSpPr>
@@ -5028,6 +4631,7 @@
               <a:rPr lang="ru-RU" dirty="0"/>
               <a:t>Показывает скрытые проблемы и упрощает их диагностику. </a:t>
             </a:r>
+            <a:endParaRPr lang="ru-RU" dirty="0"/>
           </a:p>
           <a:p>
             <a:pPr algn="just">
@@ -5038,6 +4642,7 @@
               <a:rPr lang="ru-RU" dirty="0"/>
               <a:t>Допускает достаточно простую автоматизацию тест-кейсов и их выполнение на самых ранних стадиях развития проекта. </a:t>
             </a:r>
+            <a:endParaRPr lang="ru-RU" dirty="0"/>
           </a:p>
           <a:p>
             <a:pPr algn="just">
@@ -5048,6 +4653,7 @@
               <a:rPr lang="ru-RU" dirty="0"/>
               <a:t>Обладает развитой системой метрик, сбор и анализ которых легко автоматизируется. </a:t>
             </a:r>
+            <a:endParaRPr lang="ru-RU" dirty="0"/>
           </a:p>
           <a:p>
             <a:pPr algn="just">
@@ -5058,21 +4664,16 @@
               <a:rPr lang="ru-RU" dirty="0"/>
               <a:t>Стимулирует разработчиков к написанию качественного кода. </a:t>
             </a:r>
-          </a:p>
-          <a:p>
-            <a:endParaRPr lang="ru-BY" dirty="0"/>
-          </a:p>
-        </p:txBody>
-      </p:sp>
-      <p:sp>
-        <p:nvSpPr>
-          <p:cNvPr id="4" name="Дата 3">
-            <a:extLst>
-              <a:ext uri="{FF2B5EF4-FFF2-40B4-BE49-F238E27FC236}">
-                <a16:creationId xmlns:a16="http://schemas.microsoft.com/office/drawing/2014/main" id="{B9206CBF-8232-44B4-850B-64F9AB682469}"/>
-              </a:ext>
-            </a:extLst>
-          </p:cNvPr>
+            <a:endParaRPr lang="ru-RU" dirty="0"/>
+          </a:p>
+          <a:p>
+            <a:endParaRPr lang="en-US" dirty="0"/>
+          </a:p>
+        </p:txBody>
+      </p:sp>
+      <p:sp>
+        <p:nvSpPr>
+          <p:cNvPr id="4" name="Дата 3"/>
           <p:cNvSpPr>
             <a:spLocks noGrp="1"/>
           </p:cNvSpPr>
@@ -5088,18 +4689,12 @@
             <a:pPr rtl="0"/>
             <a:fld id="{BE289488-0C23-4DC8-A9FA-240659547385}" type="datetime1">
               <a:rPr lang="ru-RU" smtClean="0"/>
-              <a:t>05.05.2022</a:t>
             </a:fld>
             <a:endParaRPr lang="en-US" dirty="0"/>
           </a:p>
         </p:txBody>
       </p:sp>
     </p:spTree>
-    <p:extLst>
-      <p:ext uri="{BB962C8B-B14F-4D97-AF65-F5344CB8AC3E}">
-        <p14:creationId xmlns:p14="http://schemas.microsoft.com/office/powerpoint/2010/main" val="335329959"/>
-      </p:ext>
-    </p:extLst>
   </p:cSld>
   <p:clrMapOvr>
     <a:masterClrMapping/>
@@ -5126,13 +4721,7 @@
       </p:grpSpPr>
       <p:sp>
         <p:nvSpPr>
-          <p:cNvPr id="2" name="Заголовок 1">
-            <a:extLst>
-              <a:ext uri="{FF2B5EF4-FFF2-40B4-BE49-F238E27FC236}">
-                <a16:creationId xmlns:a16="http://schemas.microsoft.com/office/drawing/2014/main" id="{C7E0CE08-3433-4C9B-8CBD-E28A9381178A}"/>
-              </a:ext>
-            </a:extLst>
-          </p:cNvPr>
+          <p:cNvPr id="2" name="Заголовок 1"/>
           <p:cNvSpPr>
             <a:spLocks noGrp="1"/>
           </p:cNvSpPr>
@@ -5149,19 +4738,13 @@
               <a:rPr lang="ru-RU" dirty="0"/>
               <a:t>Метод белого ящика (недостатки)</a:t>
             </a:r>
-            <a:endParaRPr lang="ru-BY" dirty="0"/>
-          </a:p>
-        </p:txBody>
-      </p:sp>
-      <p:sp>
-        <p:nvSpPr>
-          <p:cNvPr id="3" name="Объект 2">
-            <a:extLst>
-              <a:ext uri="{FF2B5EF4-FFF2-40B4-BE49-F238E27FC236}">
-                <a16:creationId xmlns:a16="http://schemas.microsoft.com/office/drawing/2014/main" id="{38FF9503-BAD6-4D80-A401-45950B2A97AA}"/>
-              </a:ext>
-            </a:extLst>
-          </p:cNvPr>
+            <a:endParaRPr lang="en-US" dirty="0"/>
+          </a:p>
+        </p:txBody>
+      </p:sp>
+      <p:sp>
+        <p:nvSpPr>
+          <p:cNvPr id="3" name="Объект 2"/>
           <p:cNvSpPr>
             <a:spLocks noGrp="1"/>
           </p:cNvSpPr>
@@ -5182,6 +4765,7 @@
               <a:rPr lang="ru-RU" dirty="0"/>
               <a:t>Не может выполняться тестировщиками, не обладающими достаточными знаниями в области программирования. </a:t>
             </a:r>
+            <a:endParaRPr lang="ru-RU" dirty="0"/>
           </a:p>
           <a:p>
             <a:pPr algn="just">
@@ -5192,6 +4776,7 @@
               <a:rPr lang="ru-RU" dirty="0"/>
               <a:t>Тестирование сфокусировано на реализованной функциональности, что повышает вероятность пропуска нереализованных требований. </a:t>
             </a:r>
+            <a:endParaRPr lang="ru-RU" dirty="0"/>
           </a:p>
           <a:p>
             <a:pPr algn="just">
@@ -5202,21 +4787,16 @@
               <a:rPr lang="ru-RU" dirty="0"/>
               <a:t>Поведение приложения исследуется в отрыве от реальной среды выполнения и не учитывает её влияние. </a:t>
             </a:r>
-          </a:p>
-          <a:p>
-            <a:endParaRPr lang="ru-BY" dirty="0"/>
-          </a:p>
-        </p:txBody>
-      </p:sp>
-      <p:sp>
-        <p:nvSpPr>
-          <p:cNvPr id="4" name="Дата 3">
-            <a:extLst>
-              <a:ext uri="{FF2B5EF4-FFF2-40B4-BE49-F238E27FC236}">
-                <a16:creationId xmlns:a16="http://schemas.microsoft.com/office/drawing/2014/main" id="{B172630E-4844-41B2-B2B8-88CABA828DD6}"/>
-              </a:ext>
-            </a:extLst>
-          </p:cNvPr>
+            <a:endParaRPr lang="ru-RU" dirty="0"/>
+          </a:p>
+          <a:p>
+            <a:endParaRPr lang="en-US" dirty="0"/>
+          </a:p>
+        </p:txBody>
+      </p:sp>
+      <p:sp>
+        <p:nvSpPr>
+          <p:cNvPr id="4" name="Дата 3"/>
           <p:cNvSpPr>
             <a:spLocks noGrp="1"/>
           </p:cNvSpPr>
@@ -5232,18 +4812,12 @@
             <a:pPr rtl="0"/>
             <a:fld id="{BE289488-0C23-4DC8-A9FA-240659547385}" type="datetime1">
               <a:rPr lang="ru-RU" smtClean="0"/>
-              <a:t>05.05.2022</a:t>
             </a:fld>
             <a:endParaRPr lang="en-US" dirty="0"/>
           </a:p>
         </p:txBody>
       </p:sp>
     </p:spTree>
-    <p:extLst>
-      <p:ext uri="{BB962C8B-B14F-4D97-AF65-F5344CB8AC3E}">
-        <p14:creationId xmlns:p14="http://schemas.microsoft.com/office/powerpoint/2010/main" val="661053951"/>
-      </p:ext>
-    </p:extLst>
   </p:cSld>
   <p:clrMapOvr>
     <a:masterClrMapping/>
@@ -5270,13 +4844,7 @@
       </p:grpSpPr>
       <p:sp>
         <p:nvSpPr>
-          <p:cNvPr id="2" name="Заголовок 1">
-            <a:extLst>
-              <a:ext uri="{FF2B5EF4-FFF2-40B4-BE49-F238E27FC236}">
-                <a16:creationId xmlns:a16="http://schemas.microsoft.com/office/drawing/2014/main" id="{0036E815-84B7-4380-9484-6356C578EEB6}"/>
-              </a:ext>
-            </a:extLst>
-          </p:cNvPr>
+          <p:cNvPr id="2" name="Заголовок 1"/>
           <p:cNvSpPr>
             <a:spLocks noGrp="1"/>
           </p:cNvSpPr>
@@ -5293,19 +4861,13 @@
               <a:rPr lang="ru-RU" dirty="0"/>
               <a:t>Метод черного ящика (преимущества)</a:t>
             </a:r>
-            <a:endParaRPr lang="ru-BY" dirty="0"/>
-          </a:p>
-        </p:txBody>
-      </p:sp>
-      <p:sp>
-        <p:nvSpPr>
-          <p:cNvPr id="3" name="Объект 2">
-            <a:extLst>
-              <a:ext uri="{FF2B5EF4-FFF2-40B4-BE49-F238E27FC236}">
-                <a16:creationId xmlns:a16="http://schemas.microsoft.com/office/drawing/2014/main" id="{DBF527E4-5615-4527-8F34-6AF9075E00FE}"/>
-              </a:ext>
-            </a:extLst>
-          </p:cNvPr>
+            <a:endParaRPr lang="en-US" dirty="0"/>
+          </a:p>
+        </p:txBody>
+      </p:sp>
+      <p:sp>
+        <p:nvSpPr>
+          <p:cNvPr id="3" name="Объект 2"/>
           <p:cNvSpPr>
             <a:spLocks noGrp="1"/>
           </p:cNvSpPr>
@@ -5326,6 +4888,7 @@
               <a:rPr lang="ru-RU" dirty="0"/>
               <a:t>Тестировщик не обязан обладать (глубокими) знаниями в области программирования. </a:t>
             </a:r>
+            <a:endParaRPr lang="ru-RU" dirty="0"/>
           </a:p>
           <a:p>
             <a:pPr algn="just">
@@ -5336,6 +4899,7 @@
               <a:rPr lang="ru-RU" dirty="0"/>
               <a:t>Поведение приложения исследуется в контексте реальной среды выполнения и учитывает её влияние. </a:t>
             </a:r>
+            <a:endParaRPr lang="ru-RU" dirty="0"/>
           </a:p>
           <a:p>
             <a:pPr algn="just">
@@ -5346,6 +4910,7 @@
               <a:rPr lang="ru-RU" dirty="0"/>
               <a:t>Поведение приложения исследуется в контексте реальных пользовательских сценариев</a:t>
             </a:r>
+            <a:endParaRPr lang="ru-RU" dirty="0"/>
           </a:p>
           <a:p>
             <a:pPr algn="just">
@@ -5356,6 +4921,7 @@
               <a:rPr lang="ru-RU" dirty="0"/>
               <a:t>Тест-кейсы можно создавать уже на стадии появления стабильных требований. </a:t>
             </a:r>
+            <a:endParaRPr lang="ru-RU" dirty="0"/>
           </a:p>
           <a:p>
             <a:pPr algn="just">
@@ -5366,6 +4932,7 @@
               <a:rPr lang="ru-RU" dirty="0"/>
               <a:t>Процесс создания тест-кейсов позволяет выявить дефекты в требованиях. </a:t>
             </a:r>
+            <a:endParaRPr lang="ru-RU" dirty="0"/>
           </a:p>
           <a:p>
             <a:pPr algn="just">
@@ -5376,21 +4943,16 @@
               <a:rPr lang="ru-RU" dirty="0"/>
               <a:t> Допускает создание тест-кейсов, которые можно многократно использовать на разных проектах. </a:t>
             </a:r>
-          </a:p>
-          <a:p>
-            <a:endParaRPr lang="ru-BY" dirty="0"/>
-          </a:p>
-        </p:txBody>
-      </p:sp>
-      <p:sp>
-        <p:nvSpPr>
-          <p:cNvPr id="4" name="Дата 3">
-            <a:extLst>
-              <a:ext uri="{FF2B5EF4-FFF2-40B4-BE49-F238E27FC236}">
-                <a16:creationId xmlns:a16="http://schemas.microsoft.com/office/drawing/2014/main" id="{AABC4B44-6C6A-4B93-B917-347622976BEE}"/>
-              </a:ext>
-            </a:extLst>
-          </p:cNvPr>
+            <a:endParaRPr lang="ru-RU" dirty="0"/>
+          </a:p>
+          <a:p>
+            <a:endParaRPr lang="en-US" dirty="0"/>
+          </a:p>
+        </p:txBody>
+      </p:sp>
+      <p:sp>
+        <p:nvSpPr>
+          <p:cNvPr id="4" name="Дата 3"/>
           <p:cNvSpPr>
             <a:spLocks noGrp="1"/>
           </p:cNvSpPr>
@@ -5406,18 +4968,12 @@
             <a:pPr rtl="0"/>
             <a:fld id="{BE289488-0C23-4DC8-A9FA-240659547385}" type="datetime1">
               <a:rPr lang="ru-RU" smtClean="0"/>
-              <a:t>05.05.2022</a:t>
             </a:fld>
             <a:endParaRPr lang="en-US" dirty="0"/>
           </a:p>
         </p:txBody>
       </p:sp>
     </p:spTree>
-    <p:extLst>
-      <p:ext uri="{BB962C8B-B14F-4D97-AF65-F5344CB8AC3E}">
-        <p14:creationId xmlns:p14="http://schemas.microsoft.com/office/powerpoint/2010/main" val="3948005287"/>
-      </p:ext>
-    </p:extLst>
   </p:cSld>
   <p:clrMapOvr>
     <a:masterClrMapping/>
@@ -5444,13 +5000,7 @@
       </p:grpSpPr>
       <p:sp>
         <p:nvSpPr>
-          <p:cNvPr id="2" name="Заголовок 1">
-            <a:extLst>
-              <a:ext uri="{FF2B5EF4-FFF2-40B4-BE49-F238E27FC236}">
-                <a16:creationId xmlns:a16="http://schemas.microsoft.com/office/drawing/2014/main" id="{FF7DBDA2-8390-44B2-AF31-9F54245B86A1}"/>
-              </a:ext>
-            </a:extLst>
-          </p:cNvPr>
+          <p:cNvPr id="2" name="Заголовок 1"/>
           <p:cNvSpPr>
             <a:spLocks noGrp="1"/>
           </p:cNvSpPr>
@@ -5467,19 +5017,13 @@
               <a:rPr lang="ru-RU" dirty="0"/>
               <a:t>Метод черного ящика (недостатки)</a:t>
             </a:r>
-            <a:endParaRPr lang="ru-BY" dirty="0"/>
-          </a:p>
-        </p:txBody>
-      </p:sp>
-      <p:sp>
-        <p:nvSpPr>
-          <p:cNvPr id="3" name="Объект 2">
-            <a:extLst>
-              <a:ext uri="{FF2B5EF4-FFF2-40B4-BE49-F238E27FC236}">
-                <a16:creationId xmlns:a16="http://schemas.microsoft.com/office/drawing/2014/main" id="{0FC038ED-C0A9-4C8C-92CB-547037937248}"/>
-              </a:ext>
-            </a:extLst>
-          </p:cNvPr>
+            <a:endParaRPr lang="en-US" dirty="0"/>
+          </a:p>
+        </p:txBody>
+      </p:sp>
+      <p:sp>
+        <p:nvSpPr>
+          <p:cNvPr id="3" name="Объект 2"/>
           <p:cNvSpPr>
             <a:spLocks noGrp="1"/>
           </p:cNvSpPr>
@@ -5502,6 +5046,7 @@
               <a:rPr lang="ru-RU" dirty="0"/>
               <a:t>Возможно повторение части тест-кейсов, уже выполненных разработчиками. </a:t>
             </a:r>
+            <a:endParaRPr lang="ru-RU" dirty="0"/>
           </a:p>
           <a:p>
             <a:pPr algn="just">
@@ -5512,6 +5057,7 @@
               <a:rPr lang="ru-RU" dirty="0"/>
               <a:t>Высока вероятность того, что часть возможных вариантов поведения приложения останется не-протестированной. </a:t>
             </a:r>
+            <a:endParaRPr lang="ru-RU" dirty="0"/>
           </a:p>
           <a:p>
             <a:pPr algn="just">
@@ -5522,6 +5068,7 @@
               <a:rPr lang="ru-RU" dirty="0"/>
               <a:t>Для разработки высокоэффективных тест-кейсов необходима качественная документация. </a:t>
             </a:r>
+            <a:endParaRPr lang="ru-RU" dirty="0"/>
           </a:p>
           <a:p>
             <a:pPr algn="just">
@@ -5532,6 +5079,7 @@
               <a:rPr lang="ru-RU" dirty="0"/>
               <a:t>Диагностика обнаруженных дефектов более сложна в сравнении с техниками метода белого ящика. </a:t>
             </a:r>
+            <a:endParaRPr lang="ru-RU" dirty="0"/>
           </a:p>
           <a:p>
             <a:pPr algn="just">
@@ -5542,18 +5090,13 @@
               <a:rPr lang="ru-RU" dirty="0"/>
               <a:t>В связи с широким выбором техник и подходов затрудняется планирование и оценка трудозатрат. </a:t>
             </a:r>
-          </a:p>
-        </p:txBody>
-      </p:sp>
-      <p:sp>
-        <p:nvSpPr>
-          <p:cNvPr id="4" name="Дата 3">
-            <a:extLst>
-              <a:ext uri="{FF2B5EF4-FFF2-40B4-BE49-F238E27FC236}">
-                <a16:creationId xmlns:a16="http://schemas.microsoft.com/office/drawing/2014/main" id="{55E2AD4F-D570-4F9C-9BA3-8C86FE300D37}"/>
-              </a:ext>
-            </a:extLst>
-          </p:cNvPr>
+            <a:endParaRPr lang="ru-RU" dirty="0"/>
+          </a:p>
+        </p:txBody>
+      </p:sp>
+      <p:sp>
+        <p:nvSpPr>
+          <p:cNvPr id="4" name="Дата 3"/>
           <p:cNvSpPr>
             <a:spLocks noGrp="1"/>
           </p:cNvSpPr>
@@ -5569,18 +5112,12 @@
             <a:pPr rtl="0"/>
             <a:fld id="{BE289488-0C23-4DC8-A9FA-240659547385}" type="datetime1">
               <a:rPr lang="ru-RU" smtClean="0"/>
-              <a:t>05.05.2022</a:t>
             </a:fld>
             <a:endParaRPr lang="en-US" dirty="0"/>
           </a:p>
         </p:txBody>
       </p:sp>
     </p:spTree>
-    <p:extLst>
-      <p:ext uri="{BB962C8B-B14F-4D97-AF65-F5344CB8AC3E}">
-        <p14:creationId xmlns:p14="http://schemas.microsoft.com/office/powerpoint/2010/main" val="1475784259"/>
-      </p:ext>
-    </p:extLst>
   </p:cSld>
   <p:clrMapOvr>
     <a:masterClrMapping/>
@@ -5607,13 +5144,7 @@
       </p:grpSpPr>
       <p:sp>
         <p:nvSpPr>
-          <p:cNvPr id="2" name="Заголовок 1">
-            <a:extLst>
-              <a:ext uri="{FF2B5EF4-FFF2-40B4-BE49-F238E27FC236}">
-                <a16:creationId xmlns:a16="http://schemas.microsoft.com/office/drawing/2014/main" id="{1D56B97B-5584-4D9C-B96E-1D8A3C145D53}"/>
-              </a:ext>
-            </a:extLst>
-          </p:cNvPr>
+          <p:cNvPr id="2" name="Заголовок 1"/>
           <p:cNvSpPr>
             <a:spLocks noGrp="1"/>
           </p:cNvSpPr>
@@ -5630,19 +5161,13 @@
               <a:rPr lang="ru-RU" dirty="0"/>
               <a:t>Метод серого ящика (преимущества)</a:t>
             </a:r>
-            <a:endParaRPr lang="ru-BY" dirty="0"/>
-          </a:p>
-        </p:txBody>
-      </p:sp>
-      <p:sp>
-        <p:nvSpPr>
-          <p:cNvPr id="3" name="Объект 2">
-            <a:extLst>
-              <a:ext uri="{FF2B5EF4-FFF2-40B4-BE49-F238E27FC236}">
-                <a16:creationId xmlns:a16="http://schemas.microsoft.com/office/drawing/2014/main" id="{C5D65CA9-E5BE-4A99-B23C-AF0CA9B7B22F}"/>
-              </a:ext>
-            </a:extLst>
-          </p:cNvPr>
+            <a:endParaRPr lang="en-US" dirty="0"/>
+          </a:p>
+        </p:txBody>
+      </p:sp>
+      <p:sp>
+        <p:nvSpPr>
+          <p:cNvPr id="3" name="Объект 2"/>
           <p:cNvSpPr>
             <a:spLocks noGrp="1"/>
           </p:cNvSpPr>
@@ -5663,6 +5188,7 @@
               <a:rPr lang="ru-RU" dirty="0"/>
               <a:t>Тестирование серого ящика включает в себя плюсы тестирования «черного» и «белого». Другими словами, тестировщик смотрит на объект тестирования с позиции «черного» ящика, но при этом проводит анализ на основе тех данных, что он знает о системе.</a:t>
             </a:r>
+            <a:endParaRPr lang="ru-RU" dirty="0"/>
           </a:p>
           <a:p>
             <a:pPr>
@@ -5673,6 +5199,7 @@
               <a:rPr lang="ru-RU" dirty="0"/>
               <a:t>Тестировщик может проектировать и использовать более сложные сценарии тестирования.</a:t>
             </a:r>
+            <a:endParaRPr lang="ru-RU" dirty="0"/>
           </a:p>
           <a:p>
             <a:pPr algn="just">
@@ -5683,6 +5210,7 @@
               <a:rPr lang="ru-RU" dirty="0"/>
               <a:t>Тестировщик работает совместно с разработчиком, что позволяет на начальном этапе убрать избыточные тест-кейсы. Это сокращает время функционального и нефункционального тестирования и положительно влияет на общее качество продукта.</a:t>
             </a:r>
+            <a:endParaRPr lang="ru-RU" dirty="0"/>
           </a:p>
           <a:p>
             <a:pPr>
@@ -5693,19 +5221,13 @@
               <a:rPr lang="ru-RU" dirty="0"/>
               <a:t>Предоставляет разработчику достаточно времени для исправления дефектов.</a:t>
             </a:r>
-            <a:endParaRPr lang="ru-BY" dirty="0"/>
-          </a:p>
-        </p:txBody>
-      </p:sp>
-      <p:sp>
-        <p:nvSpPr>
-          <p:cNvPr id="4" name="Дата 3">
-            <a:extLst>
-              <a:ext uri="{FF2B5EF4-FFF2-40B4-BE49-F238E27FC236}">
-                <a16:creationId xmlns:a16="http://schemas.microsoft.com/office/drawing/2014/main" id="{53AA43B7-94CA-4F54-8482-D5EFC48CBC9A}"/>
-              </a:ext>
-            </a:extLst>
-          </p:cNvPr>
+            <a:endParaRPr lang="en-US" dirty="0"/>
+          </a:p>
+        </p:txBody>
+      </p:sp>
+      <p:sp>
+        <p:nvSpPr>
+          <p:cNvPr id="4" name="Дата 3"/>
           <p:cNvSpPr>
             <a:spLocks noGrp="1"/>
           </p:cNvSpPr>
@@ -5721,18 +5243,12 @@
             <a:pPr rtl="0"/>
             <a:fld id="{BE289488-0C23-4DC8-A9FA-240659547385}" type="datetime1">
               <a:rPr lang="ru-RU" smtClean="0"/>
-              <a:t>05.05.2022</a:t>
             </a:fld>
             <a:endParaRPr lang="en-US" dirty="0"/>
           </a:p>
         </p:txBody>
       </p:sp>
     </p:spTree>
-    <p:extLst>
-      <p:ext uri="{BB962C8B-B14F-4D97-AF65-F5344CB8AC3E}">
-        <p14:creationId xmlns:p14="http://schemas.microsoft.com/office/powerpoint/2010/main" val="1666629292"/>
-      </p:ext>
-    </p:extLst>
   </p:cSld>
   <p:clrMapOvr>
     <a:masterClrMapping/>
@@ -5759,13 +5275,7 @@
       </p:grpSpPr>
       <p:sp>
         <p:nvSpPr>
-          <p:cNvPr id="2" name="Заголовок 1">
-            <a:extLst>
-              <a:ext uri="{FF2B5EF4-FFF2-40B4-BE49-F238E27FC236}">
-                <a16:creationId xmlns:a16="http://schemas.microsoft.com/office/drawing/2014/main" id="{7A0ECEC9-45B7-44FC-9BEA-194895D4C47D}"/>
-              </a:ext>
-            </a:extLst>
-          </p:cNvPr>
+          <p:cNvPr id="2" name="Заголовок 1"/>
           <p:cNvSpPr>
             <a:spLocks noGrp="1"/>
           </p:cNvSpPr>
@@ -5782,19 +5292,13 @@
               <a:rPr lang="ru-RU" dirty="0"/>
               <a:t>Метод серого ящика (недостатки)</a:t>
             </a:r>
-            <a:endParaRPr lang="ru-BY" dirty="0"/>
-          </a:p>
-        </p:txBody>
-      </p:sp>
-      <p:sp>
-        <p:nvSpPr>
-          <p:cNvPr id="3" name="Объект 2">
-            <a:extLst>
-              <a:ext uri="{FF2B5EF4-FFF2-40B4-BE49-F238E27FC236}">
-                <a16:creationId xmlns:a16="http://schemas.microsoft.com/office/drawing/2014/main" id="{F5B04656-8A3A-4B8C-8A92-469F44D92CDF}"/>
-              </a:ext>
-            </a:extLst>
-          </p:cNvPr>
+            <a:endParaRPr lang="en-US" dirty="0"/>
+          </a:p>
+        </p:txBody>
+      </p:sp>
+      <p:sp>
+        <p:nvSpPr>
+          <p:cNvPr id="3" name="Объект 2"/>
           <p:cNvSpPr>
             <a:spLocks noGrp="1"/>
           </p:cNvSpPr>
@@ -5815,6 +5319,7 @@
               <a:rPr lang="ru-RU" dirty="0"/>
               <a:t>Возможность анализа кода и тестового покрытия ограничена, так как доступ к исходному коду отсутствует.</a:t>
             </a:r>
+            <a:endParaRPr lang="ru-RU" dirty="0"/>
           </a:p>
           <a:p>
             <a:pPr algn="just">
@@ -5825,6 +5330,7 @@
               <a:rPr lang="ru-RU" dirty="0"/>
               <a:t>Тесты могут быть избыточными в том случае, когда разработчик также проверяет свой код Unit-тестами.</a:t>
             </a:r>
+            <a:endParaRPr lang="ru-RU" dirty="0"/>
           </a:p>
           <a:p>
             <a:pPr algn="just">
@@ -5835,19 +5341,13 @@
               <a:rPr lang="ru-RU" dirty="0"/>
               <a:t>Нельзя протестировать все возможные потоки ввода и вывода, поскольку на это требуется слишком много времени</a:t>
             </a:r>
-            <a:endParaRPr lang="ru-BY" dirty="0"/>
-          </a:p>
-        </p:txBody>
-      </p:sp>
-      <p:sp>
-        <p:nvSpPr>
-          <p:cNvPr id="4" name="Дата 3">
-            <a:extLst>
-              <a:ext uri="{FF2B5EF4-FFF2-40B4-BE49-F238E27FC236}">
-                <a16:creationId xmlns:a16="http://schemas.microsoft.com/office/drawing/2014/main" id="{E5FA3795-96B9-486E-A4F6-7B8B50CC2D4B}"/>
-              </a:ext>
-            </a:extLst>
-          </p:cNvPr>
+            <a:endParaRPr lang="en-US" dirty="0"/>
+          </a:p>
+        </p:txBody>
+      </p:sp>
+      <p:sp>
+        <p:nvSpPr>
+          <p:cNvPr id="4" name="Дата 3"/>
           <p:cNvSpPr>
             <a:spLocks noGrp="1"/>
           </p:cNvSpPr>
@@ -5863,18 +5363,12 @@
             <a:pPr rtl="0"/>
             <a:fld id="{BE289488-0C23-4DC8-A9FA-240659547385}" type="datetime1">
               <a:rPr lang="ru-RU" smtClean="0"/>
-              <a:t>05.05.2022</a:t>
             </a:fld>
             <a:endParaRPr lang="en-US" dirty="0"/>
           </a:p>
         </p:txBody>
       </p:sp>
     </p:spTree>
-    <p:extLst>
-      <p:ext uri="{BB962C8B-B14F-4D97-AF65-F5344CB8AC3E}">
-        <p14:creationId xmlns:p14="http://schemas.microsoft.com/office/powerpoint/2010/main" val="1946886918"/>
-      </p:ext>
-    </p:extLst>
   </p:cSld>
   <p:clrMapOvr>
     <a:masterClrMapping/>
@@ -5901,13 +5395,7 @@
       </p:grpSpPr>
       <p:sp>
         <p:nvSpPr>
-          <p:cNvPr id="2" name="Заголовок 1">
-            <a:extLst>
-              <a:ext uri="{FF2B5EF4-FFF2-40B4-BE49-F238E27FC236}">
-                <a16:creationId xmlns:a16="http://schemas.microsoft.com/office/drawing/2014/main" id="{E0C8AFB1-9D57-4F88-9941-99582CC8925E}"/>
-              </a:ext>
-            </a:extLst>
-          </p:cNvPr>
+          <p:cNvPr id="2" name="Заголовок 1"/>
           <p:cNvSpPr>
             <a:spLocks noGrp="1"/>
           </p:cNvSpPr>
@@ -5924,19 +5412,13 @@
               <a:rPr lang="ru-RU" dirty="0"/>
               <a:t>По убыванию степени важности тестируемых функций</a:t>
             </a:r>
-            <a:endParaRPr lang="ru-BY" dirty="0"/>
-          </a:p>
-        </p:txBody>
-      </p:sp>
-      <p:sp>
-        <p:nvSpPr>
-          <p:cNvPr id="3" name="Объект 2">
-            <a:extLst>
-              <a:ext uri="{FF2B5EF4-FFF2-40B4-BE49-F238E27FC236}">
-                <a16:creationId xmlns:a16="http://schemas.microsoft.com/office/drawing/2014/main" id="{B20C88A7-E303-4EE8-A7CE-0E29E8E1AEDF}"/>
-              </a:ext>
-            </a:extLst>
-          </p:cNvPr>
+            <a:endParaRPr lang="en-US" dirty="0"/>
+          </a:p>
+        </p:txBody>
+      </p:sp>
+      <p:sp>
+        <p:nvSpPr>
+          <p:cNvPr id="3" name="Объект 2"/>
           <p:cNvSpPr>
             <a:spLocks noGrp="1"/>
           </p:cNvSpPr>
@@ -5953,6 +5435,7 @@
               <a:rPr lang="ru-RU" dirty="0"/>
               <a:t>Выделяют:</a:t>
             </a:r>
+            <a:endParaRPr lang="ru-RU" dirty="0"/>
           </a:p>
           <a:p>
             <a:pPr>
@@ -5997,19 +5480,13 @@
               <a:rPr lang="ru-RU" dirty="0"/>
               <a:t> (расширенное тестирование)</a:t>
             </a:r>
-            <a:endParaRPr lang="ru-BY" dirty="0"/>
-          </a:p>
-        </p:txBody>
-      </p:sp>
-      <p:sp>
-        <p:nvSpPr>
-          <p:cNvPr id="4" name="Дата 3">
-            <a:extLst>
-              <a:ext uri="{FF2B5EF4-FFF2-40B4-BE49-F238E27FC236}">
-                <a16:creationId xmlns:a16="http://schemas.microsoft.com/office/drawing/2014/main" id="{1BFFFD39-F009-4EC8-ACBA-F536DD09BF43}"/>
-              </a:ext>
-            </a:extLst>
-          </p:cNvPr>
+            <a:endParaRPr lang="en-US" dirty="0"/>
+          </a:p>
+        </p:txBody>
+      </p:sp>
+      <p:sp>
+        <p:nvSpPr>
+          <p:cNvPr id="4" name="Дата 3"/>
           <p:cNvSpPr>
             <a:spLocks noGrp="1"/>
           </p:cNvSpPr>
@@ -6025,18 +5502,12 @@
             <a:pPr rtl="0"/>
             <a:fld id="{BE289488-0C23-4DC8-A9FA-240659547385}" type="datetime1">
               <a:rPr lang="ru-RU" smtClean="0"/>
-              <a:t>05.05.2022</a:t>
             </a:fld>
             <a:endParaRPr lang="en-US" dirty="0"/>
           </a:p>
         </p:txBody>
       </p:sp>
     </p:spTree>
-    <p:extLst>
-      <p:ext uri="{BB962C8B-B14F-4D97-AF65-F5344CB8AC3E}">
-        <p14:creationId xmlns:p14="http://schemas.microsoft.com/office/powerpoint/2010/main" val="2546537016"/>
-      </p:ext>
-    </p:extLst>
   </p:cSld>
   <p:clrMapOvr>
     <a:masterClrMapping/>
@@ -6063,13 +5534,7 @@
       </p:grpSpPr>
       <p:sp>
         <p:nvSpPr>
-          <p:cNvPr id="2" name="Заголовок 1">
-            <a:extLst>
-              <a:ext uri="{FF2B5EF4-FFF2-40B4-BE49-F238E27FC236}">
-                <a16:creationId xmlns:a16="http://schemas.microsoft.com/office/drawing/2014/main" id="{C12EC4D8-0386-4957-96CF-E27627EF1052}"/>
-              </a:ext>
-            </a:extLst>
-          </p:cNvPr>
+          <p:cNvPr id="2" name="Заголовок 1"/>
           <p:cNvSpPr>
             <a:spLocks noGrp="1"/>
           </p:cNvSpPr>
@@ -6086,19 +5551,13 @@
               <a:rPr lang="ru-RU" dirty="0"/>
               <a:t>Дымовое тестирование</a:t>
             </a:r>
-            <a:endParaRPr lang="ru-BY" dirty="0"/>
-          </a:p>
-        </p:txBody>
-      </p:sp>
-      <p:sp>
-        <p:nvSpPr>
-          <p:cNvPr id="3" name="Объект 2">
-            <a:extLst>
-              <a:ext uri="{FF2B5EF4-FFF2-40B4-BE49-F238E27FC236}">
-                <a16:creationId xmlns:a16="http://schemas.microsoft.com/office/drawing/2014/main" id="{BED486F7-8C06-408E-8896-189D7FA3AAE2}"/>
-              </a:ext>
-            </a:extLst>
-          </p:cNvPr>
+            <a:endParaRPr lang="en-US" dirty="0"/>
+          </a:p>
+        </p:txBody>
+      </p:sp>
+      <p:sp>
+        <p:nvSpPr>
+          <p:cNvPr id="3" name="Объект 2"/>
           <p:cNvSpPr>
             <a:spLocks noGrp="1"/>
           </p:cNvSpPr>
@@ -6116,7 +5575,7 @@
                 <a:solidFill>
                   <a:srgbClr val="000000"/>
                 </a:solidFill>
-                <a:latin typeface="Times New Roman"/>
+                <a:latin typeface="Times New Roman" panose="02020603050405020304"/>
               </a:rPr>
               <a:t>Дымовое тестирование (</a:t>
             </a:r>
@@ -6125,7 +5584,7 @@
                 <a:solidFill>
                   <a:srgbClr val="000000"/>
                 </a:solidFill>
-                <a:latin typeface="Times New Roman"/>
+                <a:latin typeface="Times New Roman" panose="02020603050405020304"/>
               </a:rPr>
               <a:t>Smoke</a:t>
             </a:r>
@@ -6134,7 +5593,7 @@
                 <a:solidFill>
                   <a:srgbClr val="000000"/>
                 </a:solidFill>
-                <a:latin typeface="Times New Roman"/>
+                <a:latin typeface="Times New Roman" panose="02020603050405020304"/>
               </a:rPr>
               <a:t>) </a:t>
             </a:r>
@@ -6143,10 +5602,16 @@
                 <a:solidFill>
                   <a:srgbClr val="000000"/>
                 </a:solidFill>
-                <a:latin typeface="Times New Roman"/>
+                <a:latin typeface="Times New Roman" panose="02020603050405020304"/>
               </a:rPr>
               <a:t>направлено на проверку самой главной, самой важной, самой ключевой функциональности, неработоспособность которой делает бессмысленной саму идею использования приложения.</a:t>
             </a:r>
+            <a:endParaRPr lang="ru-RU" sz="2000" b="0" strike="noStrike" spc="-1" dirty="0">
+              <a:solidFill>
+                <a:srgbClr val="000000"/>
+              </a:solidFill>
+              <a:latin typeface="Times New Roman" panose="02020603050405020304"/>
+            </a:endParaRPr>
           </a:p>
           <a:p>
             <a:pPr algn="just"/>
@@ -6155,7 +5620,7 @@
                 <a:solidFill>
                   <a:srgbClr val="000000"/>
                 </a:solidFill>
-                <a:latin typeface="Times New Roman"/>
+                <a:latin typeface="Times New Roman" panose="02020603050405020304"/>
               </a:rPr>
               <a:t>Так же в литературе можно встретить </a:t>
             </a:r>
@@ -6164,7 +5629,7 @@
                 <a:solidFill>
                   <a:srgbClr val="000000"/>
                 </a:solidFill>
-                <a:latin typeface="Times New Roman"/>
+                <a:latin typeface="Times New Roman" panose="02020603050405020304"/>
               </a:rPr>
               <a:t>Sanity testing. </a:t>
             </a:r>
@@ -6173,7 +5638,7 @@
                 <a:solidFill>
                   <a:srgbClr val="000000"/>
                 </a:solidFill>
-                <a:latin typeface="Times New Roman"/>
+                <a:latin typeface="Times New Roman" panose="02020603050405020304"/>
               </a:rPr>
               <a:t>Санитарное тестирование</a:t>
             </a:r>
@@ -6182,10 +5647,16 @@
                 <a:solidFill>
                   <a:srgbClr val="000000"/>
                 </a:solidFill>
-                <a:latin typeface="Times New Roman"/>
+                <a:latin typeface="Times New Roman" panose="02020603050405020304"/>
               </a:rPr>
               <a:t> относится к виду тестирования, которое используется с целью доказательства работоспособности конкретной функции или модуля согласно заявленным техническим требованиям на низком уровне. </a:t>
             </a:r>
+            <a:endParaRPr lang="ru-RU" sz="2000" spc="-1" dirty="0">
+              <a:solidFill>
+                <a:srgbClr val="000000"/>
+              </a:solidFill>
+              <a:latin typeface="Times New Roman" panose="02020603050405020304"/>
+            </a:endParaRPr>
           </a:p>
           <a:p>
             <a:pPr algn="just"/>
@@ -6194,10 +5665,16 @@
                 <a:solidFill>
                   <a:srgbClr val="000000"/>
                 </a:solidFill>
-                <a:latin typeface="Times New Roman"/>
+                <a:latin typeface="Times New Roman" panose="02020603050405020304"/>
               </a:rPr>
               <a:t>Дымовое – вширь и в короткие сроки. Санитарное – основное вглубь</a:t>
             </a:r>
+            <a:endParaRPr lang="ru-RU" sz="2000" b="1" spc="-1" dirty="0">
+              <a:solidFill>
+                <a:srgbClr val="000000"/>
+              </a:solidFill>
+              <a:latin typeface="Times New Roman" panose="02020603050405020304"/>
+            </a:endParaRPr>
           </a:p>
           <a:p>
             <a:pPr algn="just"/>
@@ -6206,7 +5683,7 @@
                 <a:solidFill>
                   <a:srgbClr val="FF0000"/>
                 </a:solidFill>
-                <a:latin typeface="Times New Roman"/>
+                <a:latin typeface="Times New Roman" panose="02020603050405020304"/>
               </a:rPr>
               <a:t>NB: </a:t>
             </a:r>
@@ -6215,7 +5692,7 @@
                 <a:solidFill>
                   <a:srgbClr val="FF0000"/>
                 </a:solidFill>
-                <a:latin typeface="Times New Roman"/>
+                <a:latin typeface="Times New Roman" panose="02020603050405020304"/>
               </a:rPr>
               <a:t>В глоссарии </a:t>
             </a:r>
@@ -6224,7 +5701,7 @@
                 <a:solidFill>
                   <a:srgbClr val="FF0000"/>
                 </a:solidFill>
-                <a:latin typeface="Times New Roman"/>
+                <a:latin typeface="Times New Roman" panose="02020603050405020304"/>
               </a:rPr>
               <a:t>ISTQB sanity test </a:t>
             </a:r>
@@ -6233,7 +5710,7 @@
                 <a:solidFill>
                   <a:srgbClr val="FF0000"/>
                 </a:solidFill>
-                <a:latin typeface="Times New Roman"/>
+                <a:latin typeface="Times New Roman" panose="02020603050405020304"/>
               </a:rPr>
               <a:t>и </a:t>
             </a:r>
@@ -6242,7 +5719,7 @@
                 <a:solidFill>
                   <a:srgbClr val="FF0000"/>
                 </a:solidFill>
-                <a:latin typeface="Times New Roman"/>
+                <a:latin typeface="Times New Roman" panose="02020603050405020304"/>
               </a:rPr>
               <a:t>smoke test </a:t>
             </a:r>
@@ -6251,10 +5728,16 @@
                 <a:solidFill>
                   <a:srgbClr val="FF0000"/>
                 </a:solidFill>
-                <a:latin typeface="Times New Roman"/>
+                <a:latin typeface="Times New Roman" panose="02020603050405020304"/>
               </a:rPr>
               <a:t>являются синонимами (!!!)</a:t>
             </a:r>
+            <a:endParaRPr lang="ru-RU" sz="2000" b="1" spc="-1" dirty="0">
+              <a:solidFill>
+                <a:srgbClr val="FF0000"/>
+              </a:solidFill>
+              <a:latin typeface="Times New Roman" panose="02020603050405020304"/>
+            </a:endParaRPr>
           </a:p>
           <a:p>
             <a:pPr algn="just"/>
@@ -6262,20 +5745,14 @@
               <a:solidFill>
                 <a:srgbClr val="000000"/>
               </a:solidFill>
-              <a:latin typeface="Times New Roman"/>
+              <a:latin typeface="Times New Roman" panose="02020603050405020304"/>
             </a:endParaRPr>
           </a:p>
         </p:txBody>
       </p:sp>
       <p:sp>
         <p:nvSpPr>
-          <p:cNvPr id="4" name="Дата 3">
-            <a:extLst>
-              <a:ext uri="{FF2B5EF4-FFF2-40B4-BE49-F238E27FC236}">
-                <a16:creationId xmlns:a16="http://schemas.microsoft.com/office/drawing/2014/main" id="{3966C4DB-6CBB-4663-88CE-5EE49FA270FA}"/>
-              </a:ext>
-            </a:extLst>
-          </p:cNvPr>
+          <p:cNvPr id="4" name="Дата 3"/>
           <p:cNvSpPr>
             <a:spLocks noGrp="1"/>
           </p:cNvSpPr>
@@ -6291,18 +5768,12 @@
             <a:pPr rtl="0"/>
             <a:fld id="{BE289488-0C23-4DC8-A9FA-240659547385}" type="datetime1">
               <a:rPr lang="ru-RU" smtClean="0"/>
-              <a:t>05.05.2022</a:t>
             </a:fld>
             <a:endParaRPr lang="en-US" dirty="0"/>
           </a:p>
         </p:txBody>
       </p:sp>
     </p:spTree>
-    <p:extLst>
-      <p:ext uri="{BB962C8B-B14F-4D97-AF65-F5344CB8AC3E}">
-        <p14:creationId xmlns:p14="http://schemas.microsoft.com/office/powerpoint/2010/main" val="1582630905"/>
-      </p:ext>
-    </p:extLst>
   </p:cSld>
   <p:clrMapOvr>
     <a:masterClrMapping/>
@@ -6329,13 +5800,7 @@
       </p:grpSpPr>
       <p:sp>
         <p:nvSpPr>
-          <p:cNvPr id="2" name="Заголовок 1">
-            <a:extLst>
-              <a:ext uri="{FF2B5EF4-FFF2-40B4-BE49-F238E27FC236}">
-                <a16:creationId xmlns:a16="http://schemas.microsoft.com/office/drawing/2014/main" id="{FADDE0E3-7195-4A6F-949C-FC1802E77EB6}"/>
-              </a:ext>
-            </a:extLst>
-          </p:cNvPr>
+          <p:cNvPr id="2" name="Заголовок 1"/>
           <p:cNvSpPr>
             <a:spLocks noGrp="1"/>
           </p:cNvSpPr>
@@ -6352,19 +5817,13 @@
               <a:rPr lang="ru-RU" dirty="0"/>
               <a:t>Тестирование критического пути</a:t>
             </a:r>
-            <a:endParaRPr lang="ru-BY" dirty="0"/>
-          </a:p>
-        </p:txBody>
-      </p:sp>
-      <p:sp>
-        <p:nvSpPr>
-          <p:cNvPr id="3" name="Объект 2">
-            <a:extLst>
-              <a:ext uri="{FF2B5EF4-FFF2-40B4-BE49-F238E27FC236}">
-                <a16:creationId xmlns:a16="http://schemas.microsoft.com/office/drawing/2014/main" id="{3DBBB587-89DD-4714-BBC1-C3070C910773}"/>
-              </a:ext>
-            </a:extLst>
-          </p:cNvPr>
+            <a:endParaRPr lang="en-US" dirty="0"/>
+          </a:p>
+        </p:txBody>
+      </p:sp>
+      <p:sp>
+        <p:nvSpPr>
+          <p:cNvPr id="3" name="Объект 2"/>
           <p:cNvSpPr>
             <a:spLocks noGrp="1"/>
           </p:cNvSpPr>
@@ -6437,6 +5896,13 @@
               </a:rPr>
               <a:t> проверяется основная масса требований к продукту.</a:t>
             </a:r>
+            <a:endParaRPr lang="ru-RU" sz="2000" b="0" i="0" dirty="0">
+              <a:solidFill>
+                <a:srgbClr val="333333"/>
+              </a:solidFill>
+              <a:effectLst/>
+              <a:latin typeface="YS Text"/>
+            </a:endParaRPr>
           </a:p>
           <a:p>
             <a:pPr algn="just" fontAlgn="base"/>
@@ -6500,19 +5966,13 @@
           </a:p>
           <a:p>
             <a:pPr algn="just"/>
-            <a:endParaRPr lang="ru-BY" b="1" dirty="0"/>
-          </a:p>
-        </p:txBody>
-      </p:sp>
-      <p:sp>
-        <p:nvSpPr>
-          <p:cNvPr id="4" name="Дата 3">
-            <a:extLst>
-              <a:ext uri="{FF2B5EF4-FFF2-40B4-BE49-F238E27FC236}">
-                <a16:creationId xmlns:a16="http://schemas.microsoft.com/office/drawing/2014/main" id="{405DC39C-A730-4778-AFF4-81C4D5576960}"/>
-              </a:ext>
-            </a:extLst>
-          </p:cNvPr>
+            <a:endParaRPr lang="en-US" b="1" dirty="0"/>
+          </a:p>
+        </p:txBody>
+      </p:sp>
+      <p:sp>
+        <p:nvSpPr>
+          <p:cNvPr id="4" name="Дата 3"/>
           <p:cNvSpPr>
             <a:spLocks noGrp="1"/>
           </p:cNvSpPr>
@@ -6528,18 +5988,12 @@
             <a:pPr rtl="0"/>
             <a:fld id="{BE289488-0C23-4DC8-A9FA-240659547385}" type="datetime1">
               <a:rPr lang="ru-RU" smtClean="0"/>
-              <a:t>05.05.2022</a:t>
             </a:fld>
             <a:endParaRPr lang="en-US" dirty="0"/>
           </a:p>
         </p:txBody>
       </p:sp>
     </p:spTree>
-    <p:extLst>
-      <p:ext uri="{BB962C8B-B14F-4D97-AF65-F5344CB8AC3E}">
-        <p14:creationId xmlns:p14="http://schemas.microsoft.com/office/powerpoint/2010/main" val="3522474925"/>
-      </p:ext>
-    </p:extLst>
   </p:cSld>
   <p:clrMapOvr>
     <a:masterClrMapping/>
@@ -6566,13 +6020,7 @@
       </p:grpSpPr>
       <p:sp>
         <p:nvSpPr>
-          <p:cNvPr id="2" name="Заголовок 1">
-            <a:extLst>
-              <a:ext uri="{FF2B5EF4-FFF2-40B4-BE49-F238E27FC236}">
-                <a16:creationId xmlns:a16="http://schemas.microsoft.com/office/drawing/2014/main" id="{E670CB82-80F8-4F69-9DB6-78AA225C2A2A}"/>
-              </a:ext>
-            </a:extLst>
-          </p:cNvPr>
+          <p:cNvPr id="2" name="Заголовок 1"/>
           <p:cNvSpPr>
             <a:spLocks noGrp="1"/>
           </p:cNvSpPr>
@@ -6589,19 +6037,13 @@
               <a:rPr lang="ru-RU" dirty="0"/>
               <a:t>Характеристики качества ПО</a:t>
             </a:r>
-            <a:endParaRPr lang="ru-BY" dirty="0"/>
-          </a:p>
-        </p:txBody>
-      </p:sp>
-      <p:sp>
-        <p:nvSpPr>
-          <p:cNvPr id="3" name="Объект 2">
-            <a:extLst>
-              <a:ext uri="{FF2B5EF4-FFF2-40B4-BE49-F238E27FC236}">
-                <a16:creationId xmlns:a16="http://schemas.microsoft.com/office/drawing/2014/main" id="{450307E9-D9D4-4B03-82D2-8A6FB57F4105}"/>
-              </a:ext>
-            </a:extLst>
-          </p:cNvPr>
+            <a:endParaRPr lang="en-US" dirty="0"/>
+          </a:p>
+        </p:txBody>
+      </p:sp>
+      <p:sp>
+        <p:nvSpPr>
+          <p:cNvPr id="3" name="Объект 2"/>
           <p:cNvSpPr>
             <a:spLocks noGrp="1"/>
           </p:cNvSpPr>
@@ -6657,6 +6099,13 @@
               </a:rPr>
               <a:t>) - определяется способностью ПО решать задачи, которые соответствуют зафиксированным и предполагаемым потребностям пользователя, при заданных условиях использования ПО. Т.е. эта характеристика отвечает за то, что ПО работает исправно и точно, функционально совместимо, соответствует стандартам отрасли и защищено от несанкционированного доступа.</a:t>
             </a:r>
+            <a:endParaRPr lang="ru-RU" b="0" i="0" dirty="0">
+              <a:solidFill>
+                <a:srgbClr val="2A2A2A"/>
+              </a:solidFill>
+              <a:effectLst/>
+              <a:latin typeface="Georgia" panose="02040502050405020303" pitchFamily="18" charset="0"/>
+            </a:endParaRPr>
           </a:p>
           <a:p>
             <a:pPr algn="just"/>
@@ -6700,6 +6149,13 @@
               </a:rPr>
               <a:t>) – способность ПО выполнять требуемые задачи в обозначенных условиях на протяжении заданного промежутка времени или указанное количество операций. Атрибуты данной характеристики – это завершенность и целостность всей системы, способность самостоятельно и корректно восстанавливаться после сбоев в работе, отказоустойчивость.</a:t>
             </a:r>
+            <a:endParaRPr lang="ru-RU" b="0" i="0" dirty="0">
+              <a:solidFill>
+                <a:srgbClr val="2A2A2A"/>
+              </a:solidFill>
+              <a:effectLst/>
+              <a:latin typeface="Georgia" panose="02040502050405020303" pitchFamily="18" charset="0"/>
+            </a:endParaRPr>
           </a:p>
           <a:p>
             <a:pPr algn="just"/>
@@ -6743,6 +6199,13 @@
               </a:rPr>
               <a:t>) – возможность легкого понимания, изучения, использования и привлекательности ПО для пользователя.</a:t>
             </a:r>
+            <a:endParaRPr lang="ru-RU" b="0" i="0" dirty="0">
+              <a:solidFill>
+                <a:srgbClr val="2A2A2A"/>
+              </a:solidFill>
+              <a:effectLst/>
+              <a:latin typeface="Georgia" panose="02040502050405020303" pitchFamily="18" charset="0"/>
+            </a:endParaRPr>
           </a:p>
           <a:p>
             <a:pPr algn="just"/>
@@ -6786,6 +6249,13 @@
               </a:rPr>
               <a:t>) – способность ПО обеспечивать требуемый уровень производительности в соответствие с выделенными ресурсами, временем и другими обозначенными условиями.</a:t>
             </a:r>
+            <a:endParaRPr lang="ru-RU" b="0" i="0" dirty="0">
+              <a:solidFill>
+                <a:srgbClr val="2A2A2A"/>
+              </a:solidFill>
+              <a:effectLst/>
+              <a:latin typeface="Georgia" panose="02040502050405020303" pitchFamily="18" charset="0"/>
+            </a:endParaRPr>
           </a:p>
           <a:p>
             <a:pPr algn="just"/>
@@ -6829,6 +6299,13 @@
               </a:rPr>
               <a:t>) – легкость, с которой ПО может анализироваться, тестироваться, изменяться для исправления дефектов, для реализации новых требований, для облегчения дальнейшего обслуживания и адаптироваться к имеющемуся окружению.</a:t>
             </a:r>
+            <a:endParaRPr lang="ru-RU" b="0" i="0" dirty="0">
+              <a:solidFill>
+                <a:srgbClr val="2A2A2A"/>
+              </a:solidFill>
+              <a:effectLst/>
+              <a:latin typeface="Georgia" panose="02040502050405020303" pitchFamily="18" charset="0"/>
+            </a:endParaRPr>
           </a:p>
           <a:p>
             <a:pPr algn="just"/>
@@ -6912,21 +6389,22 @@
               </a:rPr>
               <a:t>) в другое.</a:t>
             </a:r>
-          </a:p>
-          <a:p>
-            <a:endParaRPr lang="ru-BY" dirty="0"/>
-          </a:p>
-        </p:txBody>
-      </p:sp>
-      <p:sp>
-        <p:nvSpPr>
-          <p:cNvPr id="4" name="Дата 3">
-            <a:extLst>
-              <a:ext uri="{FF2B5EF4-FFF2-40B4-BE49-F238E27FC236}">
-                <a16:creationId xmlns:a16="http://schemas.microsoft.com/office/drawing/2014/main" id="{CA03A80A-08C6-4B1E-A4F4-E389F0A4EB76}"/>
-              </a:ext>
-            </a:extLst>
-          </p:cNvPr>
+            <a:endParaRPr lang="ru-RU" b="0" i="0" dirty="0">
+              <a:solidFill>
+                <a:srgbClr val="2A2A2A"/>
+              </a:solidFill>
+              <a:effectLst/>
+              <a:latin typeface="Georgia" panose="02040502050405020303" pitchFamily="18" charset="0"/>
+            </a:endParaRPr>
+          </a:p>
+          <a:p>
+            <a:endParaRPr lang="en-US" dirty="0"/>
+          </a:p>
+        </p:txBody>
+      </p:sp>
+      <p:sp>
+        <p:nvSpPr>
+          <p:cNvPr id="4" name="Дата 3"/>
           <p:cNvSpPr>
             <a:spLocks noGrp="1"/>
           </p:cNvSpPr>
@@ -6942,18 +6420,12 @@
             <a:pPr rtl="0"/>
             <a:fld id="{BE289488-0C23-4DC8-A9FA-240659547385}" type="datetime1">
               <a:rPr lang="ru-RU" smtClean="0"/>
-              <a:t>05.05.2022</a:t>
             </a:fld>
             <a:endParaRPr lang="en-US" dirty="0"/>
           </a:p>
         </p:txBody>
       </p:sp>
     </p:spTree>
-    <p:extLst>
-      <p:ext uri="{BB962C8B-B14F-4D97-AF65-F5344CB8AC3E}">
-        <p14:creationId xmlns:p14="http://schemas.microsoft.com/office/powerpoint/2010/main" val="3229782280"/>
-      </p:ext>
-    </p:extLst>
   </p:cSld>
   <p:clrMapOvr>
     <a:masterClrMapping/>
@@ -6980,13 +6452,7 @@
       </p:grpSpPr>
       <p:sp>
         <p:nvSpPr>
-          <p:cNvPr id="2" name="Заголовок 1">
-            <a:extLst>
-              <a:ext uri="{FF2B5EF4-FFF2-40B4-BE49-F238E27FC236}">
-                <a16:creationId xmlns:a16="http://schemas.microsoft.com/office/drawing/2014/main" id="{005E2B59-4B42-4D9B-9D99-25647F93CE3C}"/>
-              </a:ext>
-            </a:extLst>
-          </p:cNvPr>
+          <p:cNvPr id="2" name="Заголовок 1"/>
           <p:cNvSpPr>
             <a:spLocks noGrp="1"/>
           </p:cNvSpPr>
@@ -7003,19 +6469,13 @@
               <a:rPr lang="ru-RU" dirty="0"/>
               <a:t>Расширенное тестирование</a:t>
             </a:r>
-            <a:endParaRPr lang="ru-BY" dirty="0"/>
-          </a:p>
-        </p:txBody>
-      </p:sp>
-      <p:sp>
-        <p:nvSpPr>
-          <p:cNvPr id="3" name="Объект 2">
-            <a:extLst>
-              <a:ext uri="{FF2B5EF4-FFF2-40B4-BE49-F238E27FC236}">
-                <a16:creationId xmlns:a16="http://schemas.microsoft.com/office/drawing/2014/main" id="{AFB8BA88-421B-4BAB-9F81-F2A689FC2004}"/>
-              </a:ext>
-            </a:extLst>
-          </p:cNvPr>
+            <a:endParaRPr lang="en-US" dirty="0"/>
+          </a:p>
+        </p:txBody>
+      </p:sp>
+      <p:sp>
+        <p:nvSpPr>
+          <p:cNvPr id="3" name="Объект 2"/>
           <p:cNvSpPr>
             <a:spLocks noGrp="1"/>
           </p:cNvSpPr>
@@ -7033,7 +6493,7 @@
                 <a:solidFill>
                   <a:srgbClr val="000000"/>
                 </a:solidFill>
-                <a:latin typeface="Times New Roman"/>
+                <a:latin typeface="Times New Roman" panose="02020603050405020304"/>
               </a:rPr>
               <a:t>Расширенное тестирование </a:t>
             </a:r>
@@ -7042,7 +6502,7 @@
                 <a:solidFill>
                   <a:srgbClr val="000000"/>
                 </a:solidFill>
-                <a:latin typeface="Times New Roman"/>
+                <a:latin typeface="Times New Roman" panose="02020603050405020304"/>
               </a:rPr>
               <a:t>направлено на исследование всей заявленной в требованиях функциональности — даже той, которая низко </a:t>
             </a:r>
@@ -7051,7 +6511,7 @@
                 <a:solidFill>
                   <a:srgbClr val="000000"/>
                 </a:solidFill>
-                <a:latin typeface="Times New Roman"/>
+                <a:latin typeface="Times New Roman" panose="02020603050405020304"/>
               </a:rPr>
               <a:t>проранжирована</a:t>
             </a:r>
@@ -7060,28 +6520,22 @@
                 <a:solidFill>
                   <a:srgbClr val="000000"/>
                 </a:solidFill>
-                <a:latin typeface="Times New Roman"/>
+                <a:latin typeface="Times New Roman" panose="02020603050405020304"/>
               </a:rPr>
               <a:t> по степени важности. При этом здесь также учитывается, какая функциональность является более важной, а какая — менее важной. </a:t>
             </a:r>
             <a:endParaRPr lang="en-US" sz="2000" b="0" strike="noStrike" spc="-1" dirty="0">
-              <a:latin typeface="Arial"/>
+              <a:latin typeface="Arial" panose="020B0604020202020204"/>
             </a:endParaRPr>
           </a:p>
           <a:p>
-            <a:endParaRPr lang="ru-BY" dirty="0"/>
-          </a:p>
-        </p:txBody>
-      </p:sp>
-      <p:sp>
-        <p:nvSpPr>
-          <p:cNvPr id="4" name="Дата 3">
-            <a:extLst>
-              <a:ext uri="{FF2B5EF4-FFF2-40B4-BE49-F238E27FC236}">
-                <a16:creationId xmlns:a16="http://schemas.microsoft.com/office/drawing/2014/main" id="{B639D88A-FC5D-44F4-93C6-31C46756A360}"/>
-              </a:ext>
-            </a:extLst>
-          </p:cNvPr>
+            <a:endParaRPr lang="en-US" dirty="0"/>
+          </a:p>
+        </p:txBody>
+      </p:sp>
+      <p:sp>
+        <p:nvSpPr>
+          <p:cNvPr id="4" name="Дата 3"/>
           <p:cNvSpPr>
             <a:spLocks noGrp="1"/>
           </p:cNvSpPr>
@@ -7097,18 +6551,12 @@
             <a:pPr rtl="0"/>
             <a:fld id="{BE289488-0C23-4DC8-A9FA-240659547385}" type="datetime1">
               <a:rPr lang="ru-RU" smtClean="0"/>
-              <a:t>05.05.2022</a:t>
             </a:fld>
             <a:endParaRPr lang="en-US" dirty="0"/>
           </a:p>
         </p:txBody>
       </p:sp>
     </p:spTree>
-    <p:extLst>
-      <p:ext uri="{BB962C8B-B14F-4D97-AF65-F5344CB8AC3E}">
-        <p14:creationId xmlns:p14="http://schemas.microsoft.com/office/powerpoint/2010/main" val="710237447"/>
-      </p:ext>
-    </p:extLst>
   </p:cSld>
   <p:clrMapOvr>
     <a:masterClrMapping/>
@@ -7135,13 +6583,7 @@
       </p:grpSpPr>
       <p:sp>
         <p:nvSpPr>
-          <p:cNvPr id="2" name="Заголовок 1">
-            <a:extLst>
-              <a:ext uri="{FF2B5EF4-FFF2-40B4-BE49-F238E27FC236}">
-                <a16:creationId xmlns:a16="http://schemas.microsoft.com/office/drawing/2014/main" id="{484E68F4-B0E5-4C2C-B936-D1CDBB7C6490}"/>
-              </a:ext>
-            </a:extLst>
-          </p:cNvPr>
+          <p:cNvPr id="2" name="Заголовок 1"/>
           <p:cNvSpPr>
             <a:spLocks noGrp="1"/>
           </p:cNvSpPr>
@@ -7158,19 +6600,13 @@
               <a:rPr lang="ru-RU" dirty="0"/>
               <a:t>По принципам работе с приложениями</a:t>
             </a:r>
-            <a:endParaRPr lang="ru-BY" dirty="0"/>
-          </a:p>
-        </p:txBody>
-      </p:sp>
-      <p:sp>
-        <p:nvSpPr>
-          <p:cNvPr id="3" name="Объект 2">
-            <a:extLst>
-              <a:ext uri="{FF2B5EF4-FFF2-40B4-BE49-F238E27FC236}">
-                <a16:creationId xmlns:a16="http://schemas.microsoft.com/office/drawing/2014/main" id="{72DD574C-A715-4225-94CD-19F2B3EC3E1D}"/>
-              </a:ext>
-            </a:extLst>
-          </p:cNvPr>
+            <a:endParaRPr lang="en-US" dirty="0"/>
+          </a:p>
+        </p:txBody>
+      </p:sp>
+      <p:sp>
+        <p:nvSpPr>
+          <p:cNvPr id="3" name="Объект 2"/>
           <p:cNvSpPr>
             <a:spLocks noGrp="1"/>
           </p:cNvSpPr>
@@ -7187,6 +6623,7 @@
               <a:rPr lang="ru-RU" dirty="0"/>
               <a:t>Выделяют:</a:t>
             </a:r>
+            <a:endParaRPr lang="ru-RU" dirty="0"/>
           </a:p>
           <a:p>
             <a:endParaRPr lang="ru-RU" dirty="0"/>
@@ -7200,25 +6637,20 @@
               <a:rPr lang="ru-RU" b="1" dirty="0"/>
               <a:t>позитивное тестирование</a:t>
             </a:r>
+            <a:endParaRPr lang="ru-RU" b="1" dirty="0"/>
           </a:p>
           <a:p>
             <a:r>
               <a:rPr lang="ru-RU" b="1" dirty="0"/>
               <a:t>- негативное тестирование</a:t>
             </a:r>
-            <a:endParaRPr lang="ru-BY" b="1" dirty="0"/>
-          </a:p>
-        </p:txBody>
-      </p:sp>
-      <p:sp>
-        <p:nvSpPr>
-          <p:cNvPr id="4" name="Дата 3">
-            <a:extLst>
-              <a:ext uri="{FF2B5EF4-FFF2-40B4-BE49-F238E27FC236}">
-                <a16:creationId xmlns:a16="http://schemas.microsoft.com/office/drawing/2014/main" id="{07D921D8-A000-469E-9C95-5D4A8ED38914}"/>
-              </a:ext>
-            </a:extLst>
-          </p:cNvPr>
+            <a:endParaRPr lang="en-US" b="1" dirty="0"/>
+          </a:p>
+        </p:txBody>
+      </p:sp>
+      <p:sp>
+        <p:nvSpPr>
+          <p:cNvPr id="4" name="Дата 3"/>
           <p:cNvSpPr>
             <a:spLocks noGrp="1"/>
           </p:cNvSpPr>
@@ -7234,18 +6666,12 @@
             <a:pPr rtl="0"/>
             <a:fld id="{BE289488-0C23-4DC8-A9FA-240659547385}" type="datetime1">
               <a:rPr lang="ru-RU" smtClean="0"/>
-              <a:t>05.05.2022</a:t>
             </a:fld>
             <a:endParaRPr lang="en-US" dirty="0"/>
           </a:p>
         </p:txBody>
       </p:sp>
     </p:spTree>
-    <p:extLst>
-      <p:ext uri="{BB962C8B-B14F-4D97-AF65-F5344CB8AC3E}">
-        <p14:creationId xmlns:p14="http://schemas.microsoft.com/office/powerpoint/2010/main" val="1392412622"/>
-      </p:ext>
-    </p:extLst>
   </p:cSld>
   <p:clrMapOvr>
     <a:masterClrMapping/>
@@ -7272,13 +6698,7 @@
       </p:grpSpPr>
       <p:sp>
         <p:nvSpPr>
-          <p:cNvPr id="2" name="Заголовок 1">
-            <a:extLst>
-              <a:ext uri="{FF2B5EF4-FFF2-40B4-BE49-F238E27FC236}">
-                <a16:creationId xmlns:a16="http://schemas.microsoft.com/office/drawing/2014/main" id="{62B352C2-86E4-42E4-B660-14998755E7E1}"/>
-              </a:ext>
-            </a:extLst>
-          </p:cNvPr>
+          <p:cNvPr id="2" name="Заголовок 1"/>
           <p:cNvSpPr>
             <a:spLocks noGrp="1"/>
           </p:cNvSpPr>
@@ -7295,19 +6715,13 @@
               <a:rPr lang="ru-RU" dirty="0"/>
               <a:t>Позитивное тестирование</a:t>
             </a:r>
-            <a:endParaRPr lang="ru-BY" dirty="0"/>
-          </a:p>
-        </p:txBody>
-      </p:sp>
-      <p:sp>
-        <p:nvSpPr>
-          <p:cNvPr id="3" name="Объект 2">
-            <a:extLst>
-              <a:ext uri="{FF2B5EF4-FFF2-40B4-BE49-F238E27FC236}">
-                <a16:creationId xmlns:a16="http://schemas.microsoft.com/office/drawing/2014/main" id="{9FF9EE42-7EAA-4180-B804-EDBCD5853D4A}"/>
-              </a:ext>
-            </a:extLst>
-          </p:cNvPr>
+            <a:endParaRPr lang="en-US" dirty="0"/>
+          </a:p>
+        </p:txBody>
+      </p:sp>
+      <p:sp>
+        <p:nvSpPr>
+          <p:cNvPr id="3" name="Объект 2"/>
           <p:cNvSpPr>
             <a:spLocks noGrp="1"/>
           </p:cNvSpPr>
@@ -7334,7 +6748,7 @@
                 <a:solidFill>
                   <a:srgbClr val="303030"/>
                 </a:solidFill>
-                <a:latin typeface="Times New Roman"/>
+                <a:latin typeface="Times New Roman" panose="02020603050405020304"/>
               </a:rPr>
               <a:t>Позитивное тестирование</a:t>
             </a:r>
@@ -7343,7 +6757,7 @@
                 <a:solidFill>
                   <a:srgbClr val="303030"/>
                 </a:solidFill>
-                <a:latin typeface="Times New Roman"/>
+                <a:latin typeface="Times New Roman" panose="02020603050405020304"/>
               </a:rPr>
               <a:t> </a:t>
             </a:r>
@@ -7352,7 +6766,7 @@
                 <a:solidFill>
                   <a:srgbClr val="303030"/>
                 </a:solidFill>
-                <a:latin typeface="Times New Roman"/>
+                <a:latin typeface="Times New Roman" panose="02020603050405020304"/>
               </a:rPr>
               <a:t>– </a:t>
             </a:r>
@@ -7361,7 +6775,7 @@
                 <a:solidFill>
                   <a:srgbClr val="303030"/>
                 </a:solidFill>
-                <a:latin typeface="Times New Roman"/>
+                <a:latin typeface="Times New Roman" panose="02020603050405020304"/>
               </a:rPr>
               <a:t>проверка того, как приложение работает в заведомо </a:t>
             </a:r>
@@ -7370,7 +6784,7 @@
                 <a:solidFill>
                   <a:srgbClr val="303030"/>
                 </a:solidFill>
-                <a:latin typeface="Times New Roman"/>
+                <a:latin typeface="Times New Roman" panose="02020603050405020304"/>
               </a:rPr>
               <a:t>“</a:t>
             </a:r>
@@ -7379,7 +6793,7 @@
                 <a:solidFill>
                   <a:srgbClr val="303030"/>
                 </a:solidFill>
-                <a:latin typeface="Times New Roman"/>
+                <a:latin typeface="Times New Roman" panose="02020603050405020304"/>
               </a:rPr>
               <a:t>тепличных условиях</a:t>
             </a:r>
@@ -7388,7 +6802,7 @@
                 <a:solidFill>
                   <a:srgbClr val="303030"/>
                 </a:solidFill>
-                <a:latin typeface="Times New Roman"/>
+                <a:latin typeface="Times New Roman" panose="02020603050405020304"/>
               </a:rPr>
               <a:t>”</a:t>
             </a:r>
@@ -7397,7 +6811,7 @@
                 <a:solidFill>
                   <a:srgbClr val="303030"/>
                 </a:solidFill>
-                <a:latin typeface="Times New Roman"/>
+                <a:latin typeface="Times New Roman" panose="02020603050405020304"/>
               </a:rPr>
               <a:t> (</a:t>
             </a:r>
@@ -7406,10 +6820,16 @@
                 <a:solidFill>
                   <a:srgbClr val="303030"/>
                 </a:solidFill>
-                <a:latin typeface="Times New Roman"/>
+                <a:latin typeface="Times New Roman" panose="02020603050405020304"/>
               </a:rPr>
               <a:t>корректные данные, условия работы и т.п.)</a:t>
             </a:r>
+            <a:endParaRPr lang="ru-RU" sz="2000" b="0" u="sng" strike="noStrike" spc="-1" dirty="0">
+              <a:solidFill>
+                <a:srgbClr val="303030"/>
+              </a:solidFill>
+              <a:latin typeface="Times New Roman" panose="02020603050405020304"/>
+            </a:endParaRPr>
           </a:p>
           <a:p>
             <a:pPr algn="just">
@@ -7426,7 +6846,7 @@
                 <a:solidFill>
                   <a:srgbClr val="303030"/>
                 </a:solidFill>
-                <a:latin typeface="Times New Roman"/>
+                <a:latin typeface="Times New Roman" panose="02020603050405020304"/>
               </a:rPr>
               <a:t>Несколько позитивных тест-кейсов </a:t>
             </a:r>
@@ -7435,7 +6855,7 @@
                 <a:solidFill>
                   <a:srgbClr val="FF0000"/>
                 </a:solidFill>
-                <a:latin typeface="Times New Roman"/>
+                <a:latin typeface="Times New Roman" panose="02020603050405020304"/>
               </a:rPr>
               <a:t>можно объединять</a:t>
             </a:r>
@@ -7444,25 +6864,25 @@
                 <a:solidFill>
                   <a:srgbClr val="303030"/>
                 </a:solidFill>
-                <a:latin typeface="Times New Roman"/>
+                <a:latin typeface="Times New Roman" panose="02020603050405020304"/>
               </a:rPr>
               <a:t> (например, перед отправкой заполнить все поля формы верными значениями) </a:t>
             </a:r>
-          </a:p>
-          <a:p>
-            <a:endParaRPr lang="ru-BY" dirty="0"/>
-          </a:p>
-        </p:txBody>
-      </p:sp>
-      <p:sp>
-        <p:nvSpPr>
-          <p:cNvPr id="4" name="Дата 3">
-            <a:extLst>
-              <a:ext uri="{FF2B5EF4-FFF2-40B4-BE49-F238E27FC236}">
-                <a16:creationId xmlns:a16="http://schemas.microsoft.com/office/drawing/2014/main" id="{BF64F844-4747-4AE8-BA15-EF0AE1AF0A63}"/>
-              </a:ext>
-            </a:extLst>
-          </p:cNvPr>
+            <a:endParaRPr lang="ru-RU" sz="2000" b="0" strike="noStrike" spc="-1" dirty="0">
+              <a:solidFill>
+                <a:srgbClr val="303030"/>
+              </a:solidFill>
+              <a:latin typeface="Times New Roman" panose="02020603050405020304"/>
+            </a:endParaRPr>
+          </a:p>
+          <a:p>
+            <a:endParaRPr lang="en-US" dirty="0"/>
+          </a:p>
+        </p:txBody>
+      </p:sp>
+      <p:sp>
+        <p:nvSpPr>
+          <p:cNvPr id="4" name="Дата 3"/>
           <p:cNvSpPr>
             <a:spLocks noGrp="1"/>
           </p:cNvSpPr>
@@ -7478,18 +6898,12 @@
             <a:pPr rtl="0"/>
             <a:fld id="{BE289488-0C23-4DC8-A9FA-240659547385}" type="datetime1">
               <a:rPr lang="ru-RU" smtClean="0"/>
-              <a:t>05.05.2022</a:t>
             </a:fld>
             <a:endParaRPr lang="en-US" dirty="0"/>
           </a:p>
         </p:txBody>
       </p:sp>
     </p:spTree>
-    <p:extLst>
-      <p:ext uri="{BB962C8B-B14F-4D97-AF65-F5344CB8AC3E}">
-        <p14:creationId xmlns:p14="http://schemas.microsoft.com/office/powerpoint/2010/main" val="2729848219"/>
-      </p:ext>
-    </p:extLst>
   </p:cSld>
   <p:clrMapOvr>
     <a:masterClrMapping/>
@@ -7516,13 +6930,7 @@
       </p:grpSpPr>
       <p:sp>
         <p:nvSpPr>
-          <p:cNvPr id="2" name="Заголовок 1">
-            <a:extLst>
-              <a:ext uri="{FF2B5EF4-FFF2-40B4-BE49-F238E27FC236}">
-                <a16:creationId xmlns:a16="http://schemas.microsoft.com/office/drawing/2014/main" id="{17CC20D4-B768-4A10-820F-07A63666AF5B}"/>
-              </a:ext>
-            </a:extLst>
-          </p:cNvPr>
+          <p:cNvPr id="2" name="Заголовок 1"/>
           <p:cNvSpPr>
             <a:spLocks noGrp="1"/>
           </p:cNvSpPr>
@@ -7539,19 +6947,13 @@
               <a:rPr lang="ru-RU" dirty="0"/>
               <a:t>Негативное тестирование</a:t>
             </a:r>
-            <a:endParaRPr lang="ru-BY" dirty="0"/>
-          </a:p>
-        </p:txBody>
-      </p:sp>
-      <p:sp>
-        <p:nvSpPr>
-          <p:cNvPr id="3" name="Объект 2">
-            <a:extLst>
-              <a:ext uri="{FF2B5EF4-FFF2-40B4-BE49-F238E27FC236}">
-                <a16:creationId xmlns:a16="http://schemas.microsoft.com/office/drawing/2014/main" id="{87EA2B03-FD11-4E3C-866A-7665E975E62D}"/>
-              </a:ext>
-            </a:extLst>
-          </p:cNvPr>
+            <a:endParaRPr lang="en-US" dirty="0"/>
+          </a:p>
+        </p:txBody>
+      </p:sp>
+      <p:sp>
+        <p:nvSpPr>
+          <p:cNvPr id="3" name="Объект 2"/>
           <p:cNvSpPr>
             <a:spLocks noGrp="1"/>
           </p:cNvSpPr>
@@ -7569,7 +6971,7 @@
                 <a:solidFill>
                   <a:srgbClr val="303030"/>
                 </a:solidFill>
-                <a:latin typeface="Times New Roman"/>
+                <a:latin typeface="Times New Roman" panose="02020603050405020304"/>
               </a:rPr>
               <a:t>Негативное тестирование </a:t>
             </a:r>
@@ -7578,7 +6980,7 @@
                 <a:solidFill>
                   <a:srgbClr val="303030"/>
                 </a:solidFill>
-                <a:latin typeface="Times New Roman"/>
+                <a:latin typeface="Times New Roman" panose="02020603050405020304"/>
               </a:rPr>
               <a:t>- проверка того, как приложение реагирует на различные </a:t>
             </a:r>
@@ -7587,7 +6989,7 @@
                 <a:solidFill>
                   <a:srgbClr val="303030"/>
                 </a:solidFill>
-                <a:latin typeface="Times New Roman"/>
+                <a:latin typeface="Times New Roman" panose="02020603050405020304"/>
               </a:rPr>
               <a:t>“</a:t>
             </a:r>
@@ -7596,7 +6998,7 @@
                 <a:solidFill>
                   <a:srgbClr val="303030"/>
                 </a:solidFill>
-                <a:latin typeface="Times New Roman"/>
+                <a:latin typeface="Times New Roman" panose="02020603050405020304"/>
               </a:rPr>
               <a:t>неприятности</a:t>
             </a:r>
@@ -7605,7 +7007,7 @@
                 <a:solidFill>
                   <a:srgbClr val="303030"/>
                 </a:solidFill>
-                <a:latin typeface="Times New Roman"/>
+                <a:latin typeface="Times New Roman" panose="02020603050405020304"/>
               </a:rPr>
               <a:t>”</a:t>
             </a:r>
@@ -7614,17 +7016,23 @@
                 <a:solidFill>
                   <a:srgbClr val="303030"/>
                 </a:solidFill>
-                <a:latin typeface="Times New Roman"/>
+                <a:latin typeface="Times New Roman" panose="02020603050405020304"/>
               </a:rPr>
               <a:t> (пропала сеть, повреждён файл и т.п.)</a:t>
             </a:r>
+            <a:endParaRPr lang="ru-RU" sz="2000" b="0" strike="noStrike" spc="-1" dirty="0">
+              <a:solidFill>
+                <a:srgbClr val="303030"/>
+              </a:solidFill>
+              <a:latin typeface="Times New Roman" panose="02020603050405020304"/>
+            </a:endParaRPr>
           </a:p>
           <a:p>
             <a:endParaRPr lang="ru-RU" sz="2000" spc="-1" dirty="0">
               <a:solidFill>
                 <a:srgbClr val="303030"/>
               </a:solidFill>
-              <a:latin typeface="Times New Roman"/>
+              <a:latin typeface="Times New Roman" panose="02020603050405020304"/>
             </a:endParaRPr>
           </a:p>
           <a:p>
@@ -7633,7 +7041,7 @@
                 <a:solidFill>
                   <a:srgbClr val="FF0000"/>
                 </a:solidFill>
-                <a:latin typeface="Times New Roman"/>
+                <a:latin typeface="Times New Roman" panose="02020603050405020304"/>
               </a:rPr>
               <a:t>NB: </a:t>
             </a:r>
@@ -7642,7 +7050,7 @@
                 <a:solidFill>
                   <a:srgbClr val="FF0000"/>
                 </a:solidFill>
-                <a:latin typeface="Times New Roman"/>
+                <a:latin typeface="Times New Roman" panose="02020603050405020304"/>
               </a:rPr>
               <a:t>Негативные проверки объединять нельзя (!!!)</a:t>
             </a:r>
@@ -7650,26 +7058,20 @@
               <a:solidFill>
                 <a:srgbClr val="FF0000"/>
               </a:solidFill>
-              <a:latin typeface="Times New Roman"/>
+              <a:latin typeface="Times New Roman" panose="02020603050405020304"/>
             </a:endParaRPr>
           </a:p>
           <a:p>
             <a:pPr marL="0" indent="0">
               <a:buNone/>
             </a:pPr>
-            <a:endParaRPr lang="ru-BY" dirty="0"/>
-          </a:p>
-        </p:txBody>
-      </p:sp>
-      <p:sp>
-        <p:nvSpPr>
-          <p:cNvPr id="4" name="Дата 3">
-            <a:extLst>
-              <a:ext uri="{FF2B5EF4-FFF2-40B4-BE49-F238E27FC236}">
-                <a16:creationId xmlns:a16="http://schemas.microsoft.com/office/drawing/2014/main" id="{B5EB3191-8068-4B4F-8412-CAC7623E6E0A}"/>
-              </a:ext>
-            </a:extLst>
-          </p:cNvPr>
+            <a:endParaRPr lang="en-US" dirty="0"/>
+          </a:p>
+        </p:txBody>
+      </p:sp>
+      <p:sp>
+        <p:nvSpPr>
+          <p:cNvPr id="4" name="Дата 3"/>
           <p:cNvSpPr>
             <a:spLocks noGrp="1"/>
           </p:cNvSpPr>
@@ -7685,18 +7087,12 @@
             <a:pPr rtl="0"/>
             <a:fld id="{BE289488-0C23-4DC8-A9FA-240659547385}" type="datetime1">
               <a:rPr lang="ru-RU" smtClean="0"/>
-              <a:t>05.05.2022</a:t>
             </a:fld>
             <a:endParaRPr lang="en-US" dirty="0"/>
           </a:p>
         </p:txBody>
       </p:sp>
     </p:spTree>
-    <p:extLst>
-      <p:ext uri="{BB962C8B-B14F-4D97-AF65-F5344CB8AC3E}">
-        <p14:creationId xmlns:p14="http://schemas.microsoft.com/office/powerpoint/2010/main" val="3000630243"/>
-      </p:ext>
-    </p:extLst>
   </p:cSld>
   <p:clrMapOvr>
     <a:masterClrMapping/>
@@ -7723,13 +7119,7 @@
       </p:grpSpPr>
       <p:sp>
         <p:nvSpPr>
-          <p:cNvPr id="2" name="Заголовок 1">
-            <a:extLst>
-              <a:ext uri="{FF2B5EF4-FFF2-40B4-BE49-F238E27FC236}">
-                <a16:creationId xmlns:a16="http://schemas.microsoft.com/office/drawing/2014/main" id="{3ED0E6BC-BE29-47C8-9756-C504BD04E133}"/>
-              </a:ext>
-            </a:extLst>
-          </p:cNvPr>
+          <p:cNvPr id="2" name="Заголовок 1"/>
           <p:cNvSpPr>
             <a:spLocks noGrp="1"/>
           </p:cNvSpPr>
@@ -7746,19 +7136,13 @@
               <a:rPr lang="ru-RU" dirty="0"/>
               <a:t>Последовательность проверок</a:t>
             </a:r>
-            <a:endParaRPr lang="ru-BY" dirty="0"/>
-          </a:p>
-        </p:txBody>
-      </p:sp>
-      <p:sp>
-        <p:nvSpPr>
-          <p:cNvPr id="3" name="Объект 2">
-            <a:extLst>
-              <a:ext uri="{FF2B5EF4-FFF2-40B4-BE49-F238E27FC236}">
-                <a16:creationId xmlns:a16="http://schemas.microsoft.com/office/drawing/2014/main" id="{425F58A8-CD51-4761-A206-442AB8C31BBC}"/>
-              </a:ext>
-            </a:extLst>
-          </p:cNvPr>
+            <a:endParaRPr lang="en-US" dirty="0"/>
+          </a:p>
+        </p:txBody>
+      </p:sp>
+      <p:sp>
+        <p:nvSpPr>
+          <p:cNvPr id="3" name="Объект 2"/>
           <p:cNvSpPr>
             <a:spLocks noGrp="1"/>
           </p:cNvSpPr>
@@ -7779,6 +7163,7 @@
               <a:rPr lang="ru-RU" dirty="0"/>
               <a:t>Простой позитив</a:t>
             </a:r>
+            <a:endParaRPr lang="ru-RU" dirty="0"/>
           </a:p>
           <a:p>
             <a:pPr marL="457200" indent="-457200">
@@ -7789,6 +7174,7 @@
               <a:rPr lang="ru-RU" dirty="0"/>
               <a:t>Простой негатив</a:t>
             </a:r>
+            <a:endParaRPr lang="ru-RU" dirty="0"/>
           </a:p>
           <a:p>
             <a:pPr marL="457200" indent="-457200">
@@ -7799,6 +7185,7 @@
               <a:rPr lang="ru-RU" dirty="0"/>
               <a:t>Сложный позитив</a:t>
             </a:r>
+            <a:endParaRPr lang="ru-RU" dirty="0"/>
           </a:p>
           <a:p>
             <a:pPr marL="457200" indent="-457200">
@@ -7809,6 +7196,7 @@
               <a:rPr lang="ru-RU" dirty="0"/>
               <a:t>Сложный негатив</a:t>
             </a:r>
+            <a:endParaRPr lang="ru-RU" dirty="0"/>
           </a:p>
           <a:p>
             <a:pPr marL="457200" indent="-457200">
@@ -7845,7 +7233,7 @@
               </a:rPr>
               <a:t> Не стоит ломать то, что не факт, что работает (!!!)</a:t>
             </a:r>
-            <a:endParaRPr lang="ru-BY" b="1" u="sng" dirty="0">
+            <a:endParaRPr lang="en-US" b="1" u="sng" dirty="0">
               <a:solidFill>
                 <a:srgbClr val="FF0000"/>
               </a:solidFill>
@@ -7855,13 +7243,7 @@
       </p:sp>
       <p:sp>
         <p:nvSpPr>
-          <p:cNvPr id="4" name="Дата 3">
-            <a:extLst>
-              <a:ext uri="{FF2B5EF4-FFF2-40B4-BE49-F238E27FC236}">
-                <a16:creationId xmlns:a16="http://schemas.microsoft.com/office/drawing/2014/main" id="{215E3C2C-9DD2-4EE1-B41F-F948A776E944}"/>
-              </a:ext>
-            </a:extLst>
-          </p:cNvPr>
+          <p:cNvPr id="4" name="Дата 3"/>
           <p:cNvSpPr>
             <a:spLocks noGrp="1"/>
           </p:cNvSpPr>
@@ -7877,18 +7259,12 @@
             <a:pPr rtl="0"/>
             <a:fld id="{BE289488-0C23-4DC8-A9FA-240659547385}" type="datetime1">
               <a:rPr lang="ru-RU" smtClean="0"/>
-              <a:t>05.05.2022</a:t>
             </a:fld>
             <a:endParaRPr lang="en-US" dirty="0"/>
           </a:p>
         </p:txBody>
       </p:sp>
     </p:spTree>
-    <p:extLst>
-      <p:ext uri="{BB962C8B-B14F-4D97-AF65-F5344CB8AC3E}">
-        <p14:creationId xmlns:p14="http://schemas.microsoft.com/office/powerpoint/2010/main" val="3842591432"/>
-      </p:ext>
-    </p:extLst>
   </p:cSld>
   <p:clrMapOvr>
     <a:masterClrMapping/>
@@ -7915,13 +7291,7 @@
       </p:grpSpPr>
       <p:sp>
         <p:nvSpPr>
-          <p:cNvPr id="2" name="Заголовок 1">
-            <a:extLst>
-              <a:ext uri="{FF2B5EF4-FFF2-40B4-BE49-F238E27FC236}">
-                <a16:creationId xmlns:a16="http://schemas.microsoft.com/office/drawing/2014/main" id="{7526AD5F-466C-45F5-9F04-49563A29FD43}"/>
-              </a:ext>
-            </a:extLst>
-          </p:cNvPr>
+          <p:cNvPr id="2" name="Заголовок 1"/>
           <p:cNvSpPr>
             <a:spLocks noGrp="1"/>
           </p:cNvSpPr>
@@ -7938,19 +7308,13 @@
               <a:rPr lang="ru-RU" dirty="0"/>
               <a:t>По уровням тестирования приложения</a:t>
             </a:r>
-            <a:endParaRPr lang="ru-BY" dirty="0"/>
-          </a:p>
-        </p:txBody>
-      </p:sp>
-      <p:sp>
-        <p:nvSpPr>
-          <p:cNvPr id="3" name="Объект 2">
-            <a:extLst>
-              <a:ext uri="{FF2B5EF4-FFF2-40B4-BE49-F238E27FC236}">
-                <a16:creationId xmlns:a16="http://schemas.microsoft.com/office/drawing/2014/main" id="{1EAE355C-FCF1-4A6E-A63B-F190EC6BA72A}"/>
-              </a:ext>
-            </a:extLst>
-          </p:cNvPr>
+            <a:endParaRPr lang="en-US" dirty="0"/>
+          </a:p>
+        </p:txBody>
+      </p:sp>
+      <p:sp>
+        <p:nvSpPr>
+          <p:cNvPr id="3" name="Объект 2"/>
           <p:cNvSpPr>
             <a:spLocks noGrp="1"/>
           </p:cNvSpPr>
@@ -7967,39 +7331,37 @@
               <a:rPr lang="ru-RU" dirty="0"/>
               <a:t>Выделяют:</a:t>
             </a:r>
+            <a:endParaRPr lang="ru-RU" dirty="0"/>
           </a:p>
           <a:p>
             <a:r>
               <a:rPr lang="ru-RU" dirty="0"/>
               <a:t>- модульное</a:t>
             </a:r>
+            <a:endParaRPr lang="ru-RU" dirty="0"/>
           </a:p>
           <a:p>
             <a:r>
               <a:rPr lang="ru-RU" dirty="0"/>
               <a:t>- интеграционное</a:t>
             </a:r>
+            <a:endParaRPr lang="ru-RU" dirty="0"/>
           </a:p>
           <a:p>
             <a:r>
               <a:rPr lang="ru-RU" dirty="0"/>
               <a:t>- системное</a:t>
             </a:r>
-          </a:p>
-          <a:p>
-            <a:endParaRPr lang="ru-BY" dirty="0"/>
-          </a:p>
-        </p:txBody>
-      </p:sp>
-      <p:sp>
-        <p:nvSpPr>
-          <p:cNvPr id="4" name="Дата 3">
-            <a:extLst>
-              <a:ext uri="{FF2B5EF4-FFF2-40B4-BE49-F238E27FC236}">
-                <a16:creationId xmlns:a16="http://schemas.microsoft.com/office/drawing/2014/main" id="{2E73430D-B9F4-438E-8CD2-54B0224ACF7C}"/>
-              </a:ext>
-            </a:extLst>
-          </p:cNvPr>
+            <a:endParaRPr lang="ru-RU" dirty="0"/>
+          </a:p>
+          <a:p>
+            <a:endParaRPr lang="en-US" dirty="0"/>
+          </a:p>
+        </p:txBody>
+      </p:sp>
+      <p:sp>
+        <p:nvSpPr>
+          <p:cNvPr id="4" name="Дата 3"/>
           <p:cNvSpPr>
             <a:spLocks noGrp="1"/>
           </p:cNvSpPr>
@@ -8015,7 +7377,6 @@
             <a:pPr rtl="0"/>
             <a:fld id="{BE289488-0C23-4DC8-A9FA-240659547385}" type="datetime1">
               <a:rPr lang="ru-RU" smtClean="0"/>
-              <a:t>05.05.2022</a:t>
             </a:fld>
             <a:endParaRPr lang="en-US" dirty="0"/>
           </a:p>
@@ -8023,19 +7384,15 @@
       </p:sp>
       <p:pic>
         <p:nvPicPr>
-          <p:cNvPr id="5" name="Picture 2">
-            <a:extLst>
-              <a:ext uri="{FF2B5EF4-FFF2-40B4-BE49-F238E27FC236}">
-                <a16:creationId xmlns:a16="http://schemas.microsoft.com/office/drawing/2014/main" id="{C4CC6E69-DC6B-46B5-9EBA-83A0E4EB8A48}"/>
-              </a:ext>
-            </a:extLst>
-          </p:cNvPr>
+          <p:cNvPr id="5" name="Picture 2"/>
           <p:cNvPicPr/>
           <p:nvPr/>
         </p:nvPicPr>
         <p:blipFill>
-          <a:blip r:embed="rId2"/>
-          <a:stretch/>
+          <a:blip r:embed="rId1"/>
+          <a:stretch>
+            <a:fillRect/>
+          </a:stretch>
         </p:blipFill>
         <p:spPr>
           <a:xfrm>
@@ -8051,11 +7408,6 @@
         </p:spPr>
       </p:pic>
     </p:spTree>
-    <p:extLst>
-      <p:ext uri="{BB962C8B-B14F-4D97-AF65-F5344CB8AC3E}">
-        <p14:creationId xmlns:p14="http://schemas.microsoft.com/office/powerpoint/2010/main" val="3559988116"/>
-      </p:ext>
-    </p:extLst>
   </p:cSld>
   <p:clrMapOvr>
     <a:masterClrMapping/>
@@ -8082,13 +7434,7 @@
       </p:grpSpPr>
       <p:sp>
         <p:nvSpPr>
-          <p:cNvPr id="2" name="Заголовок 1">
-            <a:extLst>
-              <a:ext uri="{FF2B5EF4-FFF2-40B4-BE49-F238E27FC236}">
-                <a16:creationId xmlns:a16="http://schemas.microsoft.com/office/drawing/2014/main" id="{F52BC3B6-0BAE-4411-9FFB-E65F4B25A916}"/>
-              </a:ext>
-            </a:extLst>
-          </p:cNvPr>
+          <p:cNvPr id="2" name="Заголовок 1"/>
           <p:cNvSpPr>
             <a:spLocks noGrp="1"/>
           </p:cNvSpPr>
@@ -8105,19 +7451,13 @@
               <a:rPr lang="ru-RU" dirty="0"/>
               <a:t>Модульное тестирование</a:t>
             </a:r>
-            <a:endParaRPr lang="ru-BY" dirty="0"/>
-          </a:p>
-        </p:txBody>
-      </p:sp>
-      <p:sp>
-        <p:nvSpPr>
-          <p:cNvPr id="3" name="Объект 2">
-            <a:extLst>
-              <a:ext uri="{FF2B5EF4-FFF2-40B4-BE49-F238E27FC236}">
-                <a16:creationId xmlns:a16="http://schemas.microsoft.com/office/drawing/2014/main" id="{C6149D74-F7E5-4EFF-8BFC-1BB9B7921E21}"/>
-              </a:ext>
-            </a:extLst>
-          </p:cNvPr>
+            <a:endParaRPr lang="en-US" dirty="0"/>
+          </a:p>
+        </p:txBody>
+      </p:sp>
+      <p:sp>
+        <p:nvSpPr>
+          <p:cNvPr id="3" name="Объект 2"/>
           <p:cNvSpPr>
             <a:spLocks noGrp="1"/>
           </p:cNvSpPr>
@@ -8136,7 +7476,7 @@
                 <a:solidFill>
                   <a:srgbClr val="303030"/>
                 </a:solidFill>
-                <a:latin typeface="Times New Roman"/>
+                <a:latin typeface="Times New Roman" panose="02020603050405020304"/>
               </a:rPr>
               <a:t>Н</a:t>
             </a:r>
@@ -8145,25 +7485,25 @@
                 <a:solidFill>
                   <a:srgbClr val="303030"/>
                 </a:solidFill>
-                <a:latin typeface="Times New Roman"/>
+                <a:latin typeface="Times New Roman" panose="02020603050405020304"/>
               </a:rPr>
               <a:t>аправлено на проверку отдельных небольших частей приложения, которые (как правило) можно исследовать изолированно от других подобных частей. При выполнении данного тестирования могут проверяться отдельные функции или методы классов, сами классы, взаимодействие классов, небольшие библиотеки, отдельные части приложения. Часто данный вид тестирования реализуется с использованием специальных технологий и инструментальных средств автоматизации тестирования, значительно упрощающих и ускоряющих разработку соответствующих тест-кейсов. </a:t>
             </a:r>
-          </a:p>
-          <a:p>
-            <a:endParaRPr lang="ru-BY" dirty="0"/>
-          </a:p>
-        </p:txBody>
-      </p:sp>
-      <p:sp>
-        <p:nvSpPr>
-          <p:cNvPr id="4" name="Дата 3">
-            <a:extLst>
-              <a:ext uri="{FF2B5EF4-FFF2-40B4-BE49-F238E27FC236}">
-                <a16:creationId xmlns:a16="http://schemas.microsoft.com/office/drawing/2014/main" id="{88E8B92F-EA2F-4A2F-B8E4-C303DD6C04BC}"/>
-              </a:ext>
-            </a:extLst>
-          </p:cNvPr>
+            <a:endParaRPr lang="ru-RU" sz="2000" b="0" strike="noStrike" spc="-1" dirty="0">
+              <a:solidFill>
+                <a:srgbClr val="303030"/>
+              </a:solidFill>
+              <a:latin typeface="Times New Roman" panose="02020603050405020304"/>
+            </a:endParaRPr>
+          </a:p>
+          <a:p>
+            <a:endParaRPr lang="en-US" dirty="0"/>
+          </a:p>
+        </p:txBody>
+      </p:sp>
+      <p:sp>
+        <p:nvSpPr>
+          <p:cNvPr id="4" name="Дата 3"/>
           <p:cNvSpPr>
             <a:spLocks noGrp="1"/>
           </p:cNvSpPr>
@@ -8179,18 +7519,12 @@
             <a:pPr rtl="0"/>
             <a:fld id="{BE289488-0C23-4DC8-A9FA-240659547385}" type="datetime1">
               <a:rPr lang="ru-RU" smtClean="0"/>
-              <a:t>05.05.2022</a:t>
             </a:fld>
             <a:endParaRPr lang="en-US" dirty="0"/>
           </a:p>
         </p:txBody>
       </p:sp>
     </p:spTree>
-    <p:extLst>
-      <p:ext uri="{BB962C8B-B14F-4D97-AF65-F5344CB8AC3E}">
-        <p14:creationId xmlns:p14="http://schemas.microsoft.com/office/powerpoint/2010/main" val="2992175240"/>
-      </p:ext>
-    </p:extLst>
   </p:cSld>
   <p:clrMapOvr>
     <a:masterClrMapping/>
@@ -8217,13 +7551,7 @@
       </p:grpSpPr>
       <p:sp>
         <p:nvSpPr>
-          <p:cNvPr id="2" name="Заголовок 1">
-            <a:extLst>
-              <a:ext uri="{FF2B5EF4-FFF2-40B4-BE49-F238E27FC236}">
-                <a16:creationId xmlns:a16="http://schemas.microsoft.com/office/drawing/2014/main" id="{D4A45D25-89C0-491F-9D9C-CE628201A4A3}"/>
-              </a:ext>
-            </a:extLst>
-          </p:cNvPr>
+          <p:cNvPr id="2" name="Заголовок 1"/>
           <p:cNvSpPr>
             <a:spLocks noGrp="1"/>
           </p:cNvSpPr>
@@ -8240,19 +7568,13 @@
               <a:rPr lang="ru-RU" dirty="0"/>
               <a:t>Интеграционное тестирование</a:t>
             </a:r>
-            <a:endParaRPr lang="ru-BY" dirty="0"/>
-          </a:p>
-        </p:txBody>
-      </p:sp>
-      <p:sp>
-        <p:nvSpPr>
-          <p:cNvPr id="3" name="Объект 2">
-            <a:extLst>
-              <a:ext uri="{FF2B5EF4-FFF2-40B4-BE49-F238E27FC236}">
-                <a16:creationId xmlns:a16="http://schemas.microsoft.com/office/drawing/2014/main" id="{142793FB-5A4F-44A3-8816-0E20F0C4D8E1}"/>
-              </a:ext>
-            </a:extLst>
-          </p:cNvPr>
+            <a:endParaRPr lang="en-US" dirty="0"/>
+          </a:p>
+        </p:txBody>
+      </p:sp>
+      <p:sp>
+        <p:nvSpPr>
+          <p:cNvPr id="3" name="Объект 2"/>
           <p:cNvSpPr>
             <a:spLocks noGrp="1"/>
           </p:cNvSpPr>
@@ -8270,6 +7592,7 @@
               <a:rPr lang="ru-RU" dirty="0"/>
               <a:t>Направлено на проверку взаимо-действия между несколькими частями приложения (каждая из которых, в свою очередь, проверена отдельно на стадии модульного тестирования). </a:t>
             </a:r>
+            <a:endParaRPr lang="ru-RU" dirty="0"/>
           </a:p>
           <a:p>
             <a:pPr algn="just"/>
@@ -8293,7 +7616,7 @@
               </a:rPr>
               <a:t>Иногда под понятием «интеграция» подразумевают взаимодействие с внешней системой. Тестирование межсистемных кейсов считается более сложным видом тестирования (!!!)</a:t>
             </a:r>
-            <a:endParaRPr lang="ru-BY" b="1" dirty="0">
+            <a:endParaRPr lang="en-US" b="1" dirty="0">
               <a:solidFill>
                 <a:srgbClr val="FF0000"/>
               </a:solidFill>
@@ -8303,13 +7626,7 @@
       </p:sp>
       <p:sp>
         <p:nvSpPr>
-          <p:cNvPr id="4" name="Дата 3">
-            <a:extLst>
-              <a:ext uri="{FF2B5EF4-FFF2-40B4-BE49-F238E27FC236}">
-                <a16:creationId xmlns:a16="http://schemas.microsoft.com/office/drawing/2014/main" id="{721D0708-BC1C-4639-9EE9-B49E386C4E70}"/>
-              </a:ext>
-            </a:extLst>
-          </p:cNvPr>
+          <p:cNvPr id="4" name="Дата 3"/>
           <p:cNvSpPr>
             <a:spLocks noGrp="1"/>
           </p:cNvSpPr>
@@ -8325,18 +7642,12 @@
             <a:pPr rtl="0"/>
             <a:fld id="{BE289488-0C23-4DC8-A9FA-240659547385}" type="datetime1">
               <a:rPr lang="ru-RU" smtClean="0"/>
-              <a:t>05.05.2022</a:t>
             </a:fld>
             <a:endParaRPr lang="en-US" dirty="0"/>
           </a:p>
         </p:txBody>
       </p:sp>
     </p:spTree>
-    <p:extLst>
-      <p:ext uri="{BB962C8B-B14F-4D97-AF65-F5344CB8AC3E}">
-        <p14:creationId xmlns:p14="http://schemas.microsoft.com/office/powerpoint/2010/main" val="3873124902"/>
-      </p:ext>
-    </p:extLst>
   </p:cSld>
   <p:clrMapOvr>
     <a:masterClrMapping/>
@@ -8363,13 +7674,7 @@
       </p:grpSpPr>
       <p:sp>
         <p:nvSpPr>
-          <p:cNvPr id="2" name="Заголовок 1">
-            <a:extLst>
-              <a:ext uri="{FF2B5EF4-FFF2-40B4-BE49-F238E27FC236}">
-                <a16:creationId xmlns:a16="http://schemas.microsoft.com/office/drawing/2014/main" id="{3421F2C5-1584-47C9-BC5E-309248EECE8E}"/>
-              </a:ext>
-            </a:extLst>
-          </p:cNvPr>
+          <p:cNvPr id="2" name="Заголовок 1"/>
           <p:cNvSpPr>
             <a:spLocks noGrp="1"/>
           </p:cNvSpPr>
@@ -8386,19 +7691,13 @@
               <a:rPr lang="ru-RU" dirty="0"/>
               <a:t>Системное тестирование</a:t>
             </a:r>
-            <a:endParaRPr lang="ru-BY" dirty="0"/>
-          </a:p>
-        </p:txBody>
-      </p:sp>
-      <p:sp>
-        <p:nvSpPr>
-          <p:cNvPr id="3" name="Объект 2">
-            <a:extLst>
-              <a:ext uri="{FF2B5EF4-FFF2-40B4-BE49-F238E27FC236}">
-                <a16:creationId xmlns:a16="http://schemas.microsoft.com/office/drawing/2014/main" id="{0B8BD316-7487-471B-BE84-9B9509E2F4EB}"/>
-              </a:ext>
-            </a:extLst>
-          </p:cNvPr>
+            <a:endParaRPr lang="en-US" dirty="0"/>
+          </a:p>
+        </p:txBody>
+      </p:sp>
+      <p:sp>
+        <p:nvSpPr>
+          <p:cNvPr id="3" name="Объект 2"/>
           <p:cNvSpPr>
             <a:spLocks noGrp="1"/>
           </p:cNvSpPr>
@@ -8416,19 +7715,13 @@
               <a:rPr lang="ru-RU" dirty="0"/>
               <a:t>Направлено на проверку всего приложения как единого целого, собранного из частей, проверенных на двух предыдущих стадиях. Здесь не только выявляются дефекты «на стыках» компонентов, но и появляется возможность полноценно взаимодействовать с приложением с точки зрения конечного пользователя.</a:t>
             </a:r>
-            <a:endParaRPr lang="ru-BY" dirty="0"/>
-          </a:p>
-        </p:txBody>
-      </p:sp>
-      <p:sp>
-        <p:nvSpPr>
-          <p:cNvPr id="4" name="Дата 3">
-            <a:extLst>
-              <a:ext uri="{FF2B5EF4-FFF2-40B4-BE49-F238E27FC236}">
-                <a16:creationId xmlns:a16="http://schemas.microsoft.com/office/drawing/2014/main" id="{60A18DCC-6A2D-4081-901D-ACE979662D38}"/>
-              </a:ext>
-            </a:extLst>
-          </p:cNvPr>
+            <a:endParaRPr lang="en-US" dirty="0"/>
+          </a:p>
+        </p:txBody>
+      </p:sp>
+      <p:sp>
+        <p:nvSpPr>
+          <p:cNvPr id="4" name="Дата 3"/>
           <p:cNvSpPr>
             <a:spLocks noGrp="1"/>
           </p:cNvSpPr>
@@ -8444,18 +7737,12 @@
             <a:pPr rtl="0"/>
             <a:fld id="{BE289488-0C23-4DC8-A9FA-240659547385}" type="datetime1">
               <a:rPr lang="ru-RU" smtClean="0"/>
-              <a:t>05.05.2022</a:t>
             </a:fld>
             <a:endParaRPr lang="en-US" dirty="0"/>
           </a:p>
         </p:txBody>
       </p:sp>
     </p:spTree>
-    <p:extLst>
-      <p:ext uri="{BB962C8B-B14F-4D97-AF65-F5344CB8AC3E}">
-        <p14:creationId xmlns:p14="http://schemas.microsoft.com/office/powerpoint/2010/main" val="1348458632"/>
-      </p:ext>
-    </p:extLst>
   </p:cSld>
   <p:clrMapOvr>
     <a:masterClrMapping/>
@@ -8482,13 +7769,7 @@
       </p:grpSpPr>
       <p:sp>
         <p:nvSpPr>
-          <p:cNvPr id="2" name="Заголовок 1">
-            <a:extLst>
-              <a:ext uri="{FF2B5EF4-FFF2-40B4-BE49-F238E27FC236}">
-                <a16:creationId xmlns:a16="http://schemas.microsoft.com/office/drawing/2014/main" id="{63FEF94D-3875-4852-82E5-CF2F2CA331E3}"/>
-              </a:ext>
-            </a:extLst>
-          </p:cNvPr>
+          <p:cNvPr id="2" name="Заголовок 1"/>
           <p:cNvSpPr>
             <a:spLocks noGrp="1"/>
           </p:cNvSpPr>
@@ -8505,19 +7786,13 @@
               <a:rPr lang="ru-RU" dirty="0"/>
               <a:t>По уровню автоматизации</a:t>
             </a:r>
-            <a:endParaRPr lang="ru-BY" dirty="0"/>
-          </a:p>
-        </p:txBody>
-      </p:sp>
-      <p:sp>
-        <p:nvSpPr>
-          <p:cNvPr id="3" name="Объект 2">
-            <a:extLst>
-              <a:ext uri="{FF2B5EF4-FFF2-40B4-BE49-F238E27FC236}">
-                <a16:creationId xmlns:a16="http://schemas.microsoft.com/office/drawing/2014/main" id="{EBDF50EA-697D-4517-8BAB-1C8F750E67A5}"/>
-              </a:ext>
-            </a:extLst>
-          </p:cNvPr>
+            <a:endParaRPr lang="en-US" dirty="0"/>
+          </a:p>
+        </p:txBody>
+      </p:sp>
+      <p:sp>
+        <p:nvSpPr>
+          <p:cNvPr id="3" name="Объект 2"/>
           <p:cNvSpPr>
             <a:spLocks noGrp="1"/>
           </p:cNvSpPr>
@@ -8534,6 +7809,7 @@
               <a:rPr lang="ru-RU" dirty="0"/>
               <a:t>Выделяют:</a:t>
             </a:r>
+            <a:endParaRPr lang="ru-RU" dirty="0"/>
           </a:p>
           <a:p>
             <a:r>
@@ -8553,10 +7829,16 @@
                 <a:solidFill>
                   <a:srgbClr val="303030"/>
                 </a:solidFill>
-                <a:latin typeface="Times New Roman"/>
+                <a:latin typeface="Times New Roman" panose="02020603050405020304"/>
               </a:rPr>
               <a:t>тестирование, в котором тест-кейсы выполняются человеком вручную без использования средств автоматизации. </a:t>
             </a:r>
+            <a:endParaRPr lang="ru-RU" sz="2000" b="0" strike="noStrike" spc="-1" dirty="0">
+              <a:solidFill>
+                <a:srgbClr val="303030"/>
+              </a:solidFill>
+              <a:latin typeface="Times New Roman" panose="02020603050405020304"/>
+            </a:endParaRPr>
           </a:p>
           <a:p>
             <a:r>
@@ -8576,25 +7858,25 @@
                 <a:solidFill>
                   <a:srgbClr val="303030"/>
                 </a:solidFill>
-                <a:latin typeface="Times New Roman"/>
+                <a:latin typeface="Times New Roman" panose="02020603050405020304"/>
               </a:rPr>
               <a:t>набор техник, подходов и инструментальных средств, позволяющий исключить человека из выполнения некоторых задач в процессе тестирования. </a:t>
             </a:r>
-          </a:p>
-          <a:p>
-            <a:endParaRPr lang="ru-BY" dirty="0"/>
-          </a:p>
-        </p:txBody>
-      </p:sp>
-      <p:sp>
-        <p:nvSpPr>
-          <p:cNvPr id="4" name="Дата 3">
-            <a:extLst>
-              <a:ext uri="{FF2B5EF4-FFF2-40B4-BE49-F238E27FC236}">
-                <a16:creationId xmlns:a16="http://schemas.microsoft.com/office/drawing/2014/main" id="{FC05A194-857D-46C1-AFAD-E344B7552583}"/>
-              </a:ext>
-            </a:extLst>
-          </p:cNvPr>
+            <a:endParaRPr lang="ru-RU" sz="2000" b="0" strike="noStrike" spc="-1" dirty="0">
+              <a:solidFill>
+                <a:srgbClr val="303030"/>
+              </a:solidFill>
+              <a:latin typeface="Times New Roman" panose="02020603050405020304"/>
+            </a:endParaRPr>
+          </a:p>
+          <a:p>
+            <a:endParaRPr lang="en-US" dirty="0"/>
+          </a:p>
+        </p:txBody>
+      </p:sp>
+      <p:sp>
+        <p:nvSpPr>
+          <p:cNvPr id="4" name="Дата 3"/>
           <p:cNvSpPr>
             <a:spLocks noGrp="1"/>
           </p:cNvSpPr>
@@ -8610,18 +7892,12 @@
             <a:pPr rtl="0"/>
             <a:fld id="{BE289488-0C23-4DC8-A9FA-240659547385}" type="datetime1">
               <a:rPr lang="ru-RU" smtClean="0"/>
-              <a:t>05.05.2022</a:t>
             </a:fld>
             <a:endParaRPr lang="en-US" dirty="0"/>
           </a:p>
         </p:txBody>
       </p:sp>
     </p:spTree>
-    <p:extLst>
-      <p:ext uri="{BB962C8B-B14F-4D97-AF65-F5344CB8AC3E}">
-        <p14:creationId xmlns:p14="http://schemas.microsoft.com/office/powerpoint/2010/main" val="2134876260"/>
-      </p:ext>
-    </p:extLst>
   </p:cSld>
   <p:clrMapOvr>
     <a:masterClrMapping/>
@@ -8648,13 +7924,7 @@
       </p:grpSpPr>
       <p:sp>
         <p:nvSpPr>
-          <p:cNvPr id="2" name="Заголовок 1">
-            <a:extLst>
-              <a:ext uri="{FF2B5EF4-FFF2-40B4-BE49-F238E27FC236}">
-                <a16:creationId xmlns:a16="http://schemas.microsoft.com/office/drawing/2014/main" id="{3B5E6CF3-512A-4E4D-983C-60C161C02559}"/>
-              </a:ext>
-            </a:extLst>
-          </p:cNvPr>
+          <p:cNvPr id="2" name="Заголовок 1"/>
           <p:cNvSpPr>
             <a:spLocks noGrp="1"/>
           </p:cNvSpPr>
@@ -8686,19 +7956,13 @@
               <a:rPr lang="ru-RU" dirty="0"/>
               <a:t>9126-1)</a:t>
             </a:r>
-            <a:endParaRPr lang="ru-BY" dirty="0"/>
+            <a:endParaRPr lang="en-US" dirty="0"/>
           </a:p>
         </p:txBody>
       </p:sp>
       <p:pic>
         <p:nvPicPr>
-          <p:cNvPr id="6" name="Объект 5">
-            <a:extLst>
-              <a:ext uri="{FF2B5EF4-FFF2-40B4-BE49-F238E27FC236}">
-                <a16:creationId xmlns:a16="http://schemas.microsoft.com/office/drawing/2014/main" id="{8EEF61C8-F8F2-420F-8743-DF69E9F0D93C}"/>
-              </a:ext>
-            </a:extLst>
-          </p:cNvPr>
+          <p:cNvPr id="6" name="Объект 5"/>
           <p:cNvPicPr>
             <a:picLocks noGrp="1" noChangeAspect="1"/>
           </p:cNvPicPr>
@@ -8707,7 +7971,7 @@
           </p:nvPr>
         </p:nvPicPr>
         <p:blipFill>
-          <a:blip r:embed="rId2">
+          <a:blip r:embed="rId1">
             <a:extLst>
               <a:ext uri="{28A0092B-C50C-407E-A947-70E740481C1C}">
                 <a14:useLocalDpi xmlns:a14="http://schemas.microsoft.com/office/drawing/2010/main" val="0"/>
@@ -8727,13 +7991,7 @@
       </p:pic>
       <p:sp>
         <p:nvSpPr>
-          <p:cNvPr id="4" name="Дата 3">
-            <a:extLst>
-              <a:ext uri="{FF2B5EF4-FFF2-40B4-BE49-F238E27FC236}">
-                <a16:creationId xmlns:a16="http://schemas.microsoft.com/office/drawing/2014/main" id="{94265633-F93F-405D-86E8-039442793021}"/>
-              </a:ext>
-            </a:extLst>
-          </p:cNvPr>
+          <p:cNvPr id="4" name="Дата 3"/>
           <p:cNvSpPr>
             <a:spLocks noGrp="1"/>
           </p:cNvSpPr>
@@ -8749,18 +8007,12 @@
             <a:pPr rtl="0"/>
             <a:fld id="{BE289488-0C23-4DC8-A9FA-240659547385}" type="datetime1">
               <a:rPr lang="ru-RU" smtClean="0"/>
-              <a:t>05.05.2022</a:t>
             </a:fld>
             <a:endParaRPr lang="en-US" dirty="0"/>
           </a:p>
         </p:txBody>
       </p:sp>
     </p:spTree>
-    <p:extLst>
-      <p:ext uri="{BB962C8B-B14F-4D97-AF65-F5344CB8AC3E}">
-        <p14:creationId xmlns:p14="http://schemas.microsoft.com/office/powerpoint/2010/main" val="3974495204"/>
-      </p:ext>
-    </p:extLst>
   </p:cSld>
   <p:clrMapOvr>
     <a:masterClrMapping/>
@@ -8787,13 +8039,7 @@
       </p:grpSpPr>
       <p:sp>
         <p:nvSpPr>
-          <p:cNvPr id="2" name="Заголовок 1">
-            <a:extLst>
-              <a:ext uri="{FF2B5EF4-FFF2-40B4-BE49-F238E27FC236}">
-                <a16:creationId xmlns:a16="http://schemas.microsoft.com/office/drawing/2014/main" id="{70080B86-74C8-40D1-BCA8-F538B67E7300}"/>
-              </a:ext>
-            </a:extLst>
-          </p:cNvPr>
+          <p:cNvPr id="2" name="Заголовок 1"/>
           <p:cNvSpPr>
             <a:spLocks noGrp="1"/>
           </p:cNvSpPr>
@@ -8810,19 +8056,13 @@
               <a:rPr lang="ru-RU" dirty="0"/>
               <a:t>Пирамида тестирования</a:t>
             </a:r>
-            <a:endParaRPr lang="ru-BY" dirty="0"/>
+            <a:endParaRPr lang="en-US" dirty="0"/>
           </a:p>
         </p:txBody>
       </p:sp>
       <p:pic>
         <p:nvPicPr>
-          <p:cNvPr id="6" name="Объект 5">
-            <a:extLst>
-              <a:ext uri="{FF2B5EF4-FFF2-40B4-BE49-F238E27FC236}">
-                <a16:creationId xmlns:a16="http://schemas.microsoft.com/office/drawing/2014/main" id="{B4200EAB-1D3F-4C8F-BCA2-1932E4EDB5E2}"/>
-              </a:ext>
-            </a:extLst>
-          </p:cNvPr>
+          <p:cNvPr id="6" name="Объект 5"/>
           <p:cNvPicPr>
             <a:picLocks noGrp="1" noChangeAspect="1"/>
           </p:cNvPicPr>
@@ -8831,7 +8071,7 @@
           </p:nvPr>
         </p:nvPicPr>
         <p:blipFill>
-          <a:blip r:embed="rId2">
+          <a:blip r:embed="rId1">
             <a:extLst>
               <a:ext uri="{28A0092B-C50C-407E-A947-70E740481C1C}">
                 <a14:useLocalDpi xmlns:a14="http://schemas.microsoft.com/office/drawing/2010/main" val="0"/>
@@ -8851,13 +8091,7 @@
       </p:pic>
       <p:sp>
         <p:nvSpPr>
-          <p:cNvPr id="4" name="Дата 3">
-            <a:extLst>
-              <a:ext uri="{FF2B5EF4-FFF2-40B4-BE49-F238E27FC236}">
-                <a16:creationId xmlns:a16="http://schemas.microsoft.com/office/drawing/2014/main" id="{A49A7894-4225-4919-8D54-3CFCE04AC1D7}"/>
-              </a:ext>
-            </a:extLst>
-          </p:cNvPr>
+          <p:cNvPr id="4" name="Дата 3"/>
           <p:cNvSpPr>
             <a:spLocks noGrp="1"/>
           </p:cNvSpPr>
@@ -8873,18 +8107,12 @@
             <a:pPr rtl="0"/>
             <a:fld id="{BE289488-0C23-4DC8-A9FA-240659547385}" type="datetime1">
               <a:rPr lang="ru-RU" smtClean="0"/>
-              <a:t>05.05.2022</a:t>
             </a:fld>
             <a:endParaRPr lang="en-US" dirty="0"/>
           </a:p>
         </p:txBody>
       </p:sp>
     </p:spTree>
-    <p:extLst>
-      <p:ext uri="{BB962C8B-B14F-4D97-AF65-F5344CB8AC3E}">
-        <p14:creationId xmlns:p14="http://schemas.microsoft.com/office/powerpoint/2010/main" val="2750983778"/>
-      </p:ext>
-    </p:extLst>
   </p:cSld>
   <p:clrMapOvr>
     <a:masterClrMapping/>
@@ -8911,13 +8139,7 @@
       </p:grpSpPr>
       <p:sp>
         <p:nvSpPr>
-          <p:cNvPr id="2" name="Заголовок 1">
-            <a:extLst>
-              <a:ext uri="{FF2B5EF4-FFF2-40B4-BE49-F238E27FC236}">
-                <a16:creationId xmlns:a16="http://schemas.microsoft.com/office/drawing/2014/main" id="{7A99554E-2D45-4947-B416-FFBD78E2F75F}"/>
-              </a:ext>
-            </a:extLst>
-          </p:cNvPr>
+          <p:cNvPr id="2" name="Заголовок 1"/>
           <p:cNvSpPr>
             <a:spLocks noGrp="1"/>
           </p:cNvSpPr>
@@ -8934,19 +8156,13 @@
               <a:rPr lang="ru-RU" dirty="0"/>
               <a:t>Функциональное тестирование</a:t>
             </a:r>
-            <a:endParaRPr lang="ru-BY" dirty="0"/>
-          </a:p>
-        </p:txBody>
-      </p:sp>
-      <p:sp>
-        <p:nvSpPr>
-          <p:cNvPr id="3" name="Объект 2">
-            <a:extLst>
-              <a:ext uri="{FF2B5EF4-FFF2-40B4-BE49-F238E27FC236}">
-                <a16:creationId xmlns:a16="http://schemas.microsoft.com/office/drawing/2014/main" id="{5A5B3C09-9AC6-45BF-8F43-31362C90DFEC}"/>
-              </a:ext>
-            </a:extLst>
-          </p:cNvPr>
+            <a:endParaRPr lang="en-US" dirty="0"/>
+          </a:p>
+        </p:txBody>
+      </p:sp>
+      <p:sp>
+        <p:nvSpPr>
+          <p:cNvPr id="3" name="Объект 2"/>
           <p:cNvSpPr>
             <a:spLocks noGrp="1"/>
           </p:cNvSpPr>
@@ -8969,18 +8185,21 @@
               <a:rPr lang="ru-RU" b="1" u="sng" dirty="0"/>
               <a:t>«Что делает программа?»</a:t>
             </a:r>
+            <a:endParaRPr lang="ru-RU" b="1" u="sng" dirty="0"/>
           </a:p>
           <a:p>
             <a:r>
               <a:rPr lang="ru-RU" dirty="0"/>
               <a:t>Этот вид тестирования занимает 90% времени отведённого на тестирование. Функциональное тестирование предполагает проверку функциональных требований: логики и бизнес-правил приложения или системы. Полноценное системное/функциональное тестирование является самым трудоёмким процессом и может занимать до 80% всего бюджета проекта по тестированию. Тестирование функциональности может проводиться в двух аспектах:</a:t>
             </a:r>
+            <a:endParaRPr lang="ru-RU" dirty="0"/>
           </a:p>
           <a:p>
             <a:r>
               <a:rPr lang="ru-RU" dirty="0"/>
               <a:t>К основным видам функционального тестирования относят:</a:t>
             </a:r>
+            <a:endParaRPr lang="ru-RU" dirty="0"/>
           </a:p>
           <a:p>
             <a:pPr lvl="2">
@@ -8999,6 +8218,7 @@
               <a:rPr lang="en-US" sz="1800" dirty="0"/>
               <a:t>Functional testing)</a:t>
             </a:r>
+            <a:endParaRPr lang="en-US" sz="1800" dirty="0"/>
           </a:p>
           <a:p>
             <a:pPr lvl="2">
@@ -9017,6 +8237,7 @@
               <a:rPr lang="en-US" sz="1800" dirty="0"/>
               <a:t>Security and Access Control Testing)</a:t>
             </a:r>
+            <a:endParaRPr lang="en-US" sz="1800" dirty="0"/>
           </a:p>
           <a:p>
             <a:pPr lvl="2">
@@ -9035,19 +8256,13 @@
               <a:rPr lang="en-US" sz="1800" dirty="0"/>
               <a:t>Interoperability Testing)</a:t>
             </a:r>
-            <a:endParaRPr lang="ru-BY" sz="1800" dirty="0"/>
-          </a:p>
-        </p:txBody>
-      </p:sp>
-      <p:sp>
-        <p:nvSpPr>
-          <p:cNvPr id="4" name="Дата 3">
-            <a:extLst>
-              <a:ext uri="{FF2B5EF4-FFF2-40B4-BE49-F238E27FC236}">
-                <a16:creationId xmlns:a16="http://schemas.microsoft.com/office/drawing/2014/main" id="{09F3FA1B-BDC9-4F47-A098-C18D711E550D}"/>
-              </a:ext>
-            </a:extLst>
-          </p:cNvPr>
+            <a:endParaRPr lang="en-US" sz="1800" dirty="0"/>
+          </a:p>
+        </p:txBody>
+      </p:sp>
+      <p:sp>
+        <p:nvSpPr>
+          <p:cNvPr id="4" name="Дата 3"/>
           <p:cNvSpPr>
             <a:spLocks noGrp="1"/>
           </p:cNvSpPr>
@@ -9063,18 +8278,12 @@
             <a:pPr rtl="0"/>
             <a:fld id="{BE289488-0C23-4DC8-A9FA-240659547385}" type="datetime1">
               <a:rPr lang="ru-RU" smtClean="0"/>
-              <a:t>05.05.2022</a:t>
             </a:fld>
             <a:endParaRPr lang="en-US" dirty="0"/>
           </a:p>
         </p:txBody>
       </p:sp>
     </p:spTree>
-    <p:extLst>
-      <p:ext uri="{BB962C8B-B14F-4D97-AF65-F5344CB8AC3E}">
-        <p14:creationId xmlns:p14="http://schemas.microsoft.com/office/powerpoint/2010/main" val="2338136616"/>
-      </p:ext>
-    </p:extLst>
   </p:cSld>
   <p:clrMapOvr>
     <a:masterClrMapping/>
@@ -9101,13 +8310,7 @@
       </p:grpSpPr>
       <p:sp>
         <p:nvSpPr>
-          <p:cNvPr id="2" name="Заголовок 1">
-            <a:extLst>
-              <a:ext uri="{FF2B5EF4-FFF2-40B4-BE49-F238E27FC236}">
-                <a16:creationId xmlns:a16="http://schemas.microsoft.com/office/drawing/2014/main" id="{A10C80C0-6DC8-45FE-A231-C45E258ED3A5}"/>
-              </a:ext>
-            </a:extLst>
-          </p:cNvPr>
+          <p:cNvPr id="2" name="Заголовок 1"/>
           <p:cNvSpPr>
             <a:spLocks noGrp="1"/>
           </p:cNvSpPr>
@@ -9124,19 +8327,13 @@
               <a:rPr lang="ru-RU" dirty="0"/>
               <a:t>Нефункциональное тестирование</a:t>
             </a:r>
-            <a:endParaRPr lang="ru-BY" dirty="0"/>
-          </a:p>
-        </p:txBody>
-      </p:sp>
-      <p:sp>
-        <p:nvSpPr>
-          <p:cNvPr id="3" name="Объект 2">
-            <a:extLst>
-              <a:ext uri="{FF2B5EF4-FFF2-40B4-BE49-F238E27FC236}">
-                <a16:creationId xmlns:a16="http://schemas.microsoft.com/office/drawing/2014/main" id="{65C3302F-0E31-49A7-A32B-F8715B9078F6}"/>
-              </a:ext>
-            </a:extLst>
-          </p:cNvPr>
+            <a:endParaRPr lang="en-US" dirty="0"/>
+          </a:p>
+        </p:txBody>
+      </p:sp>
+      <p:sp>
+        <p:nvSpPr>
+          <p:cNvPr id="3" name="Объект 2"/>
           <p:cNvSpPr>
             <a:spLocks noGrp="1"/>
           </p:cNvSpPr>
@@ -9228,154 +8425,6 @@
                 <a:latin typeface="Roboto" panose="02000000000000000000" pitchFamily="2" charset="0"/>
               </a:rPr>
               <a:t>Проверка работоспособности системы под нагрузкой. </a:t>
-            </a:r>
-          </a:p>
-          <a:p>
-            <a:pPr marL="457200" indent="-457200" algn="just">
-              <a:buFont typeface="+mj-lt"/>
-              <a:buAutoNum type="arabicPeriod"/>
-            </a:pPr>
-            <a:r>
-              <a:rPr lang="ru-RU" b="1" i="0" dirty="0">
-                <a:solidFill>
-                  <a:srgbClr val="000000"/>
-                </a:solidFill>
-                <a:effectLst/>
-                <a:latin typeface="Roboto" panose="02000000000000000000" pitchFamily="2" charset="0"/>
-              </a:rPr>
-              <a:t>Юзабилити-тестирование (</a:t>
-            </a:r>
-            <a:r>
-              <a:rPr lang="ru-RU" b="1" i="0" dirty="0" err="1">
-                <a:solidFill>
-                  <a:srgbClr val="000000"/>
-                </a:solidFill>
-                <a:effectLst/>
-                <a:latin typeface="Roboto" panose="02000000000000000000" pitchFamily="2" charset="0"/>
-              </a:rPr>
-              <a:t>usability</a:t>
-            </a:r>
-            <a:r>
-              <a:rPr lang="ru-RU" b="1" i="0" dirty="0">
-                <a:solidFill>
-                  <a:srgbClr val="000000"/>
-                </a:solidFill>
-                <a:effectLst/>
-                <a:latin typeface="Roboto" panose="02000000000000000000" pitchFamily="2" charset="0"/>
-              </a:rPr>
-              <a:t> </a:t>
-            </a:r>
-            <a:r>
-              <a:rPr lang="ru-RU" b="1" i="0" dirty="0" err="1">
-                <a:solidFill>
-                  <a:srgbClr val="000000"/>
-                </a:solidFill>
-                <a:effectLst/>
-                <a:latin typeface="Roboto" panose="02000000000000000000" pitchFamily="2" charset="0"/>
-              </a:rPr>
-              <a:t>testing</a:t>
-            </a:r>
-            <a:r>
-              <a:rPr lang="ru-RU" b="1" i="0" dirty="0">
-                <a:solidFill>
-                  <a:srgbClr val="000000"/>
-                </a:solidFill>
-                <a:effectLst/>
-                <a:latin typeface="Roboto" panose="02000000000000000000" pitchFamily="2" charset="0"/>
-              </a:rPr>
-              <a:t>). </a:t>
-            </a:r>
-            <a:r>
-              <a:rPr lang="ru-RU" b="0" i="0" dirty="0">
-                <a:solidFill>
-                  <a:srgbClr val="000000"/>
-                </a:solidFill>
-                <a:effectLst/>
-                <a:latin typeface="Roboto" panose="02000000000000000000" pitchFamily="2" charset="0"/>
-              </a:rPr>
-              <a:t>Цель в определении степени удобства и практичности пользовательского интерфейса;</a:t>
-            </a:r>
-          </a:p>
-          <a:p>
-            <a:pPr marL="457200" indent="-457200" algn="just">
-              <a:buFont typeface="+mj-lt"/>
-              <a:buAutoNum type="arabicPeriod"/>
-            </a:pPr>
-            <a:r>
-              <a:rPr lang="ru-RU" b="1" i="0" dirty="0">
-                <a:solidFill>
-                  <a:srgbClr val="000000"/>
-                </a:solidFill>
-                <a:effectLst/>
-                <a:latin typeface="Roboto" panose="02000000000000000000" pitchFamily="2" charset="0"/>
-              </a:rPr>
-              <a:t>Тестирование безопасности (</a:t>
-            </a:r>
-            <a:r>
-              <a:rPr lang="ru-RU" b="1" i="0" dirty="0" err="1">
-                <a:solidFill>
-                  <a:srgbClr val="000000"/>
-                </a:solidFill>
-                <a:effectLst/>
-                <a:latin typeface="Roboto" panose="02000000000000000000" pitchFamily="2" charset="0"/>
-              </a:rPr>
-              <a:t>security</a:t>
-            </a:r>
-            <a:r>
-              <a:rPr lang="ru-RU" b="1" i="0" dirty="0">
-                <a:solidFill>
-                  <a:srgbClr val="000000"/>
-                </a:solidFill>
-                <a:effectLst/>
-                <a:latin typeface="Roboto" panose="02000000000000000000" pitchFamily="2" charset="0"/>
-              </a:rPr>
-              <a:t> </a:t>
-            </a:r>
-            <a:r>
-              <a:rPr lang="ru-RU" b="1" i="0" dirty="0" err="1">
-                <a:solidFill>
-                  <a:srgbClr val="000000"/>
-                </a:solidFill>
-                <a:effectLst/>
-                <a:latin typeface="Roboto" panose="02000000000000000000" pitchFamily="2" charset="0"/>
-              </a:rPr>
-              <a:t>testing</a:t>
-            </a:r>
-            <a:r>
-              <a:rPr lang="ru-RU" b="1" i="0" dirty="0">
-                <a:solidFill>
-                  <a:srgbClr val="000000"/>
-                </a:solidFill>
-                <a:effectLst/>
-                <a:latin typeface="Roboto" panose="02000000000000000000" pitchFamily="2" charset="0"/>
-              </a:rPr>
-              <a:t>).</a:t>
-            </a:r>
-            <a:r>
-              <a:rPr lang="ru-RU" b="0" i="0" dirty="0">
-                <a:solidFill>
-                  <a:srgbClr val="000000"/>
-                </a:solidFill>
-                <a:effectLst/>
-                <a:latin typeface="Roboto" panose="02000000000000000000" pitchFamily="2" charset="0"/>
-              </a:rPr>
-              <a:t> Проверка надежности системы от возможных рисков и угроз </a:t>
-            </a:r>
-          </a:p>
-          <a:p>
-            <a:pPr marL="457200" indent="-457200" algn="just">
-              <a:buFont typeface="+mj-lt"/>
-              <a:buAutoNum type="arabicPeriod"/>
-            </a:pPr>
-            <a:r>
-              <a:rPr lang="ru-RU" b="1" i="0" dirty="0">
-                <a:solidFill>
-                  <a:srgbClr val="000000"/>
-                </a:solidFill>
-                <a:effectLst/>
-                <a:latin typeface="Roboto" panose="02000000000000000000" pitchFamily="2" charset="0"/>
-              </a:rPr>
-              <a:t>Тестирование графического интерфейса пользователя (GUI);</a:t>
             </a:r>
             <a:endParaRPr lang="ru-RU" b="0" i="0" dirty="0">
               <a:solidFill>
@@ -9398,7 +8447,7 @@
                 <a:effectLst/>
                 <a:latin typeface="Roboto" panose="02000000000000000000" pitchFamily="2" charset="0"/>
               </a:rPr>
-              <a:t>Тестирование локализации (</a:t>
+              <a:t>Юзабилити-тестирование (</a:t>
             </a:r>
             <a:r>
               <a:rPr lang="ru-RU" b="1" i="0" dirty="0" err="1">
@@ -9408,7 +8457,7 @@
                 <a:effectLst/>
                 <a:latin typeface="Roboto" panose="02000000000000000000" pitchFamily="2" charset="0"/>
               </a:rPr>
-              <a:t>localization</a:t>
+              <a:t>usability</a:t>
             </a:r>
             <a:r>
               <a:rPr lang="ru-RU" b="1" i="0" dirty="0">
@@ -9448,83 +8497,7 @@
                 <a:effectLst/>
                 <a:latin typeface="Roboto" panose="02000000000000000000" pitchFamily="2" charset="0"/>
               </a:rPr>
-              <a:t>Корректность работы отдельных компонентов системы в </a:t>
-            </a:r>
-            <a:r>
-              <a:rPr lang="ru-RU" b="0" i="0" dirty="0" err="1">
-                <a:solidFill>
-                  <a:srgbClr val="000000"/>
-                </a:solidFill>
-                <a:effectLst/>
-                <a:latin typeface="Roboto" panose="02000000000000000000" pitchFamily="2" charset="0"/>
-              </a:rPr>
-              <a:t>конктесте</a:t>
-            </a:r>
-            <a:r>
-              <a:rPr lang="ru-RU" b="0" i="0" dirty="0">
-                <a:solidFill>
-                  <a:srgbClr val="000000"/>
-                </a:solidFill>
-                <a:effectLst/>
-                <a:latin typeface="Roboto" panose="02000000000000000000" pitchFamily="2" charset="0"/>
-              </a:rPr>
-              <a:t> другой локали</a:t>
-            </a:r>
-          </a:p>
-          <a:p>
-            <a:pPr marL="457200" indent="-457200" algn="just">
-              <a:buFont typeface="+mj-lt"/>
-              <a:buAutoNum type="arabicPeriod"/>
-            </a:pPr>
-            <a:r>
-              <a:rPr lang="ru-RU" b="1" i="0" dirty="0">
-                <a:solidFill>
-                  <a:srgbClr val="000000"/>
-                </a:solidFill>
-                <a:effectLst/>
-                <a:latin typeface="Roboto" panose="02000000000000000000" pitchFamily="2" charset="0"/>
-              </a:rPr>
-              <a:t>Тестирование интернационализации (</a:t>
-            </a:r>
-            <a:r>
-              <a:rPr lang="ru-RU" b="1" i="0" dirty="0" err="1">
-                <a:solidFill>
-                  <a:srgbClr val="000000"/>
-                </a:solidFill>
-                <a:effectLst/>
-                <a:latin typeface="Roboto" panose="02000000000000000000" pitchFamily="2" charset="0"/>
-              </a:rPr>
-              <a:t>internationalization</a:t>
-            </a:r>
-            <a:r>
-              <a:rPr lang="ru-RU" b="1" i="0" dirty="0">
-                <a:solidFill>
-                  <a:srgbClr val="000000"/>
-                </a:solidFill>
-                <a:effectLst/>
-                <a:latin typeface="Roboto" panose="02000000000000000000" pitchFamily="2" charset="0"/>
-              </a:rPr>
-              <a:t>).</a:t>
-            </a:r>
-            <a:r>
-              <a:rPr lang="ru-RU" b="0" i="0" dirty="0">
-                <a:solidFill>
-                  <a:srgbClr val="000000"/>
-                </a:solidFill>
-                <a:effectLst/>
-                <a:latin typeface="Roboto" panose="02000000000000000000" pitchFamily="2" charset="0"/>
-              </a:rPr>
-              <a:t> Подготовка системы к переходу на другую </a:t>
-            </a:r>
-            <a:r>
-              <a:rPr lang="ru-RU" b="0" i="0" dirty="0" err="1">
-                <a:solidFill>
-                  <a:srgbClr val="000000"/>
-                </a:solidFill>
-                <a:effectLst/>
-                <a:latin typeface="Roboto" panose="02000000000000000000" pitchFamily="2" charset="0"/>
-              </a:rPr>
-              <a:t>локаль</a:t>
+              <a:t>Цель в определении степени удобства и практичности пользовательского интерфейса;</a:t>
             </a:r>
             <a:endParaRPr lang="ru-RU" b="0" i="0" dirty="0">
               <a:solidFill>
@@ -9547,6 +8520,258 @@
                 <a:effectLst/>
                 <a:latin typeface="Roboto" panose="02000000000000000000" pitchFamily="2" charset="0"/>
               </a:rPr>
+              <a:t>Тестирование безопасности (</a:t>
+            </a:r>
+            <a:r>
+              <a:rPr lang="ru-RU" b="1" i="0" dirty="0" err="1">
+                <a:solidFill>
+                  <a:srgbClr val="000000"/>
+                </a:solidFill>
+                <a:effectLst/>
+                <a:latin typeface="Roboto" panose="02000000000000000000" pitchFamily="2" charset="0"/>
+              </a:rPr>
+              <a:t>security</a:t>
+            </a:r>
+            <a:r>
+              <a:rPr lang="ru-RU" b="1" i="0" dirty="0">
+                <a:solidFill>
+                  <a:srgbClr val="000000"/>
+                </a:solidFill>
+                <a:effectLst/>
+                <a:latin typeface="Roboto" panose="02000000000000000000" pitchFamily="2" charset="0"/>
+              </a:rPr>
+              <a:t> </a:t>
+            </a:r>
+            <a:r>
+              <a:rPr lang="ru-RU" b="1" i="0" dirty="0" err="1">
+                <a:solidFill>
+                  <a:srgbClr val="000000"/>
+                </a:solidFill>
+                <a:effectLst/>
+                <a:latin typeface="Roboto" panose="02000000000000000000" pitchFamily="2" charset="0"/>
+              </a:rPr>
+              <a:t>testing</a:t>
+            </a:r>
+            <a:r>
+              <a:rPr lang="ru-RU" b="1" i="0" dirty="0">
+                <a:solidFill>
+                  <a:srgbClr val="000000"/>
+                </a:solidFill>
+                <a:effectLst/>
+                <a:latin typeface="Roboto" panose="02000000000000000000" pitchFamily="2" charset="0"/>
+              </a:rPr>
+              <a:t>).</a:t>
+            </a:r>
+            <a:r>
+              <a:rPr lang="ru-RU" b="0" i="0" dirty="0">
+                <a:solidFill>
+                  <a:srgbClr val="000000"/>
+                </a:solidFill>
+                <a:effectLst/>
+                <a:latin typeface="Roboto" panose="02000000000000000000" pitchFamily="2" charset="0"/>
+              </a:rPr>
+              <a:t> Проверка надежности системы от возможных рисков и угроз </a:t>
+            </a:r>
+            <a:endParaRPr lang="ru-RU" b="0" i="0" dirty="0">
+              <a:solidFill>
+                <a:srgbClr val="000000"/>
+              </a:solidFill>
+              <a:effectLst/>
+              <a:latin typeface="Roboto" panose="02000000000000000000" pitchFamily="2" charset="0"/>
+            </a:endParaRPr>
+          </a:p>
+          <a:p>
+            <a:pPr marL="457200" indent="-457200" algn="just">
+              <a:buFont typeface="+mj-lt"/>
+              <a:buAutoNum type="arabicPeriod"/>
+            </a:pPr>
+            <a:r>
+              <a:rPr lang="ru-RU" b="1" i="0" dirty="0">
+                <a:solidFill>
+                  <a:srgbClr val="000000"/>
+                </a:solidFill>
+                <a:effectLst/>
+                <a:latin typeface="Roboto" panose="02000000000000000000" pitchFamily="2" charset="0"/>
+              </a:rPr>
+              <a:t>Тестирование графического интерфейса пользователя (GUI);</a:t>
+            </a:r>
+            <a:endParaRPr lang="ru-RU" b="0" i="0" dirty="0">
+              <a:solidFill>
+                <a:srgbClr val="000000"/>
+              </a:solidFill>
+              <a:effectLst/>
+              <a:latin typeface="Roboto" panose="02000000000000000000" pitchFamily="2" charset="0"/>
+            </a:endParaRPr>
+          </a:p>
+          <a:p>
+            <a:pPr marL="457200" indent="-457200" algn="just">
+              <a:buFont typeface="+mj-lt"/>
+              <a:buAutoNum type="arabicPeriod"/>
+            </a:pPr>
+            <a:r>
+              <a:rPr lang="ru-RU" b="1" i="0" dirty="0">
+                <a:solidFill>
+                  <a:srgbClr val="000000"/>
+                </a:solidFill>
+                <a:effectLst/>
+                <a:latin typeface="Roboto" panose="02000000000000000000" pitchFamily="2" charset="0"/>
+              </a:rPr>
+              <a:t>Тестирование локализации (</a:t>
+            </a:r>
+            <a:r>
+              <a:rPr lang="ru-RU" b="1" i="0" dirty="0" err="1">
+                <a:solidFill>
+                  <a:srgbClr val="000000"/>
+                </a:solidFill>
+                <a:effectLst/>
+                <a:latin typeface="Roboto" panose="02000000000000000000" pitchFamily="2" charset="0"/>
+              </a:rPr>
+              <a:t>localization</a:t>
+            </a:r>
+            <a:r>
+              <a:rPr lang="ru-RU" b="1" i="0" dirty="0">
+                <a:solidFill>
+                  <a:srgbClr val="000000"/>
+                </a:solidFill>
+                <a:effectLst/>
+                <a:latin typeface="Roboto" panose="02000000000000000000" pitchFamily="2" charset="0"/>
+              </a:rPr>
+              <a:t> </a:t>
+            </a:r>
+            <a:r>
+              <a:rPr lang="ru-RU" b="1" i="0" dirty="0" err="1">
+                <a:solidFill>
+                  <a:srgbClr val="000000"/>
+                </a:solidFill>
+                <a:effectLst/>
+                <a:latin typeface="Roboto" panose="02000000000000000000" pitchFamily="2" charset="0"/>
+              </a:rPr>
+              <a:t>testing</a:t>
+            </a:r>
+            <a:r>
+              <a:rPr lang="ru-RU" b="1" i="0" dirty="0">
+                <a:solidFill>
+                  <a:srgbClr val="000000"/>
+                </a:solidFill>
+                <a:effectLst/>
+                <a:latin typeface="Roboto" panose="02000000000000000000" pitchFamily="2" charset="0"/>
+              </a:rPr>
+              <a:t>). </a:t>
+            </a:r>
+            <a:r>
+              <a:rPr lang="ru-RU" b="0" i="0" dirty="0">
+                <a:solidFill>
+                  <a:srgbClr val="000000"/>
+                </a:solidFill>
+                <a:effectLst/>
+                <a:latin typeface="Roboto" panose="02000000000000000000" pitchFamily="2" charset="0"/>
+              </a:rPr>
+              <a:t>Корректность работы отдельных компонентов системы в </a:t>
+            </a:r>
+            <a:r>
+              <a:rPr lang="ru-RU" b="0" i="0" dirty="0" err="1">
+                <a:solidFill>
+                  <a:srgbClr val="000000"/>
+                </a:solidFill>
+                <a:effectLst/>
+                <a:latin typeface="Roboto" panose="02000000000000000000" pitchFamily="2" charset="0"/>
+              </a:rPr>
+              <a:t>конктесте</a:t>
+            </a:r>
+            <a:r>
+              <a:rPr lang="ru-RU" b="0" i="0" dirty="0">
+                <a:solidFill>
+                  <a:srgbClr val="000000"/>
+                </a:solidFill>
+                <a:effectLst/>
+                <a:latin typeface="Roboto" panose="02000000000000000000" pitchFamily="2" charset="0"/>
+              </a:rPr>
+              <a:t> другой локали</a:t>
+            </a:r>
+            <a:endParaRPr lang="ru-RU" b="0" i="0" dirty="0">
+              <a:solidFill>
+                <a:srgbClr val="000000"/>
+              </a:solidFill>
+              <a:effectLst/>
+              <a:latin typeface="Roboto" panose="02000000000000000000" pitchFamily="2" charset="0"/>
+            </a:endParaRPr>
+          </a:p>
+          <a:p>
+            <a:pPr marL="457200" indent="-457200" algn="just">
+              <a:buFont typeface="+mj-lt"/>
+              <a:buAutoNum type="arabicPeriod"/>
+            </a:pPr>
+            <a:r>
+              <a:rPr lang="ru-RU" b="1" i="0" dirty="0">
+                <a:solidFill>
+                  <a:srgbClr val="000000"/>
+                </a:solidFill>
+                <a:effectLst/>
+                <a:latin typeface="Roboto" panose="02000000000000000000" pitchFamily="2" charset="0"/>
+              </a:rPr>
+              <a:t>Тестирование интернационализации (</a:t>
+            </a:r>
+            <a:r>
+              <a:rPr lang="ru-RU" b="1" i="0" dirty="0" err="1">
+                <a:solidFill>
+                  <a:srgbClr val="000000"/>
+                </a:solidFill>
+                <a:effectLst/>
+                <a:latin typeface="Roboto" panose="02000000000000000000" pitchFamily="2" charset="0"/>
+              </a:rPr>
+              <a:t>internationalization</a:t>
+            </a:r>
+            <a:r>
+              <a:rPr lang="ru-RU" b="1" i="0" dirty="0">
+                <a:solidFill>
+                  <a:srgbClr val="000000"/>
+                </a:solidFill>
+                <a:effectLst/>
+                <a:latin typeface="Roboto" panose="02000000000000000000" pitchFamily="2" charset="0"/>
+              </a:rPr>
+              <a:t>).</a:t>
+            </a:r>
+            <a:r>
+              <a:rPr lang="ru-RU" b="0" i="0" dirty="0">
+                <a:solidFill>
+                  <a:srgbClr val="000000"/>
+                </a:solidFill>
+                <a:effectLst/>
+                <a:latin typeface="Roboto" panose="02000000000000000000" pitchFamily="2" charset="0"/>
+              </a:rPr>
+              <a:t> Подготовка системы к переходу на другую </a:t>
+            </a:r>
+            <a:r>
+              <a:rPr lang="ru-RU" b="0" i="0" dirty="0" err="1">
+                <a:solidFill>
+                  <a:srgbClr val="000000"/>
+                </a:solidFill>
+                <a:effectLst/>
+                <a:latin typeface="Roboto" panose="02000000000000000000" pitchFamily="2" charset="0"/>
+              </a:rPr>
+              <a:t>локаль</a:t>
+            </a:r>
+            <a:endParaRPr lang="ru-RU" b="0" i="0" dirty="0">
+              <a:solidFill>
+                <a:srgbClr val="000000"/>
+              </a:solidFill>
+              <a:effectLst/>
+              <a:latin typeface="Roboto" panose="02000000000000000000" pitchFamily="2" charset="0"/>
+            </a:endParaRPr>
+          </a:p>
+          <a:p>
+            <a:pPr marL="457200" indent="-457200" algn="just">
+              <a:buFont typeface="+mj-lt"/>
+              <a:buAutoNum type="arabicPeriod"/>
+            </a:pPr>
+            <a:r>
+              <a:rPr lang="ru-RU" b="1" i="0" dirty="0">
+                <a:solidFill>
+                  <a:srgbClr val="000000"/>
+                </a:solidFill>
+                <a:effectLst/>
+                <a:latin typeface="Roboto" panose="02000000000000000000" pitchFamily="2" charset="0"/>
+              </a:rPr>
               <a:t>Тестирование совместимости (</a:t>
             </a:r>
             <a:r>
@@ -9599,24 +8824,25 @@
               </a:rPr>
               <a:t> Проверка возможности приложения взаимодействовать с различными программными продуктами, операционными системами и окружением.</a:t>
             </a:r>
+            <a:endParaRPr lang="ru-RU" b="0" i="0" dirty="0">
+              <a:solidFill>
+                <a:srgbClr val="000000"/>
+              </a:solidFill>
+              <a:effectLst/>
+              <a:latin typeface="Roboto" panose="02000000000000000000" pitchFamily="2" charset="0"/>
+            </a:endParaRPr>
           </a:p>
           <a:p>
             <a:endParaRPr lang="ru-RU" dirty="0"/>
           </a:p>
           <a:p>
-            <a:endParaRPr lang="ru-BY" b="1" dirty="0"/>
-          </a:p>
-        </p:txBody>
-      </p:sp>
-      <p:sp>
-        <p:nvSpPr>
-          <p:cNvPr id="4" name="Дата 3">
-            <a:extLst>
-              <a:ext uri="{FF2B5EF4-FFF2-40B4-BE49-F238E27FC236}">
-                <a16:creationId xmlns:a16="http://schemas.microsoft.com/office/drawing/2014/main" id="{59841B4D-CADE-49F5-95C6-ABE75C44C203}"/>
-              </a:ext>
-            </a:extLst>
-          </p:cNvPr>
+            <a:endParaRPr lang="en-US" b="1" dirty="0"/>
+          </a:p>
+        </p:txBody>
+      </p:sp>
+      <p:sp>
+        <p:nvSpPr>
+          <p:cNvPr id="4" name="Дата 3"/>
           <p:cNvSpPr>
             <a:spLocks noGrp="1"/>
           </p:cNvSpPr>
@@ -9632,18 +8858,12 @@
             <a:pPr rtl="0"/>
             <a:fld id="{BE289488-0C23-4DC8-A9FA-240659547385}" type="datetime1">
               <a:rPr lang="ru-RU" smtClean="0"/>
-              <a:t>05.05.2022</a:t>
             </a:fld>
             <a:endParaRPr lang="en-US" dirty="0"/>
           </a:p>
         </p:txBody>
       </p:sp>
     </p:spTree>
-    <p:extLst>
-      <p:ext uri="{BB962C8B-B14F-4D97-AF65-F5344CB8AC3E}">
-        <p14:creationId xmlns:p14="http://schemas.microsoft.com/office/powerpoint/2010/main" val="3246515557"/>
-      </p:ext>
-    </p:extLst>
   </p:cSld>
   <p:clrMapOvr>
     <a:masterClrMapping/>
@@ -9670,13 +8890,7 @@
       </p:grpSpPr>
       <p:sp>
         <p:nvSpPr>
-          <p:cNvPr id="2" name="Заголовок 1">
-            <a:extLst>
-              <a:ext uri="{FF2B5EF4-FFF2-40B4-BE49-F238E27FC236}">
-                <a16:creationId xmlns:a16="http://schemas.microsoft.com/office/drawing/2014/main" id="{17B49CC5-43CA-47BA-ACCD-6CE131B1ED83}"/>
-              </a:ext>
-            </a:extLst>
-          </p:cNvPr>
+          <p:cNvPr id="2" name="Заголовок 1"/>
           <p:cNvSpPr>
             <a:spLocks noGrp="1"/>
           </p:cNvSpPr>
@@ -9693,19 +8907,13 @@
               <a:rPr lang="ru-RU" dirty="0"/>
               <a:t>Классификация</a:t>
             </a:r>
-            <a:endParaRPr lang="ru-BY" dirty="0"/>
-          </a:p>
-        </p:txBody>
-      </p:sp>
-      <p:sp>
-        <p:nvSpPr>
-          <p:cNvPr id="4" name="Дата 3">
-            <a:extLst>
-              <a:ext uri="{FF2B5EF4-FFF2-40B4-BE49-F238E27FC236}">
-                <a16:creationId xmlns:a16="http://schemas.microsoft.com/office/drawing/2014/main" id="{B850C33F-6705-48EE-94FD-313746DA74A5}"/>
-              </a:ext>
-            </a:extLst>
-          </p:cNvPr>
+            <a:endParaRPr lang="en-US" dirty="0"/>
+          </a:p>
+        </p:txBody>
+      </p:sp>
+      <p:sp>
+        <p:nvSpPr>
+          <p:cNvPr id="4" name="Дата 3"/>
           <p:cNvSpPr>
             <a:spLocks noGrp="1"/>
           </p:cNvSpPr>
@@ -9721,7 +8929,6 @@
             <a:pPr rtl="0"/>
             <a:fld id="{BE289488-0C23-4DC8-A9FA-240659547385}" type="datetime1">
               <a:rPr lang="ru-RU" smtClean="0"/>
-              <a:t>05.05.2022</a:t>
             </a:fld>
             <a:endParaRPr lang="en-US" dirty="0"/>
           </a:p>
@@ -9729,13 +8936,7 @@
       </p:sp>
       <p:pic>
         <p:nvPicPr>
-          <p:cNvPr id="5" name="Picture 3">
-            <a:extLst>
-              <a:ext uri="{FF2B5EF4-FFF2-40B4-BE49-F238E27FC236}">
-                <a16:creationId xmlns:a16="http://schemas.microsoft.com/office/drawing/2014/main" id="{4CF4E565-20B1-421C-BBD0-DA41C61F8946}"/>
-              </a:ext>
-            </a:extLst>
-          </p:cNvPr>
+          <p:cNvPr id="5" name="Picture 3"/>
           <p:cNvPicPr>
             <a:picLocks noGrp="1"/>
           </p:cNvPicPr>
@@ -9744,8 +8945,10 @@
           </p:nvPr>
         </p:nvPicPr>
         <p:blipFill>
-          <a:blip r:embed="rId2"/>
-          <a:stretch/>
+          <a:blip r:embed="rId1"/>
+          <a:stretch>
+            <a:fillRect/>
+          </a:stretch>
         </p:blipFill>
         <p:spPr>
           <a:xfrm>
@@ -9761,11 +8964,6 @@
         </p:spPr>
       </p:pic>
     </p:spTree>
-    <p:extLst>
-      <p:ext uri="{BB962C8B-B14F-4D97-AF65-F5344CB8AC3E}">
-        <p14:creationId xmlns:p14="http://schemas.microsoft.com/office/powerpoint/2010/main" val="253565293"/>
-      </p:ext>
-    </p:extLst>
   </p:cSld>
   <p:clrMapOvr>
     <a:masterClrMapping/>
@@ -9792,13 +8990,7 @@
       </p:grpSpPr>
       <p:sp>
         <p:nvSpPr>
-          <p:cNvPr id="2" name="Заголовок 1">
-            <a:extLst>
-              <a:ext uri="{FF2B5EF4-FFF2-40B4-BE49-F238E27FC236}">
-                <a16:creationId xmlns:a16="http://schemas.microsoft.com/office/drawing/2014/main" id="{96C860FC-EEF2-456F-BEDE-289E093AD8CF}"/>
-              </a:ext>
-            </a:extLst>
-          </p:cNvPr>
+          <p:cNvPr id="2" name="Заголовок 1"/>
           <p:cNvSpPr>
             <a:spLocks noGrp="1"/>
           </p:cNvSpPr>
@@ -9815,19 +9007,13 @@
               <a:rPr lang="ru-RU" dirty="0"/>
               <a:t>По запуску кода на исполнение</a:t>
             </a:r>
-            <a:endParaRPr lang="ru-BY" dirty="0"/>
-          </a:p>
-        </p:txBody>
-      </p:sp>
-      <p:sp>
-        <p:nvSpPr>
-          <p:cNvPr id="3" name="Объект 2">
-            <a:extLst>
-              <a:ext uri="{FF2B5EF4-FFF2-40B4-BE49-F238E27FC236}">
-                <a16:creationId xmlns:a16="http://schemas.microsoft.com/office/drawing/2014/main" id="{3128B4CC-6A6B-4985-9A5C-1322EBB1386F}"/>
-              </a:ext>
-            </a:extLst>
-          </p:cNvPr>
+            <a:endParaRPr lang="en-US" dirty="0"/>
+          </a:p>
+        </p:txBody>
+      </p:sp>
+      <p:sp>
+        <p:nvSpPr>
+          <p:cNvPr id="3" name="Объект 2"/>
           <p:cNvSpPr>
             <a:spLocks noGrp="1"/>
           </p:cNvSpPr>
@@ -9844,6 +9030,7 @@
               <a:rPr lang="ru-RU" sz="3200" dirty="0"/>
               <a:t>Выделяют:</a:t>
             </a:r>
+            <a:endParaRPr lang="ru-RU" sz="3200" dirty="0"/>
           </a:p>
           <a:p>
             <a:pPr>
@@ -9863,7 +9050,7 @@
                 <a:solidFill>
                   <a:srgbClr val="303030"/>
                 </a:solidFill>
-                <a:latin typeface="Times New Roman"/>
+                <a:latin typeface="Times New Roman" panose="02020603050405020304"/>
               </a:rPr>
               <a:t>без запуска кода на исполнение.</a:t>
             </a:r>
@@ -9891,23 +9078,17 @@
                 <a:solidFill>
                   <a:srgbClr val="303030"/>
                 </a:solidFill>
-                <a:latin typeface="Times New Roman"/>
+                <a:latin typeface="Times New Roman" panose="02020603050405020304"/>
               </a:rPr>
               <a:t>тестирование с запуском кода на исполнение. Основная идея этого вида тестирования состоит в том, что проверяется реальное поведение (части) приложения. </a:t>
             </a:r>
-            <a:endParaRPr lang="ru-BY" sz="2800" dirty="0"/>
-          </a:p>
-        </p:txBody>
-      </p:sp>
-      <p:sp>
-        <p:nvSpPr>
-          <p:cNvPr id="4" name="Дата 3">
-            <a:extLst>
-              <a:ext uri="{FF2B5EF4-FFF2-40B4-BE49-F238E27FC236}">
-                <a16:creationId xmlns:a16="http://schemas.microsoft.com/office/drawing/2014/main" id="{C58FCAA1-9AE1-4982-AEE9-CDD8263DC37D}"/>
-              </a:ext>
-            </a:extLst>
-          </p:cNvPr>
+            <a:endParaRPr lang="en-US" sz="2800" dirty="0"/>
+          </a:p>
+        </p:txBody>
+      </p:sp>
+      <p:sp>
+        <p:nvSpPr>
+          <p:cNvPr id="4" name="Дата 3"/>
           <p:cNvSpPr>
             <a:spLocks noGrp="1"/>
           </p:cNvSpPr>
@@ -9923,18 +9104,12 @@
             <a:pPr rtl="0"/>
             <a:fld id="{BE289488-0C23-4DC8-A9FA-240659547385}" type="datetime1">
               <a:rPr lang="ru-RU" smtClean="0"/>
-              <a:t>05.05.2022</a:t>
             </a:fld>
             <a:endParaRPr lang="en-US" dirty="0"/>
           </a:p>
         </p:txBody>
       </p:sp>
     </p:spTree>
-    <p:extLst>
-      <p:ext uri="{BB962C8B-B14F-4D97-AF65-F5344CB8AC3E}">
-        <p14:creationId xmlns:p14="http://schemas.microsoft.com/office/powerpoint/2010/main" val="1875886088"/>
-      </p:ext>
-    </p:extLst>
   </p:cSld>
   <p:clrMapOvr>
     <a:masterClrMapping/>
@@ -9961,13 +9136,7 @@
       </p:grpSpPr>
       <p:sp>
         <p:nvSpPr>
-          <p:cNvPr id="2" name="Заголовок 1">
-            <a:extLst>
-              <a:ext uri="{FF2B5EF4-FFF2-40B4-BE49-F238E27FC236}">
-                <a16:creationId xmlns:a16="http://schemas.microsoft.com/office/drawing/2014/main" id="{3CA33966-4D19-42E1-8021-D6A8E78B3DFE}"/>
-              </a:ext>
-            </a:extLst>
-          </p:cNvPr>
+          <p:cNvPr id="2" name="Заголовок 1"/>
           <p:cNvSpPr>
             <a:spLocks noGrp="1"/>
           </p:cNvSpPr>
@@ -9984,19 +9153,13 @@
               <a:rPr lang="ru-RU" dirty="0"/>
               <a:t>Статическое тестирование</a:t>
             </a:r>
-            <a:endParaRPr lang="ru-BY" dirty="0"/>
-          </a:p>
-        </p:txBody>
-      </p:sp>
-      <p:sp>
-        <p:nvSpPr>
-          <p:cNvPr id="3" name="Объект 2">
-            <a:extLst>
-              <a:ext uri="{FF2B5EF4-FFF2-40B4-BE49-F238E27FC236}">
-                <a16:creationId xmlns:a16="http://schemas.microsoft.com/office/drawing/2014/main" id="{76351C15-188C-4774-9424-D7538F83C378}"/>
-              </a:ext>
-            </a:extLst>
-          </p:cNvPr>
+            <a:endParaRPr lang="en-US" dirty="0"/>
+          </a:p>
+        </p:txBody>
+      </p:sp>
+      <p:sp>
+        <p:nvSpPr>
+          <p:cNvPr id="3" name="Объект 2"/>
           <p:cNvSpPr>
             <a:spLocks noGrp="1"/>
           </p:cNvSpPr>
@@ -10022,6 +9185,13 @@
               </a:rPr>
               <a:t>Оно представляет собой процесс или технику, которые выполняются для поиска потенциальных дефектов в программном обеспечении. Это также процесс обнаружения и устранения ошибок и дефектов в различных сопроводительных документах (например, спецификации требований к программному обеспечению).</a:t>
             </a:r>
+            <a:endParaRPr lang="ru-RU" b="0" i="0" dirty="0">
+              <a:solidFill>
+                <a:srgbClr val="3A3A3A"/>
+              </a:solidFill>
+              <a:effectLst/>
+              <a:latin typeface="Inter"/>
+            </a:endParaRPr>
           </a:p>
           <a:p>
             <a:pPr algn="l" fontAlgn="base"/>
@@ -10055,6 +9225,13 @@
               </a:rPr>
               <a:t> жизненного цикла ПО и является, соответственно, частью процесса верификации.</a:t>
             </a:r>
+            <a:endParaRPr lang="ru-RU" b="0" i="0" dirty="0">
+              <a:solidFill>
+                <a:srgbClr val="3A3A3A"/>
+              </a:solidFill>
+              <a:effectLst/>
+              <a:latin typeface="Inter"/>
+            </a:endParaRPr>
           </a:p>
           <a:p>
             <a:pPr algn="l" fontAlgn="base"/>
@@ -10126,21 +9303,22 @@
               </a:rPr>
               <a:t> Analysis)</a:t>
             </a:r>
-          </a:p>
-          <a:p>
-            <a:endParaRPr lang="ru-BY" dirty="0"/>
-          </a:p>
-        </p:txBody>
-      </p:sp>
-      <p:sp>
-        <p:nvSpPr>
-          <p:cNvPr id="4" name="Дата 3">
-            <a:extLst>
-              <a:ext uri="{FF2B5EF4-FFF2-40B4-BE49-F238E27FC236}">
-                <a16:creationId xmlns:a16="http://schemas.microsoft.com/office/drawing/2014/main" id="{608B339C-C80E-4A6A-B655-515670D94343}"/>
-              </a:ext>
-            </a:extLst>
-          </p:cNvPr>
+            <a:endParaRPr lang="ru-RU" b="0" i="0" dirty="0">
+              <a:solidFill>
+                <a:srgbClr val="3A3A3A"/>
+              </a:solidFill>
+              <a:effectLst/>
+              <a:latin typeface="Inter"/>
+            </a:endParaRPr>
+          </a:p>
+          <a:p>
+            <a:endParaRPr lang="en-US" dirty="0"/>
+          </a:p>
+        </p:txBody>
+      </p:sp>
+      <p:sp>
+        <p:nvSpPr>
+          <p:cNvPr id="4" name="Дата 3"/>
           <p:cNvSpPr>
             <a:spLocks noGrp="1"/>
           </p:cNvSpPr>
@@ -10156,18 +9334,12 @@
             <a:pPr rtl="0"/>
             <a:fld id="{BE289488-0C23-4DC8-A9FA-240659547385}" type="datetime1">
               <a:rPr lang="ru-RU" smtClean="0"/>
-              <a:t>05.05.2022</a:t>
             </a:fld>
             <a:endParaRPr lang="en-US" dirty="0"/>
           </a:p>
         </p:txBody>
       </p:sp>
     </p:spTree>
-    <p:extLst>
-      <p:ext uri="{BB962C8B-B14F-4D97-AF65-F5344CB8AC3E}">
-        <p14:creationId xmlns:p14="http://schemas.microsoft.com/office/powerpoint/2010/main" val="447149103"/>
-      </p:ext>
-    </p:extLst>
   </p:cSld>
   <p:clrMapOvr>
     <a:masterClrMapping/>
@@ -10194,13 +9366,7 @@
       </p:grpSpPr>
       <p:sp>
         <p:nvSpPr>
-          <p:cNvPr id="2" name="Заголовок 1">
-            <a:extLst>
-              <a:ext uri="{FF2B5EF4-FFF2-40B4-BE49-F238E27FC236}">
-                <a16:creationId xmlns:a16="http://schemas.microsoft.com/office/drawing/2014/main" id="{596D37B5-4885-4B75-8F1C-0E90F1F5F07D}"/>
-              </a:ext>
-            </a:extLst>
-          </p:cNvPr>
+          <p:cNvPr id="2" name="Заголовок 1"/>
           <p:cNvSpPr>
             <a:spLocks noGrp="1"/>
           </p:cNvSpPr>
@@ -10221,19 +9387,13 @@
               <a:rPr lang="en-US" dirty="0"/>
               <a:t>Review)</a:t>
             </a:r>
-            <a:endParaRPr lang="ru-BY" dirty="0"/>
-          </a:p>
-        </p:txBody>
-      </p:sp>
-      <p:sp>
-        <p:nvSpPr>
-          <p:cNvPr id="3" name="Объект 2">
-            <a:extLst>
-              <a:ext uri="{FF2B5EF4-FFF2-40B4-BE49-F238E27FC236}">
-                <a16:creationId xmlns:a16="http://schemas.microsoft.com/office/drawing/2014/main" id="{FFFEC973-5AF9-471C-ACC1-A84F9E965EBB}"/>
-              </a:ext>
-            </a:extLst>
-          </p:cNvPr>
+            <a:endParaRPr lang="en-US" dirty="0"/>
+          </a:p>
+        </p:txBody>
+      </p:sp>
+      <p:sp>
+        <p:nvSpPr>
+          <p:cNvPr id="3" name="Объект 2"/>
           <p:cNvSpPr>
             <a:spLocks noGrp="1"/>
           </p:cNvSpPr>
@@ -10269,6 +9429,13 @@
               </a:rPr>
               <a:t>) – проверка обычно используется для поиска и устранения ошибок или неясностей в документах. Это могут быть требования, дизайн, тестовые случаи и так далее.</a:t>
             </a:r>
+            <a:endParaRPr lang="ru-RU" b="0" i="0" dirty="0">
+              <a:solidFill>
+                <a:srgbClr val="3A3A3A"/>
+              </a:solidFill>
+              <a:effectLst/>
+              <a:latin typeface="Inter"/>
+            </a:endParaRPr>
           </a:p>
           <a:p>
             <a:pPr algn="l" fontAlgn="base"/>
@@ -10282,6 +9449,13 @@
               </a:rPr>
               <a:t>В свою очередь обзоры делятся на:</a:t>
             </a:r>
+            <a:endParaRPr lang="ru-RU" b="0" i="0" dirty="0">
+              <a:solidFill>
+                <a:srgbClr val="3A3A3A"/>
+              </a:solidFill>
+              <a:effectLst/>
+              <a:latin typeface="Inter"/>
+            </a:endParaRPr>
           </a:p>
           <a:p>
             <a:pPr algn="l" fontAlgn="base">
@@ -10308,6 +9482,13 @@
               </a:rPr>
               <a:t>При неофициальном рассмотрении создатель документов показывает содержание документов аудитории. Каждый присутствующий высказывает свое мнение, что позволяет выявить недостатки на ранней стадии.</a:t>
             </a:r>
+            <a:endParaRPr lang="ru-RU" b="0" i="0" dirty="0">
+              <a:solidFill>
+                <a:srgbClr val="3A3A3A"/>
+              </a:solidFill>
+              <a:effectLst/>
+              <a:latin typeface="Inter"/>
+            </a:endParaRPr>
           </a:p>
           <a:p>
             <a:pPr algn="l" fontAlgn="base">
@@ -10354,6 +9535,13 @@
               </a:rPr>
               <a:t>Выполняются опытным человеком или экспертом для проверки отсутствия дефектов, с целью предупреждения возникновения проблем на этапе разработки или тестирования.</a:t>
             </a:r>
+            <a:endParaRPr lang="ru-RU" b="0" i="0" dirty="0">
+              <a:solidFill>
+                <a:srgbClr val="3A3A3A"/>
+              </a:solidFill>
+              <a:effectLst/>
+              <a:latin typeface="Inter"/>
+            </a:endParaRPr>
           </a:p>
           <a:p>
             <a:pPr algn="l" fontAlgn="base">
@@ -10380,6 +9568,13 @@
               </a:rPr>
               <a:t>Означает проверку документов для выявления и исправления дефектов. В основном это делается в команде.</a:t>
             </a:r>
+            <a:endParaRPr lang="ru-RU" b="0" i="0" dirty="0">
+              <a:solidFill>
+                <a:srgbClr val="3A3A3A"/>
+              </a:solidFill>
+              <a:effectLst/>
+              <a:latin typeface="Inter"/>
+            </a:endParaRPr>
           </a:p>
           <a:p>
             <a:pPr algn="l" fontAlgn="base">
@@ -10406,21 +9601,22 @@
               </a:rPr>
               <a:t>Это, в большинстве, проверка документа вышестоящим органом, например, проверка требований к программному обеспечению.</a:t>
             </a:r>
-          </a:p>
-          <a:p>
-            <a:endParaRPr lang="ru-BY" dirty="0"/>
-          </a:p>
-        </p:txBody>
-      </p:sp>
-      <p:sp>
-        <p:nvSpPr>
-          <p:cNvPr id="4" name="Дата 3">
-            <a:extLst>
-              <a:ext uri="{FF2B5EF4-FFF2-40B4-BE49-F238E27FC236}">
-                <a16:creationId xmlns:a16="http://schemas.microsoft.com/office/drawing/2014/main" id="{DFA3616C-8B18-469B-8377-F1516C31B7C1}"/>
-              </a:ext>
-            </a:extLst>
-          </p:cNvPr>
+            <a:endParaRPr lang="ru-RU" b="0" i="0" dirty="0">
+              <a:solidFill>
+                <a:srgbClr val="3A3A3A"/>
+              </a:solidFill>
+              <a:effectLst/>
+              <a:latin typeface="Inter"/>
+            </a:endParaRPr>
+          </a:p>
+          <a:p>
+            <a:endParaRPr lang="en-US" dirty="0"/>
+          </a:p>
+        </p:txBody>
+      </p:sp>
+      <p:sp>
+        <p:nvSpPr>
+          <p:cNvPr id="4" name="Дата 3"/>
           <p:cNvSpPr>
             <a:spLocks noGrp="1"/>
           </p:cNvSpPr>
@@ -10436,18 +9632,12 @@
             <a:pPr rtl="0"/>
             <a:fld id="{BE289488-0C23-4DC8-A9FA-240659547385}" type="datetime1">
               <a:rPr lang="ru-RU" smtClean="0"/>
-              <a:t>05.05.2022</a:t>
             </a:fld>
             <a:endParaRPr lang="en-US" dirty="0"/>
           </a:p>
         </p:txBody>
       </p:sp>
     </p:spTree>
-    <p:extLst>
-      <p:ext uri="{BB962C8B-B14F-4D97-AF65-F5344CB8AC3E}">
-        <p14:creationId xmlns:p14="http://schemas.microsoft.com/office/powerpoint/2010/main" val="3352115025"/>
-      </p:ext>
-    </p:extLst>
   </p:cSld>
   <p:clrMapOvr>
     <a:masterClrMapping/>
@@ -10474,13 +9664,7 @@
       </p:grpSpPr>
       <p:sp>
         <p:nvSpPr>
-          <p:cNvPr id="2" name="Заголовок 1">
-            <a:extLst>
-              <a:ext uri="{FF2B5EF4-FFF2-40B4-BE49-F238E27FC236}">
-                <a16:creationId xmlns:a16="http://schemas.microsoft.com/office/drawing/2014/main" id="{826D80DD-2435-4272-881E-9CCF5BCBDF4E}"/>
-              </a:ext>
-            </a:extLst>
-          </p:cNvPr>
+          <p:cNvPr id="2" name="Заголовок 1"/>
           <p:cNvSpPr>
             <a:spLocks noGrp="1"/>
           </p:cNvSpPr>
@@ -10501,19 +9685,13 @@
               <a:rPr lang="en-US" dirty="0"/>
               <a:t>Static Analysis)</a:t>
             </a:r>
-            <a:endParaRPr lang="ru-BY" dirty="0"/>
-          </a:p>
-        </p:txBody>
-      </p:sp>
-      <p:sp>
-        <p:nvSpPr>
-          <p:cNvPr id="3" name="Объект 2">
-            <a:extLst>
-              <a:ext uri="{FF2B5EF4-FFF2-40B4-BE49-F238E27FC236}">
-                <a16:creationId xmlns:a16="http://schemas.microsoft.com/office/drawing/2014/main" id="{4BFEEE42-7DC4-4631-8B3E-C4B0E5E17F29}"/>
-              </a:ext>
-            </a:extLst>
-          </p:cNvPr>
+            <a:endParaRPr lang="en-US" dirty="0"/>
+          </a:p>
+        </p:txBody>
+      </p:sp>
+      <p:sp>
+        <p:nvSpPr>
+          <p:cNvPr id="3" name="Объект 2"/>
           <p:cNvSpPr>
             <a:spLocks noGrp="1"/>
           </p:cNvSpPr>
@@ -10569,6 +9747,13 @@
               </a:rPr>
               <a:t>– код, написанный разработчиками, анализируется на наличие структурных дефектов, которые могут привести к ошибкам.</a:t>
             </a:r>
+            <a:endParaRPr lang="ru-RU" b="0" i="0" dirty="0">
+              <a:solidFill>
+                <a:srgbClr val="3A3A3A"/>
+              </a:solidFill>
+              <a:effectLst/>
+              <a:latin typeface="Inter"/>
+            </a:endParaRPr>
           </a:p>
           <a:p>
             <a:pPr algn="l" fontAlgn="base"/>
@@ -10677,6 +9862,13 @@
               </a:rPr>
               <a:t>— неправильный синтаксис.</a:t>
             </a:r>
+            <a:endParaRPr lang="ru-RU" b="0" i="0" dirty="0">
+              <a:solidFill>
+                <a:srgbClr val="3A3A3A"/>
+              </a:solidFill>
+              <a:effectLst/>
+              <a:latin typeface="Inter"/>
+            </a:endParaRPr>
           </a:p>
           <a:p>
             <a:pPr algn="l" fontAlgn="base"/>
@@ -10690,18 +9882,19 @@
               </a:rPr>
               <a:t>Анализ может производится как вручную, так и с помощью специальных инструментов. Например, можно использовать автоматические средства проверки синтаксиса программного кода.</a:t>
             </a:r>
-          </a:p>
-        </p:txBody>
-      </p:sp>
-      <p:sp>
-        <p:nvSpPr>
-          <p:cNvPr id="4" name="Дата 3">
-            <a:extLst>
-              <a:ext uri="{FF2B5EF4-FFF2-40B4-BE49-F238E27FC236}">
-                <a16:creationId xmlns:a16="http://schemas.microsoft.com/office/drawing/2014/main" id="{85D3C758-7FFE-4887-99D4-6A27B8026C49}"/>
-              </a:ext>
-            </a:extLst>
-          </p:cNvPr>
+            <a:endParaRPr lang="ru-RU" b="0" i="0" dirty="0">
+              <a:solidFill>
+                <a:srgbClr val="3A3A3A"/>
+              </a:solidFill>
+              <a:effectLst/>
+              <a:latin typeface="Inter"/>
+            </a:endParaRPr>
+          </a:p>
+        </p:txBody>
+      </p:sp>
+      <p:sp>
+        <p:nvSpPr>
+          <p:cNvPr id="4" name="Дата 3"/>
           <p:cNvSpPr>
             <a:spLocks noGrp="1"/>
           </p:cNvSpPr>
@@ -10717,18 +9910,12 @@
             <a:pPr rtl="0"/>
             <a:fld id="{BE289488-0C23-4DC8-A9FA-240659547385}" type="datetime1">
               <a:rPr lang="ru-RU" smtClean="0"/>
-              <a:t>05.05.2022</a:t>
             </a:fld>
             <a:endParaRPr lang="en-US" dirty="0"/>
           </a:p>
         </p:txBody>
       </p:sp>
     </p:spTree>
-    <p:extLst>
-      <p:ext uri="{BB962C8B-B14F-4D97-AF65-F5344CB8AC3E}">
-        <p14:creationId xmlns:p14="http://schemas.microsoft.com/office/powerpoint/2010/main" val="3341798891"/>
-      </p:ext>
-    </p:extLst>
   </p:cSld>
   <p:clrMapOvr>
     <a:masterClrMapping/>
@@ -10755,13 +9942,7 @@
       </p:grpSpPr>
       <p:sp>
         <p:nvSpPr>
-          <p:cNvPr id="2" name="Заголовок 1">
-            <a:extLst>
-              <a:ext uri="{FF2B5EF4-FFF2-40B4-BE49-F238E27FC236}">
-                <a16:creationId xmlns:a16="http://schemas.microsoft.com/office/drawing/2014/main" id="{1A03563D-93A6-4763-92C2-8A553D7F58FB}"/>
-              </a:ext>
-            </a:extLst>
-          </p:cNvPr>
+          <p:cNvPr id="2" name="Заголовок 1"/>
           <p:cNvSpPr>
             <a:spLocks noGrp="1"/>
           </p:cNvSpPr>
@@ -10785,19 +9966,13 @@
               <a:rPr lang="ru-RU" dirty="0"/>
               <a:t>Что тестируется?</a:t>
             </a:r>
-            <a:endParaRPr lang="ru-BY" dirty="0"/>
-          </a:p>
-        </p:txBody>
-      </p:sp>
-      <p:sp>
-        <p:nvSpPr>
-          <p:cNvPr id="3" name="Объект 2">
-            <a:extLst>
-              <a:ext uri="{FF2B5EF4-FFF2-40B4-BE49-F238E27FC236}">
-                <a16:creationId xmlns:a16="http://schemas.microsoft.com/office/drawing/2014/main" id="{3510DA91-6524-43CB-BDC6-376F6E9E5B92}"/>
-              </a:ext>
-            </a:extLst>
-          </p:cNvPr>
+            <a:endParaRPr lang="en-US" dirty="0"/>
+          </a:p>
+        </p:txBody>
+      </p:sp>
+      <p:sp>
+        <p:nvSpPr>
+          <p:cNvPr id="3" name="Объект 2"/>
           <p:cNvSpPr>
             <a:spLocks noGrp="1"/>
           </p:cNvSpPr>
@@ -10834,6 +10009,13 @@
               </a:rPr>
               <a:t> (требования, тест-кейсы, описания архитектуры приложения, схемы баз данных и т.д.).</a:t>
             </a:r>
+            <a:endParaRPr lang="ru-RU" b="0" i="0" dirty="0">
+              <a:solidFill>
+                <a:srgbClr val="3A3A3A"/>
+              </a:solidFill>
+              <a:effectLst/>
+              <a:latin typeface="Inter"/>
+            </a:endParaRPr>
           </a:p>
           <a:p>
             <a:pPr algn="just" fontAlgn="base">
@@ -10860,6 +10042,13 @@
               </a:rPr>
               <a:t>(например, эскизы пользовательского интерфейса).</a:t>
             </a:r>
+            <a:endParaRPr lang="ru-RU" b="0" i="0" dirty="0">
+              <a:solidFill>
+                <a:srgbClr val="3A3A3A"/>
+              </a:solidFill>
+              <a:effectLst/>
+              <a:latin typeface="Inter"/>
+            </a:endParaRPr>
           </a:p>
           <a:p>
             <a:pPr algn="just" fontAlgn="base">
@@ -10926,6 +10115,13 @@
               </a:rPr>
               <a:t>), являющегося специфической вариацией взаимного просмотра в применении к исходному коду). Код приложения также можно проверять с использованием техник тестирования на основе структур кода.</a:t>
             </a:r>
+            <a:endParaRPr lang="ru-RU" b="0" i="0" dirty="0">
+              <a:solidFill>
+                <a:srgbClr val="3A3A3A"/>
+              </a:solidFill>
+              <a:effectLst/>
+              <a:latin typeface="Inter"/>
+            </a:endParaRPr>
           </a:p>
           <a:p>
             <a:pPr algn="just" fontAlgn="base">
@@ -10952,6 +10148,13 @@
               </a:rPr>
               <a:t>приложения.</a:t>
             </a:r>
+            <a:endParaRPr lang="ru-RU" b="0" i="0" dirty="0">
+              <a:solidFill>
+                <a:srgbClr val="3A3A3A"/>
+              </a:solidFill>
+              <a:effectLst/>
+              <a:latin typeface="Inter"/>
+            </a:endParaRPr>
           </a:p>
           <a:p>
             <a:pPr algn="just" fontAlgn="base">
@@ -10978,21 +10181,22 @@
               </a:rPr>
               <a:t>.</a:t>
             </a:r>
-          </a:p>
-          <a:p>
-            <a:endParaRPr lang="ru-BY" dirty="0"/>
-          </a:p>
-        </p:txBody>
-      </p:sp>
-      <p:sp>
-        <p:nvSpPr>
-          <p:cNvPr id="4" name="Дата 3">
-            <a:extLst>
-              <a:ext uri="{FF2B5EF4-FFF2-40B4-BE49-F238E27FC236}">
-                <a16:creationId xmlns:a16="http://schemas.microsoft.com/office/drawing/2014/main" id="{4BF3BFAB-801C-48E5-900A-0A31AB781637}"/>
-              </a:ext>
-            </a:extLst>
-          </p:cNvPr>
+            <a:endParaRPr lang="ru-RU" b="0" i="0" dirty="0">
+              <a:solidFill>
+                <a:srgbClr val="3A3A3A"/>
+              </a:solidFill>
+              <a:effectLst/>
+              <a:latin typeface="Inter"/>
+            </a:endParaRPr>
+          </a:p>
+          <a:p>
+            <a:endParaRPr lang="en-US" dirty="0"/>
+          </a:p>
+        </p:txBody>
+      </p:sp>
+      <p:sp>
+        <p:nvSpPr>
+          <p:cNvPr id="4" name="Дата 3"/>
           <p:cNvSpPr>
             <a:spLocks noGrp="1"/>
           </p:cNvSpPr>
@@ -11008,18 +10212,12 @@
             <a:pPr rtl="0"/>
             <a:fld id="{BE289488-0C23-4DC8-A9FA-240659547385}" type="datetime1">
               <a:rPr lang="ru-RU" smtClean="0"/>
-              <a:t>05.05.2022</a:t>
             </a:fld>
             <a:endParaRPr lang="en-US" dirty="0"/>
           </a:p>
         </p:txBody>
       </p:sp>
     </p:spTree>
-    <p:extLst>
-      <p:ext uri="{BB962C8B-B14F-4D97-AF65-F5344CB8AC3E}">
-        <p14:creationId xmlns:p14="http://schemas.microsoft.com/office/powerpoint/2010/main" val="874853749"/>
-      </p:ext>
-    </p:extLst>
   </p:cSld>
   <p:clrMapOvr>
     <a:masterClrMapping/>
@@ -11070,7 +10268,7 @@
     </a:clrScheme>
     <a:fontScheme name="Retrospect">
       <a:majorFont>
-        <a:latin typeface="Bookman Old Style" panose="020F0302020204030204"/>
+        <a:latin typeface="Bookman Old Style"/>
         <a:ea typeface=""/>
         <a:cs typeface=""/>
         <a:font script="Jpan" typeface="ＭＳ Ｐゴシック"/>
@@ -11105,7 +10303,7 @@
         <a:font script="Geor" typeface="Sylfaen"/>
       </a:majorFont>
       <a:minorFont>
-        <a:latin typeface="Franklin Gothic Book" panose="020F0502020204030204"/>
+        <a:latin typeface="Franklin Gothic Book"/>
         <a:ea typeface=""/>
         <a:cs typeface=""/>
         <a:font script="Jpan" typeface="ＭＳ Ｐゴシック"/>
@@ -11300,11 +10498,9 @@
       </a:bgFillStyleLst>
     </a:fmtScheme>
   </a:themeElements>
-  <a:objectDefaults/>
-  <a:extraClrSchemeLst/>
   <a:extLst>
     <a:ext uri="{05A4C25C-085E-4340-85A3-A5531E510DB2}">
-      <thm15:themeFamily xmlns:thm15="http://schemas.microsoft.com/office/thememl/2012/main" name="Office_41798995_TF56160789" id="{E9416FAF-F856-40AC-9675-C9B0760B1290}" vid="{1EEFFE07-2D5A-4CA5-A479-4D088CDD8AD4}"/>
+      <thm15:themeFamily xmlns:thm15="http://schemas.microsoft.com/office/thememl/2012/main" name="Office Theme" id="{62F939B6-93AF-4DB8-9C6B-D6C7DFDC589F}" vid="{4A3C46E8-61CC-4603-A589-7422A47A8E4A}"/>
     </a:ext>
   </a:extLst>
 </a:theme>
@@ -11353,7 +10549,7 @@
     </a:clrScheme>
     <a:fontScheme name="Office">
       <a:majorFont>
-        <a:latin typeface="Calibri Light" panose="020F0302020204030204"/>
+        <a:latin typeface="Calibri Light"/>
         <a:ea typeface=""/>
         <a:cs typeface=""/>
         <a:font script="Jpan" typeface="游ゴシック Light"/>
@@ -11388,7 +10584,7 @@
         <a:font script="Geor" typeface="Sylfaen"/>
       </a:majorFont>
       <a:minorFont>
-        <a:latin typeface="Calibri" panose="020F0502020204030204"/>
+        <a:latin typeface="Calibri"/>
         <a:ea typeface=""/>
         <a:cs typeface=""/>
         <a:font script="Jpan" typeface="游ゴシック"/>
@@ -11561,8 +10757,6 @@
       </a:bgFillStyleLst>
     </a:fmtScheme>
   </a:themeElements>
-  <a:objectDefaults/>
-  <a:extraClrSchemeLst/>
   <a:extLst>
     <a:ext uri="{05A4C25C-085E-4340-85A3-A5531E510DB2}">
       <thm15:themeFamily xmlns:thm15="http://schemas.microsoft.com/office/thememl/2012/main" name="Office Theme" id="{62F939B6-93AF-4DB8-9C6B-D6C7DFDC589F}" vid="{4A3C46E8-61CC-4603-A589-7422A47A8E4A}"/>
@@ -11614,7 +10808,7 @@
     </a:clrScheme>
     <a:fontScheme name="Office">
       <a:majorFont>
-        <a:latin typeface="Calibri Light" panose="020F0302020204030204"/>
+        <a:latin typeface="Calibri Light"/>
         <a:ea typeface=""/>
         <a:cs typeface=""/>
         <a:font script="Jpan" typeface="游ゴシック Light"/>
@@ -11649,7 +10843,7 @@
         <a:font script="Geor" typeface="Sylfaen"/>
       </a:majorFont>
       <a:minorFont>
-        <a:latin typeface="Calibri" panose="020F0502020204030204"/>
+        <a:latin typeface="Calibri"/>
         <a:ea typeface=""/>
         <a:cs typeface=""/>
         <a:font script="Jpan" typeface="游ゴシック"/>
@@ -11822,8 +11016,6 @@
       </a:bgFillStyleLst>
     </a:fmtScheme>
   </a:themeElements>
-  <a:objectDefaults/>
-  <a:extraClrSchemeLst/>
   <a:extLst>
     <a:ext uri="{05A4C25C-085E-4340-85A3-A5531E510DB2}">
       <thm15:themeFamily xmlns:thm15="http://schemas.microsoft.com/office/thememl/2012/main" name="Office Theme" id="{62F939B6-93AF-4DB8-9C6B-D6C7DFDC589F}" vid="{4A3C46E8-61CC-4603-A589-7422A47A8E4A}"/>
